--- a/Gun Violence in USA.pptx
+++ b/Gun Violence in USA.pptx
@@ -4,17 +4,24 @@
   <p:sldMasterIdLst>
     <p:sldMasterId id="2147483696" r:id="rId1"/>
   </p:sldMasterIdLst>
+  <p:notesMasterIdLst>
+    <p:notesMasterId r:id="rId16"/>
+  </p:notesMasterIdLst>
   <p:sldIdLst>
     <p:sldId id="256" r:id="rId2"/>
     <p:sldId id="257" r:id="rId3"/>
     <p:sldId id="258" r:id="rId4"/>
     <p:sldId id="259" r:id="rId5"/>
-    <p:sldId id="266" r:id="rId6"/>
+    <p:sldId id="268" r:id="rId6"/>
     <p:sldId id="264" r:id="rId7"/>
-    <p:sldId id="265" r:id="rId8"/>
-    <p:sldId id="261" r:id="rId9"/>
-    <p:sldId id="262" r:id="rId10"/>
-    <p:sldId id="263" r:id="rId11"/>
+    <p:sldId id="269" r:id="rId8"/>
+    <p:sldId id="265" r:id="rId9"/>
+    <p:sldId id="270" r:id="rId10"/>
+    <p:sldId id="267" r:id="rId11"/>
+    <p:sldId id="266" r:id="rId12"/>
+    <p:sldId id="261" r:id="rId13"/>
+    <p:sldId id="262" r:id="rId14"/>
+    <p:sldId id="263" r:id="rId15"/>
   </p:sldIdLst>
   <p:sldSz cx="12192000" cy="6858000"/>
   <p:notesSz cx="6858000" cy="9144000"/>
@@ -113,7 +120,4817 @@
       </a:defRPr>
     </a:lvl9pPr>
   </p:defaultTextStyle>
+  <p:extLst>
+    <p:ext uri="{EFAFB233-063F-42B5-8137-9DF3F51BA10A}">
+      <p15:sldGuideLst xmlns:p15="http://schemas.microsoft.com/office/powerpoint/2012/main"/>
+    </p:ext>
+  </p:extLst>
 </p:presentation>
+</file>
+
+<file path=ppt/revisionInfo.xml><?xml version="1.0" encoding="utf-8"?>
+<p1510:revInfo xmlns:a="http://schemas.openxmlformats.org/drawingml/2006/main" xmlns:r="http://schemas.openxmlformats.org/officeDocument/2006/relationships" xmlns:p1510="http://schemas.microsoft.com/office/powerpoint/2015/10/main"/>
+</file>
+
+<file path=ppt/diagrams/colors1.xml><?xml version="1.0" encoding="utf-8"?>
+<dgm:colorsDef xmlns:dgm="http://schemas.openxmlformats.org/drawingml/2006/diagram" xmlns:a="http://schemas.openxmlformats.org/drawingml/2006/main" uniqueId="urn:microsoft.com/office/officeart/2005/8/colors/colorful2">
+  <dgm:title val=""/>
+  <dgm:desc val=""/>
+  <dgm:catLst>
+    <dgm:cat type="colorful" pri="10200"/>
+  </dgm:catLst>
+  <dgm:styleLbl name="node0">
+    <dgm:fillClrLst meth="repeat">
+      <a:schemeClr val="accent1"/>
+    </dgm:fillClrLst>
+    <dgm:linClrLst meth="repeat">
+      <a:schemeClr val="lt1"/>
+    </dgm:linClrLst>
+    <dgm:effectClrLst/>
+    <dgm:txLinClrLst/>
+    <dgm:txFillClrLst/>
+    <dgm:txEffectClrLst/>
+  </dgm:styleLbl>
+  <dgm:styleLbl name="node1">
+    <dgm:fillClrLst>
+      <a:schemeClr val="accent2"/>
+      <a:schemeClr val="accent3"/>
+    </dgm:fillClrLst>
+    <dgm:linClrLst meth="repeat">
+      <a:schemeClr val="lt1"/>
+    </dgm:linClrLst>
+    <dgm:effectClrLst/>
+    <dgm:txLinClrLst/>
+    <dgm:txFillClrLst/>
+    <dgm:txEffectClrLst/>
+  </dgm:styleLbl>
+  <dgm:styleLbl name="alignNode1">
+    <dgm:fillClrLst>
+      <a:schemeClr val="accent2"/>
+      <a:schemeClr val="accent3"/>
+    </dgm:fillClrLst>
+    <dgm:linClrLst>
+      <a:schemeClr val="accent2"/>
+      <a:schemeClr val="accent3"/>
+    </dgm:linClrLst>
+    <dgm:effectClrLst/>
+    <dgm:txLinClrLst/>
+    <dgm:txFillClrLst/>
+    <dgm:txEffectClrLst/>
+  </dgm:styleLbl>
+  <dgm:styleLbl name="lnNode1">
+    <dgm:fillClrLst>
+      <a:schemeClr val="accent2"/>
+      <a:schemeClr val="accent3"/>
+    </dgm:fillClrLst>
+    <dgm:linClrLst meth="repeat">
+      <a:schemeClr val="lt1"/>
+    </dgm:linClrLst>
+    <dgm:effectClrLst/>
+    <dgm:txLinClrLst/>
+    <dgm:txFillClrLst/>
+    <dgm:txEffectClrLst/>
+  </dgm:styleLbl>
+  <dgm:styleLbl name="vennNode1">
+    <dgm:fillClrLst>
+      <a:schemeClr val="accent2">
+        <a:alpha val="50000"/>
+      </a:schemeClr>
+      <a:schemeClr val="accent3">
+        <a:alpha val="50000"/>
+      </a:schemeClr>
+    </dgm:fillClrLst>
+    <dgm:linClrLst meth="repeat">
+      <a:schemeClr val="lt1"/>
+    </dgm:linClrLst>
+    <dgm:effectClrLst/>
+    <dgm:txLinClrLst/>
+    <dgm:txFillClrLst/>
+    <dgm:txEffectClrLst/>
+  </dgm:styleLbl>
+  <dgm:styleLbl name="node2">
+    <dgm:fillClrLst>
+      <a:schemeClr val="accent3"/>
+    </dgm:fillClrLst>
+    <dgm:linClrLst meth="repeat">
+      <a:schemeClr val="lt1"/>
+    </dgm:linClrLst>
+    <dgm:effectClrLst/>
+    <dgm:txLinClrLst/>
+    <dgm:txFillClrLst/>
+    <dgm:txEffectClrLst/>
+  </dgm:styleLbl>
+  <dgm:styleLbl name="node3">
+    <dgm:fillClrLst>
+      <a:schemeClr val="accent4"/>
+    </dgm:fillClrLst>
+    <dgm:linClrLst meth="repeat">
+      <a:schemeClr val="lt1"/>
+    </dgm:linClrLst>
+    <dgm:effectClrLst/>
+    <dgm:txLinClrLst/>
+    <dgm:txFillClrLst/>
+    <dgm:txEffectClrLst/>
+  </dgm:styleLbl>
+  <dgm:styleLbl name="node4">
+    <dgm:fillClrLst>
+      <a:schemeClr val="accent5"/>
+    </dgm:fillClrLst>
+    <dgm:linClrLst meth="repeat">
+      <a:schemeClr val="lt1"/>
+    </dgm:linClrLst>
+    <dgm:effectClrLst/>
+    <dgm:txLinClrLst/>
+    <dgm:txFillClrLst/>
+    <dgm:txEffectClrLst/>
+  </dgm:styleLbl>
+  <dgm:styleLbl name="fgImgPlace1">
+    <dgm:fillClrLst>
+      <a:schemeClr val="accent2">
+        <a:tint val="50000"/>
+      </a:schemeClr>
+      <a:schemeClr val="accent3">
+        <a:tint val="50000"/>
+      </a:schemeClr>
+    </dgm:fillClrLst>
+    <dgm:linClrLst meth="repeat">
+      <a:schemeClr val="lt1"/>
+    </dgm:linClrLst>
+    <dgm:effectClrLst/>
+    <dgm:txLinClrLst/>
+    <dgm:txFillClrLst meth="repeat">
+      <a:schemeClr val="lt1"/>
+    </dgm:txFillClrLst>
+    <dgm:txEffectClrLst/>
+  </dgm:styleLbl>
+  <dgm:styleLbl name="alignImgPlace1">
+    <dgm:fillClrLst>
+      <a:schemeClr val="accent2">
+        <a:tint val="50000"/>
+      </a:schemeClr>
+      <a:schemeClr val="accent3">
+        <a:tint val="20000"/>
+      </a:schemeClr>
+    </dgm:fillClrLst>
+    <dgm:linClrLst meth="repeat">
+      <a:schemeClr val="lt1"/>
+    </dgm:linClrLst>
+    <dgm:effectClrLst/>
+    <dgm:txLinClrLst/>
+    <dgm:txFillClrLst meth="repeat">
+      <a:schemeClr val="lt1"/>
+    </dgm:txFillClrLst>
+    <dgm:txEffectClrLst/>
+  </dgm:styleLbl>
+  <dgm:styleLbl name="bgImgPlace1">
+    <dgm:fillClrLst>
+      <a:schemeClr val="accent2">
+        <a:tint val="50000"/>
+      </a:schemeClr>
+      <a:schemeClr val="accent3">
+        <a:tint val="20000"/>
+      </a:schemeClr>
+    </dgm:fillClrLst>
+    <dgm:linClrLst meth="repeat">
+      <a:schemeClr val="lt1"/>
+    </dgm:linClrLst>
+    <dgm:effectClrLst/>
+    <dgm:txLinClrLst/>
+    <dgm:txFillClrLst meth="repeat">
+      <a:schemeClr val="lt1"/>
+    </dgm:txFillClrLst>
+    <dgm:txEffectClrLst/>
+  </dgm:styleLbl>
+  <dgm:styleLbl name="sibTrans2D1">
+    <dgm:fillClrLst>
+      <a:schemeClr val="accent2"/>
+      <a:schemeClr val="accent3"/>
+    </dgm:fillClrLst>
+    <dgm:linClrLst meth="repeat">
+      <a:schemeClr val="lt1"/>
+    </dgm:linClrLst>
+    <dgm:effectClrLst/>
+    <dgm:txLinClrLst/>
+    <dgm:txFillClrLst/>
+    <dgm:txEffectClrLst/>
+  </dgm:styleLbl>
+  <dgm:styleLbl name="fgSibTrans2D1">
+    <dgm:fillClrLst>
+      <a:schemeClr val="accent2"/>
+      <a:schemeClr val="accent3"/>
+    </dgm:fillClrLst>
+    <dgm:linClrLst meth="repeat">
+      <a:schemeClr val="lt1"/>
+    </dgm:linClrLst>
+    <dgm:effectClrLst/>
+    <dgm:txLinClrLst/>
+    <dgm:txFillClrLst meth="repeat">
+      <a:schemeClr val="lt1"/>
+    </dgm:txFillClrLst>
+    <dgm:txEffectClrLst/>
+  </dgm:styleLbl>
+  <dgm:styleLbl name="bgSibTrans2D1">
+    <dgm:fillClrLst>
+      <a:schemeClr val="accent2"/>
+      <a:schemeClr val="accent3"/>
+    </dgm:fillClrLst>
+    <dgm:linClrLst meth="repeat">
+      <a:schemeClr val="lt1"/>
+    </dgm:linClrLst>
+    <dgm:effectClrLst/>
+    <dgm:txLinClrLst/>
+    <dgm:txFillClrLst meth="repeat">
+      <a:schemeClr val="lt1"/>
+    </dgm:txFillClrLst>
+    <dgm:txEffectClrLst/>
+  </dgm:styleLbl>
+  <dgm:styleLbl name="sibTrans1D1">
+    <dgm:fillClrLst/>
+    <dgm:linClrLst>
+      <a:schemeClr val="accent2"/>
+      <a:schemeClr val="accent3"/>
+    </dgm:linClrLst>
+    <dgm:effectClrLst/>
+    <dgm:txLinClrLst/>
+    <dgm:txFillClrLst meth="repeat">
+      <a:schemeClr val="tx1"/>
+    </dgm:txFillClrLst>
+    <dgm:txEffectClrLst/>
+  </dgm:styleLbl>
+  <dgm:styleLbl name="callout">
+    <dgm:fillClrLst meth="repeat">
+      <a:schemeClr val="accent2"/>
+    </dgm:fillClrLst>
+    <dgm:linClrLst meth="repeat">
+      <a:schemeClr val="accent2">
+        <a:tint val="50000"/>
+      </a:schemeClr>
+    </dgm:linClrLst>
+    <dgm:effectClrLst/>
+    <dgm:txLinClrLst/>
+    <dgm:txFillClrLst meth="repeat">
+      <a:schemeClr val="tx1"/>
+    </dgm:txFillClrLst>
+    <dgm:txEffectClrLst/>
+  </dgm:styleLbl>
+  <dgm:styleLbl name="asst0">
+    <dgm:fillClrLst meth="repeat">
+      <a:schemeClr val="accent2"/>
+    </dgm:fillClrLst>
+    <dgm:linClrLst meth="repeat">
+      <a:schemeClr val="lt1">
+        <a:shade val="80000"/>
+      </a:schemeClr>
+    </dgm:linClrLst>
+    <dgm:effectClrLst/>
+    <dgm:txLinClrLst/>
+    <dgm:txFillClrLst/>
+    <dgm:txEffectClrLst/>
+  </dgm:styleLbl>
+  <dgm:styleLbl name="asst1">
+    <dgm:fillClrLst meth="repeat">
+      <a:schemeClr val="accent3"/>
+    </dgm:fillClrLst>
+    <dgm:linClrLst meth="repeat">
+      <a:schemeClr val="lt1">
+        <a:shade val="80000"/>
+      </a:schemeClr>
+    </dgm:linClrLst>
+    <dgm:effectClrLst/>
+    <dgm:txLinClrLst/>
+    <dgm:txFillClrLst/>
+    <dgm:txEffectClrLst/>
+  </dgm:styleLbl>
+  <dgm:styleLbl name="asst2">
+    <dgm:fillClrLst>
+      <a:schemeClr val="accent4"/>
+    </dgm:fillClrLst>
+    <dgm:linClrLst meth="repeat">
+      <a:schemeClr val="lt1"/>
+    </dgm:linClrLst>
+    <dgm:effectClrLst/>
+    <dgm:txLinClrLst/>
+    <dgm:txFillClrLst/>
+    <dgm:txEffectClrLst/>
+  </dgm:styleLbl>
+  <dgm:styleLbl name="asst3">
+    <dgm:fillClrLst>
+      <a:schemeClr val="accent5"/>
+    </dgm:fillClrLst>
+    <dgm:linClrLst meth="repeat">
+      <a:schemeClr val="lt1"/>
+    </dgm:linClrLst>
+    <dgm:effectClrLst/>
+    <dgm:txLinClrLst/>
+    <dgm:txFillClrLst/>
+    <dgm:txEffectClrLst/>
+  </dgm:styleLbl>
+  <dgm:styleLbl name="asst4">
+    <dgm:fillClrLst>
+      <a:schemeClr val="accent6"/>
+    </dgm:fillClrLst>
+    <dgm:linClrLst meth="repeat">
+      <a:schemeClr val="lt1"/>
+    </dgm:linClrLst>
+    <dgm:effectClrLst/>
+    <dgm:txLinClrLst/>
+    <dgm:txFillClrLst/>
+    <dgm:txEffectClrLst/>
+  </dgm:styleLbl>
+  <dgm:styleLbl name="parChTrans2D1">
+    <dgm:fillClrLst meth="repeat">
+      <a:schemeClr val="accent2"/>
+    </dgm:fillClrLst>
+    <dgm:linClrLst meth="repeat">
+      <a:schemeClr val="lt1"/>
+    </dgm:linClrLst>
+    <dgm:effectClrLst/>
+    <dgm:txLinClrLst/>
+    <dgm:txFillClrLst meth="repeat">
+      <a:schemeClr val="lt1"/>
+    </dgm:txFillClrLst>
+    <dgm:txEffectClrLst/>
+  </dgm:styleLbl>
+  <dgm:styleLbl name="parChTrans2D2">
+    <dgm:fillClrLst meth="repeat">
+      <a:schemeClr val="accent3"/>
+    </dgm:fillClrLst>
+    <dgm:linClrLst meth="repeat">
+      <a:schemeClr val="lt1"/>
+    </dgm:linClrLst>
+    <dgm:effectClrLst/>
+    <dgm:txLinClrLst/>
+    <dgm:txFillClrLst/>
+    <dgm:txEffectClrLst/>
+  </dgm:styleLbl>
+  <dgm:styleLbl name="parChTrans2D3">
+    <dgm:fillClrLst meth="repeat">
+      <a:schemeClr val="accent4"/>
+    </dgm:fillClrLst>
+    <dgm:linClrLst meth="repeat">
+      <a:schemeClr val="lt1"/>
+    </dgm:linClrLst>
+    <dgm:effectClrLst/>
+    <dgm:txLinClrLst/>
+    <dgm:txFillClrLst/>
+    <dgm:txEffectClrLst/>
+  </dgm:styleLbl>
+  <dgm:styleLbl name="parChTrans2D4">
+    <dgm:fillClrLst meth="repeat">
+      <a:schemeClr val="accent5"/>
+    </dgm:fillClrLst>
+    <dgm:linClrLst meth="repeat">
+      <a:schemeClr val="lt1"/>
+    </dgm:linClrLst>
+    <dgm:effectClrLst/>
+    <dgm:txLinClrLst/>
+    <dgm:txFillClrLst meth="repeat">
+      <a:schemeClr val="lt1"/>
+    </dgm:txFillClrLst>
+    <dgm:txEffectClrLst/>
+  </dgm:styleLbl>
+  <dgm:styleLbl name="parChTrans1D1">
+    <dgm:fillClrLst meth="repeat">
+      <a:schemeClr val="accent2"/>
+    </dgm:fillClrLst>
+    <dgm:linClrLst meth="repeat">
+      <a:schemeClr val="accent2"/>
+    </dgm:linClrLst>
+    <dgm:effectClrLst/>
+    <dgm:txLinClrLst/>
+    <dgm:txFillClrLst meth="repeat">
+      <a:schemeClr val="tx1"/>
+    </dgm:txFillClrLst>
+    <dgm:txEffectClrLst/>
+  </dgm:styleLbl>
+  <dgm:styleLbl name="parChTrans1D2">
+    <dgm:fillClrLst meth="repeat">
+      <a:schemeClr val="accent2">
+        <a:tint val="90000"/>
+      </a:schemeClr>
+    </dgm:fillClrLst>
+    <dgm:linClrLst meth="repeat">
+      <a:schemeClr val="accent3"/>
+    </dgm:linClrLst>
+    <dgm:effectClrLst/>
+    <dgm:txLinClrLst/>
+    <dgm:txFillClrLst meth="repeat">
+      <a:schemeClr val="tx1"/>
+    </dgm:txFillClrLst>
+    <dgm:txEffectClrLst/>
+  </dgm:styleLbl>
+  <dgm:styleLbl name="parChTrans1D3">
+    <dgm:fillClrLst meth="repeat">
+      <a:schemeClr val="accent2">
+        <a:tint val="70000"/>
+      </a:schemeClr>
+    </dgm:fillClrLst>
+    <dgm:linClrLst meth="repeat">
+      <a:schemeClr val="accent4"/>
+    </dgm:linClrLst>
+    <dgm:effectClrLst/>
+    <dgm:txLinClrLst/>
+    <dgm:txFillClrLst meth="repeat">
+      <a:schemeClr val="tx1"/>
+    </dgm:txFillClrLst>
+    <dgm:txEffectClrLst/>
+  </dgm:styleLbl>
+  <dgm:styleLbl name="parChTrans1D4">
+    <dgm:fillClrLst meth="repeat">
+      <a:schemeClr val="accent2">
+        <a:tint val="50000"/>
+      </a:schemeClr>
+    </dgm:fillClrLst>
+    <dgm:linClrLst meth="repeat">
+      <a:schemeClr val="accent5"/>
+    </dgm:linClrLst>
+    <dgm:effectClrLst/>
+    <dgm:txLinClrLst/>
+    <dgm:txFillClrLst meth="repeat">
+      <a:schemeClr val="tx1"/>
+    </dgm:txFillClrLst>
+    <dgm:txEffectClrLst/>
+  </dgm:styleLbl>
+  <dgm:styleLbl name="fgAcc1">
+    <dgm:fillClrLst meth="repeat">
+      <a:schemeClr val="lt1">
+        <a:alpha val="90000"/>
+      </a:schemeClr>
+    </dgm:fillClrLst>
+    <dgm:linClrLst>
+      <a:schemeClr val="accent2"/>
+      <a:schemeClr val="accent3"/>
+    </dgm:linClrLst>
+    <dgm:effectClrLst/>
+    <dgm:txLinClrLst/>
+    <dgm:txFillClrLst meth="repeat">
+      <a:schemeClr val="dk1"/>
+    </dgm:txFillClrLst>
+    <dgm:txEffectClrLst/>
+  </dgm:styleLbl>
+  <dgm:styleLbl name="conFgAcc1">
+    <dgm:fillClrLst meth="repeat">
+      <a:schemeClr val="lt1">
+        <a:alpha val="90000"/>
+      </a:schemeClr>
+    </dgm:fillClrLst>
+    <dgm:linClrLst>
+      <a:schemeClr val="accent2"/>
+      <a:schemeClr val="accent3"/>
+    </dgm:linClrLst>
+    <dgm:effectClrLst/>
+    <dgm:txLinClrLst/>
+    <dgm:txFillClrLst meth="repeat">
+      <a:schemeClr val="dk1"/>
+    </dgm:txFillClrLst>
+    <dgm:txEffectClrLst/>
+  </dgm:styleLbl>
+  <dgm:styleLbl name="alignAcc1">
+    <dgm:fillClrLst meth="repeat">
+      <a:schemeClr val="lt1">
+        <a:alpha val="90000"/>
+      </a:schemeClr>
+    </dgm:fillClrLst>
+    <dgm:linClrLst>
+      <a:schemeClr val="accent2"/>
+      <a:schemeClr val="accent3"/>
+    </dgm:linClrLst>
+    <dgm:effectClrLst/>
+    <dgm:txLinClrLst/>
+    <dgm:txFillClrLst meth="repeat">
+      <a:schemeClr val="dk1"/>
+    </dgm:txFillClrLst>
+    <dgm:txEffectClrLst/>
+  </dgm:styleLbl>
+  <dgm:styleLbl name="trAlignAcc1">
+    <dgm:fillClrLst meth="repeat">
+      <a:schemeClr val="lt1">
+        <a:alpha val="40000"/>
+      </a:schemeClr>
+    </dgm:fillClrLst>
+    <dgm:linClrLst meth="repeat">
+      <a:schemeClr val="accent2"/>
+    </dgm:linClrLst>
+    <dgm:effectClrLst/>
+    <dgm:txLinClrLst/>
+    <dgm:txFillClrLst meth="repeat">
+      <a:schemeClr val="dk1"/>
+    </dgm:txFillClrLst>
+    <dgm:txEffectClrLst/>
+  </dgm:styleLbl>
+  <dgm:styleLbl name="bgAcc1">
+    <dgm:fillClrLst meth="repeat">
+      <a:schemeClr val="lt1">
+        <a:alpha val="90000"/>
+      </a:schemeClr>
+    </dgm:fillClrLst>
+    <dgm:linClrLst>
+      <a:schemeClr val="accent2"/>
+      <a:schemeClr val="accent3"/>
+    </dgm:linClrLst>
+    <dgm:effectClrLst/>
+    <dgm:txLinClrLst/>
+    <dgm:txFillClrLst meth="repeat">
+      <a:schemeClr val="dk1"/>
+    </dgm:txFillClrLst>
+    <dgm:txEffectClrLst/>
+  </dgm:styleLbl>
+  <dgm:styleLbl name="solidFgAcc1">
+    <dgm:fillClrLst meth="repeat">
+      <a:schemeClr val="lt1"/>
+    </dgm:fillClrLst>
+    <dgm:linClrLst>
+      <a:schemeClr val="accent2"/>
+      <a:schemeClr val="accent3"/>
+    </dgm:linClrLst>
+    <dgm:effectClrLst/>
+    <dgm:txLinClrLst/>
+    <dgm:txFillClrLst meth="repeat">
+      <a:schemeClr val="dk1"/>
+    </dgm:txFillClrLst>
+    <dgm:txEffectClrLst/>
+  </dgm:styleLbl>
+  <dgm:styleLbl name="solidAlignAcc1">
+    <dgm:fillClrLst meth="repeat">
+      <a:schemeClr val="lt1"/>
+    </dgm:fillClrLst>
+    <dgm:linClrLst>
+      <a:schemeClr val="accent2"/>
+      <a:schemeClr val="accent3"/>
+    </dgm:linClrLst>
+    <dgm:effectClrLst/>
+    <dgm:txLinClrLst/>
+    <dgm:txFillClrLst meth="repeat">
+      <a:schemeClr val="dk1"/>
+    </dgm:txFillClrLst>
+    <dgm:txEffectClrLst/>
+  </dgm:styleLbl>
+  <dgm:styleLbl name="solidBgAcc1">
+    <dgm:fillClrLst meth="repeat">
+      <a:schemeClr val="lt1"/>
+    </dgm:fillClrLst>
+    <dgm:linClrLst>
+      <a:schemeClr val="accent2"/>
+      <a:schemeClr val="accent3"/>
+    </dgm:linClrLst>
+    <dgm:effectClrLst/>
+    <dgm:txLinClrLst/>
+    <dgm:txFillClrLst meth="repeat">
+      <a:schemeClr val="dk1"/>
+    </dgm:txFillClrLst>
+    <dgm:txEffectClrLst/>
+  </dgm:styleLbl>
+  <dgm:styleLbl name="fgAccFollowNode1">
+    <dgm:fillClrLst>
+      <a:schemeClr val="accent2">
+        <a:tint val="40000"/>
+        <a:alpha val="90000"/>
+      </a:schemeClr>
+      <a:schemeClr val="accent3">
+        <a:tint val="40000"/>
+        <a:alpha val="90000"/>
+      </a:schemeClr>
+    </dgm:fillClrLst>
+    <dgm:linClrLst>
+      <a:schemeClr val="accent2">
+        <a:tint val="40000"/>
+        <a:alpha val="90000"/>
+      </a:schemeClr>
+      <a:schemeClr val="accent3">
+        <a:tint val="40000"/>
+        <a:alpha val="90000"/>
+      </a:schemeClr>
+    </dgm:linClrLst>
+    <dgm:effectClrLst/>
+    <dgm:txLinClrLst/>
+    <dgm:txFillClrLst meth="repeat">
+      <a:schemeClr val="dk1"/>
+    </dgm:txFillClrLst>
+    <dgm:txEffectClrLst/>
+  </dgm:styleLbl>
+  <dgm:styleLbl name="alignAccFollowNode1">
+    <dgm:fillClrLst>
+      <a:schemeClr val="accent2">
+        <a:tint val="40000"/>
+        <a:alpha val="90000"/>
+      </a:schemeClr>
+      <a:schemeClr val="accent3">
+        <a:tint val="40000"/>
+        <a:alpha val="90000"/>
+      </a:schemeClr>
+    </dgm:fillClrLst>
+    <dgm:linClrLst>
+      <a:schemeClr val="accent2">
+        <a:tint val="40000"/>
+        <a:alpha val="90000"/>
+      </a:schemeClr>
+      <a:schemeClr val="accent3">
+        <a:tint val="40000"/>
+        <a:alpha val="90000"/>
+      </a:schemeClr>
+    </dgm:linClrLst>
+    <dgm:effectClrLst/>
+    <dgm:txLinClrLst/>
+    <dgm:txFillClrLst meth="repeat">
+      <a:schemeClr val="dk1"/>
+    </dgm:txFillClrLst>
+    <dgm:txEffectClrLst/>
+  </dgm:styleLbl>
+  <dgm:styleLbl name="bgAccFollowNode1">
+    <dgm:fillClrLst>
+      <a:schemeClr val="accent2">
+        <a:tint val="40000"/>
+        <a:alpha val="90000"/>
+      </a:schemeClr>
+      <a:schemeClr val="accent3">
+        <a:tint val="40000"/>
+        <a:alpha val="90000"/>
+      </a:schemeClr>
+    </dgm:fillClrLst>
+    <dgm:linClrLst>
+      <a:schemeClr val="accent2">
+        <a:tint val="40000"/>
+        <a:alpha val="90000"/>
+      </a:schemeClr>
+      <a:schemeClr val="accent3">
+        <a:tint val="40000"/>
+        <a:alpha val="90000"/>
+      </a:schemeClr>
+    </dgm:linClrLst>
+    <dgm:effectClrLst/>
+    <dgm:txLinClrLst/>
+    <dgm:txFillClrLst meth="repeat">
+      <a:schemeClr val="dk1"/>
+    </dgm:txFillClrLst>
+    <dgm:txEffectClrLst/>
+  </dgm:styleLbl>
+  <dgm:styleLbl name="fgAcc0">
+    <dgm:fillClrLst meth="repeat">
+      <a:schemeClr val="lt1">
+        <a:alpha val="90000"/>
+      </a:schemeClr>
+    </dgm:fillClrLst>
+    <dgm:linClrLst>
+      <a:schemeClr val="accent1"/>
+    </dgm:linClrLst>
+    <dgm:effectClrLst/>
+    <dgm:txLinClrLst/>
+    <dgm:txFillClrLst meth="repeat">
+      <a:schemeClr val="dk1"/>
+    </dgm:txFillClrLst>
+    <dgm:txEffectClrLst/>
+  </dgm:styleLbl>
+  <dgm:styleLbl name="fgAcc2">
+    <dgm:fillClrLst meth="repeat">
+      <a:schemeClr val="lt1">
+        <a:alpha val="90000"/>
+      </a:schemeClr>
+    </dgm:fillClrLst>
+    <dgm:linClrLst>
+      <a:schemeClr val="accent3"/>
+    </dgm:linClrLst>
+    <dgm:effectClrLst/>
+    <dgm:txLinClrLst/>
+    <dgm:txFillClrLst meth="repeat">
+      <a:schemeClr val="dk1"/>
+    </dgm:txFillClrLst>
+    <dgm:txEffectClrLst/>
+  </dgm:styleLbl>
+  <dgm:styleLbl name="fgAcc3">
+    <dgm:fillClrLst meth="repeat">
+      <a:schemeClr val="lt1">
+        <a:alpha val="90000"/>
+      </a:schemeClr>
+    </dgm:fillClrLst>
+    <dgm:linClrLst>
+      <a:schemeClr val="accent4"/>
+    </dgm:linClrLst>
+    <dgm:effectClrLst/>
+    <dgm:txLinClrLst/>
+    <dgm:txFillClrLst meth="repeat">
+      <a:schemeClr val="dk1"/>
+    </dgm:txFillClrLst>
+    <dgm:txEffectClrLst/>
+  </dgm:styleLbl>
+  <dgm:styleLbl name="fgAcc4">
+    <dgm:fillClrLst meth="repeat">
+      <a:schemeClr val="lt1">
+        <a:alpha val="90000"/>
+      </a:schemeClr>
+    </dgm:fillClrLst>
+    <dgm:linClrLst>
+      <a:schemeClr val="accent5"/>
+    </dgm:linClrLst>
+    <dgm:effectClrLst/>
+    <dgm:txLinClrLst/>
+    <dgm:txFillClrLst meth="repeat">
+      <a:schemeClr val="dk1"/>
+    </dgm:txFillClrLst>
+    <dgm:txEffectClrLst/>
+  </dgm:styleLbl>
+  <dgm:styleLbl name="bgShp">
+    <dgm:fillClrLst meth="repeat">
+      <a:schemeClr val="accent2">
+        <a:tint val="40000"/>
+      </a:schemeClr>
+    </dgm:fillClrLst>
+    <dgm:linClrLst meth="repeat">
+      <a:schemeClr val="dk1"/>
+    </dgm:linClrLst>
+    <dgm:effectClrLst/>
+    <dgm:txLinClrLst/>
+    <dgm:txFillClrLst meth="repeat">
+      <a:schemeClr val="dk1"/>
+    </dgm:txFillClrLst>
+    <dgm:txEffectClrLst/>
+  </dgm:styleLbl>
+  <dgm:styleLbl name="dkBgShp">
+    <dgm:fillClrLst meth="repeat">
+      <a:schemeClr val="accent2">
+        <a:shade val="90000"/>
+      </a:schemeClr>
+    </dgm:fillClrLst>
+    <dgm:linClrLst meth="repeat">
+      <a:schemeClr val="dk1"/>
+    </dgm:linClrLst>
+    <dgm:effectClrLst/>
+    <dgm:txLinClrLst/>
+    <dgm:txFillClrLst meth="repeat">
+      <a:schemeClr val="lt1"/>
+    </dgm:txFillClrLst>
+    <dgm:txEffectClrLst/>
+  </dgm:styleLbl>
+  <dgm:styleLbl name="trBgShp">
+    <dgm:fillClrLst meth="repeat">
+      <a:schemeClr val="accent2">
+        <a:tint val="50000"/>
+        <a:alpha val="40000"/>
+      </a:schemeClr>
+    </dgm:fillClrLst>
+    <dgm:linClrLst meth="repeat">
+      <a:schemeClr val="accent2"/>
+    </dgm:linClrLst>
+    <dgm:effectClrLst/>
+    <dgm:txLinClrLst/>
+    <dgm:txFillClrLst meth="repeat">
+      <a:schemeClr val="lt1"/>
+    </dgm:txFillClrLst>
+    <dgm:txEffectClrLst/>
+  </dgm:styleLbl>
+  <dgm:styleLbl name="fgShp">
+    <dgm:fillClrLst meth="repeat">
+      <a:schemeClr val="accent2">
+        <a:tint val="40000"/>
+      </a:schemeClr>
+    </dgm:fillClrLst>
+    <dgm:linClrLst meth="repeat">
+      <a:schemeClr val="lt1"/>
+    </dgm:linClrLst>
+    <dgm:effectClrLst/>
+    <dgm:txLinClrLst/>
+    <dgm:txFillClrLst meth="repeat">
+      <a:schemeClr val="dk1"/>
+    </dgm:txFillClrLst>
+    <dgm:txEffectClrLst/>
+  </dgm:styleLbl>
+  <dgm:styleLbl name="revTx">
+    <dgm:fillClrLst meth="repeat">
+      <a:schemeClr val="lt1">
+        <a:alpha val="0"/>
+      </a:schemeClr>
+    </dgm:fillClrLst>
+    <dgm:linClrLst meth="repeat">
+      <a:schemeClr val="dk1">
+        <a:alpha val="0"/>
+      </a:schemeClr>
+    </dgm:linClrLst>
+    <dgm:effectClrLst/>
+    <dgm:txLinClrLst/>
+    <dgm:txFillClrLst meth="repeat">
+      <a:schemeClr val="tx1"/>
+    </dgm:txFillClrLst>
+    <dgm:txEffectClrLst/>
+  </dgm:styleLbl>
+</dgm:colorsDef>
+</file>
+
+<file path=ppt/diagrams/data1.xml><?xml version="1.0" encoding="utf-8"?>
+<dgm:dataModel xmlns:dgm="http://schemas.openxmlformats.org/drawingml/2006/diagram" xmlns:a="http://schemas.openxmlformats.org/drawingml/2006/main">
+  <dgm:ptLst>
+    <dgm:pt modelId="{400FAB38-F2C2-4AA1-BE57-CA79A9AB11D6}" type="doc">
+      <dgm:prSet loTypeId="urn:microsoft.com/office/officeart/2005/8/layout/process5" loCatId="process" qsTypeId="urn:microsoft.com/office/officeart/2005/8/quickstyle/simple4" qsCatId="simple" csTypeId="urn:microsoft.com/office/officeart/2005/8/colors/colorful2" csCatId="colorful"/>
+      <dgm:spPr/>
+      <dgm:t>
+        <a:bodyPr/>
+        <a:lstStyle/>
+        <a:p>
+          <a:endParaRPr lang="en-US"/>
+        </a:p>
+      </dgm:t>
+    </dgm:pt>
+    <dgm:pt modelId="{AEF82177-E6DB-4D2A-8EE8-0CAD136D9AAD}">
+      <dgm:prSet/>
+      <dgm:spPr/>
+      <dgm:t>
+        <a:bodyPr/>
+        <a:lstStyle/>
+        <a:p>
+          <a:r>
+            <a:rPr lang="en-US"/>
+            <a:t>Exported raw data from our source and converted to csv file</a:t>
+          </a:r>
+        </a:p>
+      </dgm:t>
+    </dgm:pt>
+    <dgm:pt modelId="{5B7960BC-B3ED-42F2-B8C7-145164AD0BF8}" type="parTrans" cxnId="{DA4B6CDA-7986-4B72-9E9A-2B8AD7613E98}">
+      <dgm:prSet/>
+      <dgm:spPr/>
+      <dgm:t>
+        <a:bodyPr/>
+        <a:lstStyle/>
+        <a:p>
+          <a:endParaRPr lang="en-US"/>
+        </a:p>
+      </dgm:t>
+    </dgm:pt>
+    <dgm:pt modelId="{087CF4E4-B7B5-4A8F-94E9-295AC0B72860}" type="sibTrans" cxnId="{DA4B6CDA-7986-4B72-9E9A-2B8AD7613E98}">
+      <dgm:prSet/>
+      <dgm:spPr/>
+      <dgm:t>
+        <a:bodyPr/>
+        <a:lstStyle/>
+        <a:p>
+          <a:endParaRPr lang="en-US"/>
+        </a:p>
+      </dgm:t>
+    </dgm:pt>
+    <dgm:pt modelId="{538AD90A-7D78-4E61-BBD4-6CBB183F11BD}">
+      <dgm:prSet/>
+      <dgm:spPr/>
+      <dgm:t>
+        <a:bodyPr/>
+        <a:lstStyle/>
+        <a:p>
+          <a:r>
+            <a:rPr lang="en-US"/>
+            <a:t>In Jupyter, initial clean up included removing columns we wouldn’t be using (ex: dropna)</a:t>
+          </a:r>
+        </a:p>
+      </dgm:t>
+    </dgm:pt>
+    <dgm:pt modelId="{6916ECAA-6656-4F32-91B1-89C92A6A75BB}" type="parTrans" cxnId="{662DF8BD-3C0A-44DB-AB94-7E8BAD0B8184}">
+      <dgm:prSet/>
+      <dgm:spPr/>
+      <dgm:t>
+        <a:bodyPr/>
+        <a:lstStyle/>
+        <a:p>
+          <a:endParaRPr lang="en-US"/>
+        </a:p>
+      </dgm:t>
+    </dgm:pt>
+    <dgm:pt modelId="{C9BAE843-840B-4165-B1C5-2523B4FF6C6C}" type="sibTrans" cxnId="{662DF8BD-3C0A-44DB-AB94-7E8BAD0B8184}">
+      <dgm:prSet/>
+      <dgm:spPr/>
+      <dgm:t>
+        <a:bodyPr/>
+        <a:lstStyle/>
+        <a:p>
+          <a:endParaRPr lang="en-US"/>
+        </a:p>
+      </dgm:t>
+    </dgm:pt>
+    <dgm:pt modelId="{D36B26E2-D22E-4CA9-B691-21C6CD097E68}">
+      <dgm:prSet/>
+      <dgm:spPr/>
+      <dgm:t>
+        <a:bodyPr/>
+        <a:lstStyle/>
+        <a:p>
+          <a:r>
+            <a:rPr lang="en-US"/>
+            <a:t>Import pandas, matplotlib, datetime</a:t>
+          </a:r>
+        </a:p>
+      </dgm:t>
+    </dgm:pt>
+    <dgm:pt modelId="{E6AD50BF-83FC-4CB1-8BA0-01103DD613A2}" type="parTrans" cxnId="{580D975B-8071-4697-BC14-5C58E5D1EF8F}">
+      <dgm:prSet/>
+      <dgm:spPr/>
+      <dgm:t>
+        <a:bodyPr/>
+        <a:lstStyle/>
+        <a:p>
+          <a:endParaRPr lang="en-US"/>
+        </a:p>
+      </dgm:t>
+    </dgm:pt>
+    <dgm:pt modelId="{F846F60F-590A-41D9-B78B-71D8CB3EFC2F}" type="sibTrans" cxnId="{580D975B-8071-4697-BC14-5C58E5D1EF8F}">
+      <dgm:prSet/>
+      <dgm:spPr/>
+      <dgm:t>
+        <a:bodyPr/>
+        <a:lstStyle/>
+        <a:p>
+          <a:endParaRPr lang="en-US"/>
+        </a:p>
+      </dgm:t>
+    </dgm:pt>
+    <dgm:pt modelId="{192D9354-F304-4128-BC21-FCC3734EB3BB}">
+      <dgm:prSet/>
+      <dgm:spPr/>
+      <dgm:t>
+        <a:bodyPr/>
+        <a:lstStyle/>
+        <a:p>
+          <a:r>
+            <a:rPr lang="en-US"/>
+            <a:t>Used pandas to create a new data frame with only the fields we wanted</a:t>
+          </a:r>
+        </a:p>
+      </dgm:t>
+    </dgm:pt>
+    <dgm:pt modelId="{01EBC5B2-53F9-434C-A35A-9D2411F8D4DF}" type="parTrans" cxnId="{15E251CF-7E05-4FA8-97A9-A02DACCAB5D1}">
+      <dgm:prSet/>
+      <dgm:spPr/>
+      <dgm:t>
+        <a:bodyPr/>
+        <a:lstStyle/>
+        <a:p>
+          <a:endParaRPr lang="en-US"/>
+        </a:p>
+      </dgm:t>
+    </dgm:pt>
+    <dgm:pt modelId="{C9A5A1A4-D461-4C30-90C8-F8DF9256BCB0}" type="sibTrans" cxnId="{15E251CF-7E05-4FA8-97A9-A02DACCAB5D1}">
+      <dgm:prSet/>
+      <dgm:spPr/>
+      <dgm:t>
+        <a:bodyPr/>
+        <a:lstStyle/>
+        <a:p>
+          <a:endParaRPr lang="en-US"/>
+        </a:p>
+      </dgm:t>
+    </dgm:pt>
+    <dgm:pt modelId="{BC650C77-AA6D-4508-9FAE-85DEFA878163}">
+      <dgm:prSet/>
+      <dgm:spPr/>
+      <dgm:t>
+        <a:bodyPr/>
+        <a:lstStyle/>
+        <a:p>
+          <a:r>
+            <a:rPr lang="en-US"/>
+            <a:t>Reviewed overall totals and summary statistics like max, min, total</a:t>
+          </a:r>
+        </a:p>
+      </dgm:t>
+    </dgm:pt>
+    <dgm:pt modelId="{579078AA-8EFA-4A6D-9E7A-D2DAEABFB4A2}" type="parTrans" cxnId="{88092E26-F8B5-4E13-8D33-B7822CE612B3}">
+      <dgm:prSet/>
+      <dgm:spPr/>
+      <dgm:t>
+        <a:bodyPr/>
+        <a:lstStyle/>
+        <a:p>
+          <a:endParaRPr lang="en-US"/>
+        </a:p>
+      </dgm:t>
+    </dgm:pt>
+    <dgm:pt modelId="{E9F1A1BA-ED9D-4F53-9BB0-7BD1182294B7}" type="sibTrans" cxnId="{88092E26-F8B5-4E13-8D33-B7822CE612B3}">
+      <dgm:prSet/>
+      <dgm:spPr/>
+      <dgm:t>
+        <a:bodyPr/>
+        <a:lstStyle/>
+        <a:p>
+          <a:endParaRPr lang="en-US"/>
+        </a:p>
+      </dgm:t>
+    </dgm:pt>
+    <dgm:pt modelId="{3388F912-2157-4F57-9A30-25FF6A671CC8}">
+      <dgm:prSet/>
+      <dgm:spPr/>
+      <dgm:t>
+        <a:bodyPr/>
+        <a:lstStyle/>
+        <a:p>
+          <a:r>
+            <a:rPr lang="en-US"/>
+            <a:t>Used matplotlib to create graphs on the questions we wanted to explore further</a:t>
+          </a:r>
+        </a:p>
+      </dgm:t>
+    </dgm:pt>
+    <dgm:pt modelId="{7E9BFE6B-0427-41DE-906A-4A251A6DDE19}" type="parTrans" cxnId="{FEBA75D7-5233-43D4-9741-A2CCEB7A5AA1}">
+      <dgm:prSet/>
+      <dgm:spPr/>
+      <dgm:t>
+        <a:bodyPr/>
+        <a:lstStyle/>
+        <a:p>
+          <a:endParaRPr lang="en-US"/>
+        </a:p>
+      </dgm:t>
+    </dgm:pt>
+    <dgm:pt modelId="{E1F72931-6EA5-4B0A-B572-A0AE4F4A8615}" type="sibTrans" cxnId="{FEBA75D7-5233-43D4-9741-A2CCEB7A5AA1}">
+      <dgm:prSet/>
+      <dgm:spPr/>
+      <dgm:t>
+        <a:bodyPr/>
+        <a:lstStyle/>
+        <a:p>
+          <a:endParaRPr lang="en-US"/>
+        </a:p>
+      </dgm:t>
+    </dgm:pt>
+    <dgm:pt modelId="{9D256819-2904-413C-8840-A844E044408E}">
+      <dgm:prSet/>
+      <dgm:spPr/>
+      <dgm:t>
+        <a:bodyPr/>
+        <a:lstStyle/>
+        <a:p>
+          <a:r>
+            <a:rPr lang="en-US"/>
+            <a:t>Re-edited graphs after initial review of graphs for better presentation</a:t>
+          </a:r>
+        </a:p>
+      </dgm:t>
+    </dgm:pt>
+    <dgm:pt modelId="{E5FC0812-8FEB-4AB0-8DD1-D05260559BC8}" type="parTrans" cxnId="{F0FFE3D4-2BDC-44BF-A912-BDB3FED159F8}">
+      <dgm:prSet/>
+      <dgm:spPr/>
+      <dgm:t>
+        <a:bodyPr/>
+        <a:lstStyle/>
+        <a:p>
+          <a:endParaRPr lang="en-US"/>
+        </a:p>
+      </dgm:t>
+    </dgm:pt>
+    <dgm:pt modelId="{411B8C99-241C-44FC-9BE4-F8FF38A0D305}" type="sibTrans" cxnId="{F0FFE3D4-2BDC-44BF-A912-BDB3FED159F8}">
+      <dgm:prSet/>
+      <dgm:spPr/>
+      <dgm:t>
+        <a:bodyPr/>
+        <a:lstStyle/>
+        <a:p>
+          <a:endParaRPr lang="en-US"/>
+        </a:p>
+      </dgm:t>
+    </dgm:pt>
+    <dgm:pt modelId="{DCA30351-E2A1-4955-89A5-C456B0FBB09F}" type="pres">
+      <dgm:prSet presAssocID="{400FAB38-F2C2-4AA1-BE57-CA79A9AB11D6}" presName="diagram" presStyleCnt="0">
+        <dgm:presLayoutVars>
+          <dgm:dir/>
+          <dgm:resizeHandles val="exact"/>
+        </dgm:presLayoutVars>
+      </dgm:prSet>
+      <dgm:spPr/>
+    </dgm:pt>
+    <dgm:pt modelId="{01320454-1E1F-491A-BE3D-FE6193A1E7FB}" type="pres">
+      <dgm:prSet presAssocID="{AEF82177-E6DB-4D2A-8EE8-0CAD136D9AAD}" presName="node" presStyleLbl="node1" presStyleIdx="0" presStyleCnt="7">
+        <dgm:presLayoutVars>
+          <dgm:bulletEnabled val="1"/>
+        </dgm:presLayoutVars>
+      </dgm:prSet>
+      <dgm:spPr/>
+    </dgm:pt>
+    <dgm:pt modelId="{CD86F80E-326A-4EF9-836E-C93087030CB0}" type="pres">
+      <dgm:prSet presAssocID="{087CF4E4-B7B5-4A8F-94E9-295AC0B72860}" presName="sibTrans" presStyleLbl="sibTrans2D1" presStyleIdx="0" presStyleCnt="6"/>
+      <dgm:spPr/>
+    </dgm:pt>
+    <dgm:pt modelId="{C6D0160A-5A2B-4AE4-B7FB-37548D67FD83}" type="pres">
+      <dgm:prSet presAssocID="{087CF4E4-B7B5-4A8F-94E9-295AC0B72860}" presName="connectorText" presStyleLbl="sibTrans2D1" presStyleIdx="0" presStyleCnt="6"/>
+      <dgm:spPr/>
+    </dgm:pt>
+    <dgm:pt modelId="{482BF09D-DDE7-4F23-9AC1-9BF2CBC7E101}" type="pres">
+      <dgm:prSet presAssocID="{538AD90A-7D78-4E61-BBD4-6CBB183F11BD}" presName="node" presStyleLbl="node1" presStyleIdx="1" presStyleCnt="7">
+        <dgm:presLayoutVars>
+          <dgm:bulletEnabled val="1"/>
+        </dgm:presLayoutVars>
+      </dgm:prSet>
+      <dgm:spPr/>
+    </dgm:pt>
+    <dgm:pt modelId="{A5AD2630-F95B-4BE4-AFF6-039A97C295CA}" type="pres">
+      <dgm:prSet presAssocID="{C9BAE843-840B-4165-B1C5-2523B4FF6C6C}" presName="sibTrans" presStyleLbl="sibTrans2D1" presStyleIdx="1" presStyleCnt="6"/>
+      <dgm:spPr/>
+    </dgm:pt>
+    <dgm:pt modelId="{7A02C788-7136-414D-B96D-7F9C5B05D2C1}" type="pres">
+      <dgm:prSet presAssocID="{C9BAE843-840B-4165-B1C5-2523B4FF6C6C}" presName="connectorText" presStyleLbl="sibTrans2D1" presStyleIdx="1" presStyleCnt="6"/>
+      <dgm:spPr/>
+    </dgm:pt>
+    <dgm:pt modelId="{4EE1BFB2-D62B-4321-9151-D5CE3C5D185E}" type="pres">
+      <dgm:prSet presAssocID="{D36B26E2-D22E-4CA9-B691-21C6CD097E68}" presName="node" presStyleLbl="node1" presStyleIdx="2" presStyleCnt="7">
+        <dgm:presLayoutVars>
+          <dgm:bulletEnabled val="1"/>
+        </dgm:presLayoutVars>
+      </dgm:prSet>
+      <dgm:spPr/>
+    </dgm:pt>
+    <dgm:pt modelId="{781A23F9-FDC4-4CE2-B355-E405564A071B}" type="pres">
+      <dgm:prSet presAssocID="{F846F60F-590A-41D9-B78B-71D8CB3EFC2F}" presName="sibTrans" presStyleLbl="sibTrans2D1" presStyleIdx="2" presStyleCnt="6"/>
+      <dgm:spPr/>
+    </dgm:pt>
+    <dgm:pt modelId="{CE5DAD68-8545-4406-B1FB-9826C6042559}" type="pres">
+      <dgm:prSet presAssocID="{F846F60F-590A-41D9-B78B-71D8CB3EFC2F}" presName="connectorText" presStyleLbl="sibTrans2D1" presStyleIdx="2" presStyleCnt="6"/>
+      <dgm:spPr/>
+    </dgm:pt>
+    <dgm:pt modelId="{91C418CC-82A3-4ACE-97EF-3647697D9FB6}" type="pres">
+      <dgm:prSet presAssocID="{192D9354-F304-4128-BC21-FCC3734EB3BB}" presName="node" presStyleLbl="node1" presStyleIdx="3" presStyleCnt="7">
+        <dgm:presLayoutVars>
+          <dgm:bulletEnabled val="1"/>
+        </dgm:presLayoutVars>
+      </dgm:prSet>
+      <dgm:spPr/>
+    </dgm:pt>
+    <dgm:pt modelId="{C9E73E7C-33B6-44F2-9EE5-85D75C6915B2}" type="pres">
+      <dgm:prSet presAssocID="{C9A5A1A4-D461-4C30-90C8-F8DF9256BCB0}" presName="sibTrans" presStyleLbl="sibTrans2D1" presStyleIdx="3" presStyleCnt="6"/>
+      <dgm:spPr/>
+    </dgm:pt>
+    <dgm:pt modelId="{4C385A27-F3A8-4B80-931A-A09933DFF3AB}" type="pres">
+      <dgm:prSet presAssocID="{C9A5A1A4-D461-4C30-90C8-F8DF9256BCB0}" presName="connectorText" presStyleLbl="sibTrans2D1" presStyleIdx="3" presStyleCnt="6"/>
+      <dgm:spPr/>
+    </dgm:pt>
+    <dgm:pt modelId="{AE7B6062-424D-4711-81D6-0B9346C533B4}" type="pres">
+      <dgm:prSet presAssocID="{BC650C77-AA6D-4508-9FAE-85DEFA878163}" presName="node" presStyleLbl="node1" presStyleIdx="4" presStyleCnt="7">
+        <dgm:presLayoutVars>
+          <dgm:bulletEnabled val="1"/>
+        </dgm:presLayoutVars>
+      </dgm:prSet>
+      <dgm:spPr/>
+    </dgm:pt>
+    <dgm:pt modelId="{1BEDDAA9-D4FC-4150-97E4-DE3CB1680F54}" type="pres">
+      <dgm:prSet presAssocID="{E9F1A1BA-ED9D-4F53-9BB0-7BD1182294B7}" presName="sibTrans" presStyleLbl="sibTrans2D1" presStyleIdx="4" presStyleCnt="6"/>
+      <dgm:spPr/>
+    </dgm:pt>
+    <dgm:pt modelId="{03C652F6-76FA-4A9C-83F0-FF2BC79A0B41}" type="pres">
+      <dgm:prSet presAssocID="{E9F1A1BA-ED9D-4F53-9BB0-7BD1182294B7}" presName="connectorText" presStyleLbl="sibTrans2D1" presStyleIdx="4" presStyleCnt="6"/>
+      <dgm:spPr/>
+    </dgm:pt>
+    <dgm:pt modelId="{FDB1E18D-52CD-4C20-8184-B7D0B3BE4265}" type="pres">
+      <dgm:prSet presAssocID="{3388F912-2157-4F57-9A30-25FF6A671CC8}" presName="node" presStyleLbl="node1" presStyleIdx="5" presStyleCnt="7">
+        <dgm:presLayoutVars>
+          <dgm:bulletEnabled val="1"/>
+        </dgm:presLayoutVars>
+      </dgm:prSet>
+      <dgm:spPr/>
+    </dgm:pt>
+    <dgm:pt modelId="{E863AF49-99DC-4710-9B7B-0B356A8B88B1}" type="pres">
+      <dgm:prSet presAssocID="{E1F72931-6EA5-4B0A-B572-A0AE4F4A8615}" presName="sibTrans" presStyleLbl="sibTrans2D1" presStyleIdx="5" presStyleCnt="6"/>
+      <dgm:spPr/>
+    </dgm:pt>
+    <dgm:pt modelId="{7467F7A4-050D-4822-8F5D-57232D62C28C}" type="pres">
+      <dgm:prSet presAssocID="{E1F72931-6EA5-4B0A-B572-A0AE4F4A8615}" presName="connectorText" presStyleLbl="sibTrans2D1" presStyleIdx="5" presStyleCnt="6"/>
+      <dgm:spPr/>
+    </dgm:pt>
+    <dgm:pt modelId="{D95951E9-250B-4105-AA7C-E90AA0B28E5D}" type="pres">
+      <dgm:prSet presAssocID="{9D256819-2904-413C-8840-A844E044408E}" presName="node" presStyleLbl="node1" presStyleIdx="6" presStyleCnt="7">
+        <dgm:presLayoutVars>
+          <dgm:bulletEnabled val="1"/>
+        </dgm:presLayoutVars>
+      </dgm:prSet>
+      <dgm:spPr/>
+    </dgm:pt>
+  </dgm:ptLst>
+  <dgm:cxnLst>
+    <dgm:cxn modelId="{97872009-6C15-4E6A-A0B2-0FA94F148940}" type="presOf" srcId="{BC650C77-AA6D-4508-9FAE-85DEFA878163}" destId="{AE7B6062-424D-4711-81D6-0B9346C533B4}" srcOrd="0" destOrd="0" presId="urn:microsoft.com/office/officeart/2005/8/layout/process5"/>
+    <dgm:cxn modelId="{5202BD18-D234-495F-B1C1-D35CA2419A02}" type="presOf" srcId="{C9BAE843-840B-4165-B1C5-2523B4FF6C6C}" destId="{7A02C788-7136-414D-B96D-7F9C5B05D2C1}" srcOrd="1" destOrd="0" presId="urn:microsoft.com/office/officeart/2005/8/layout/process5"/>
+    <dgm:cxn modelId="{88092E26-F8B5-4E13-8D33-B7822CE612B3}" srcId="{400FAB38-F2C2-4AA1-BE57-CA79A9AB11D6}" destId="{BC650C77-AA6D-4508-9FAE-85DEFA878163}" srcOrd="4" destOrd="0" parTransId="{579078AA-8EFA-4A6D-9E7A-D2DAEABFB4A2}" sibTransId="{E9F1A1BA-ED9D-4F53-9BB0-7BD1182294B7}"/>
+    <dgm:cxn modelId="{580D975B-8071-4697-BC14-5C58E5D1EF8F}" srcId="{400FAB38-F2C2-4AA1-BE57-CA79A9AB11D6}" destId="{D36B26E2-D22E-4CA9-B691-21C6CD097E68}" srcOrd="2" destOrd="0" parTransId="{E6AD50BF-83FC-4CB1-8BA0-01103DD613A2}" sibTransId="{F846F60F-590A-41D9-B78B-71D8CB3EFC2F}"/>
+    <dgm:cxn modelId="{C79D335E-2BEE-4E93-A1DB-E0A58CEA339B}" type="presOf" srcId="{C9A5A1A4-D461-4C30-90C8-F8DF9256BCB0}" destId="{4C385A27-F3A8-4B80-931A-A09933DFF3AB}" srcOrd="1" destOrd="0" presId="urn:microsoft.com/office/officeart/2005/8/layout/process5"/>
+    <dgm:cxn modelId="{457B524B-39F4-4E10-95D7-F4FBF1C350EB}" type="presOf" srcId="{087CF4E4-B7B5-4A8F-94E9-295AC0B72860}" destId="{C6D0160A-5A2B-4AE4-B7FB-37548D67FD83}" srcOrd="1" destOrd="0" presId="urn:microsoft.com/office/officeart/2005/8/layout/process5"/>
+    <dgm:cxn modelId="{56898178-3FEB-4CEC-B2A5-97692A578D95}" type="presOf" srcId="{D36B26E2-D22E-4CA9-B691-21C6CD097E68}" destId="{4EE1BFB2-D62B-4321-9151-D5CE3C5D185E}" srcOrd="0" destOrd="0" presId="urn:microsoft.com/office/officeart/2005/8/layout/process5"/>
+    <dgm:cxn modelId="{F161597D-E662-4978-BEC1-0C39DFB95E52}" type="presOf" srcId="{C9BAE843-840B-4165-B1C5-2523B4FF6C6C}" destId="{A5AD2630-F95B-4BE4-AFF6-039A97C295CA}" srcOrd="0" destOrd="0" presId="urn:microsoft.com/office/officeart/2005/8/layout/process5"/>
+    <dgm:cxn modelId="{EDD5DF8A-34A9-452F-B311-8F1B958526B1}" type="presOf" srcId="{E9F1A1BA-ED9D-4F53-9BB0-7BD1182294B7}" destId="{1BEDDAA9-D4FC-4150-97E4-DE3CB1680F54}" srcOrd="0" destOrd="0" presId="urn:microsoft.com/office/officeart/2005/8/layout/process5"/>
+    <dgm:cxn modelId="{2AD54D91-5D09-49FE-A943-C187A81A2D51}" type="presOf" srcId="{E9F1A1BA-ED9D-4F53-9BB0-7BD1182294B7}" destId="{03C652F6-76FA-4A9C-83F0-FF2BC79A0B41}" srcOrd="1" destOrd="0" presId="urn:microsoft.com/office/officeart/2005/8/layout/process5"/>
+    <dgm:cxn modelId="{E9591297-897F-4A4A-9280-80D45062A241}" type="presOf" srcId="{087CF4E4-B7B5-4A8F-94E9-295AC0B72860}" destId="{CD86F80E-326A-4EF9-836E-C93087030CB0}" srcOrd="0" destOrd="0" presId="urn:microsoft.com/office/officeart/2005/8/layout/process5"/>
+    <dgm:cxn modelId="{A8D3689E-009E-4DE5-9C2F-D0F746F8248C}" type="presOf" srcId="{3388F912-2157-4F57-9A30-25FF6A671CC8}" destId="{FDB1E18D-52CD-4C20-8184-B7D0B3BE4265}" srcOrd="0" destOrd="0" presId="urn:microsoft.com/office/officeart/2005/8/layout/process5"/>
+    <dgm:cxn modelId="{F68F89A1-5C2C-42E9-891B-3270C2BDDB11}" type="presOf" srcId="{400FAB38-F2C2-4AA1-BE57-CA79A9AB11D6}" destId="{DCA30351-E2A1-4955-89A5-C456B0FBB09F}" srcOrd="0" destOrd="0" presId="urn:microsoft.com/office/officeart/2005/8/layout/process5"/>
+    <dgm:cxn modelId="{6A563AAC-FF30-4DE6-B871-5FB18304F87C}" type="presOf" srcId="{192D9354-F304-4128-BC21-FCC3734EB3BB}" destId="{91C418CC-82A3-4ACE-97EF-3647697D9FB6}" srcOrd="0" destOrd="0" presId="urn:microsoft.com/office/officeart/2005/8/layout/process5"/>
+    <dgm:cxn modelId="{662DF8BD-3C0A-44DB-AB94-7E8BAD0B8184}" srcId="{400FAB38-F2C2-4AA1-BE57-CA79A9AB11D6}" destId="{538AD90A-7D78-4E61-BBD4-6CBB183F11BD}" srcOrd="1" destOrd="0" parTransId="{6916ECAA-6656-4F32-91B1-89C92A6A75BB}" sibTransId="{C9BAE843-840B-4165-B1C5-2523B4FF6C6C}"/>
+    <dgm:cxn modelId="{A5DC6CC5-A64C-4D78-98B4-D496C9B3EB2A}" type="presOf" srcId="{538AD90A-7D78-4E61-BBD4-6CBB183F11BD}" destId="{482BF09D-DDE7-4F23-9AC1-9BF2CBC7E101}" srcOrd="0" destOrd="0" presId="urn:microsoft.com/office/officeart/2005/8/layout/process5"/>
+    <dgm:cxn modelId="{773A11C6-C10F-44DD-BC39-26B3452E7A70}" type="presOf" srcId="{C9A5A1A4-D461-4C30-90C8-F8DF9256BCB0}" destId="{C9E73E7C-33B6-44F2-9EE5-85D75C6915B2}" srcOrd="0" destOrd="0" presId="urn:microsoft.com/office/officeart/2005/8/layout/process5"/>
+    <dgm:cxn modelId="{157EE6CC-AAF2-435D-9390-4AC72C6B2F54}" type="presOf" srcId="{E1F72931-6EA5-4B0A-B572-A0AE4F4A8615}" destId="{7467F7A4-050D-4822-8F5D-57232D62C28C}" srcOrd="1" destOrd="0" presId="urn:microsoft.com/office/officeart/2005/8/layout/process5"/>
+    <dgm:cxn modelId="{15E251CF-7E05-4FA8-97A9-A02DACCAB5D1}" srcId="{400FAB38-F2C2-4AA1-BE57-CA79A9AB11D6}" destId="{192D9354-F304-4128-BC21-FCC3734EB3BB}" srcOrd="3" destOrd="0" parTransId="{01EBC5B2-53F9-434C-A35A-9D2411F8D4DF}" sibTransId="{C9A5A1A4-D461-4C30-90C8-F8DF9256BCB0}"/>
+    <dgm:cxn modelId="{3FDE31D3-A783-4C3F-B0B5-836C1277B2A6}" type="presOf" srcId="{AEF82177-E6DB-4D2A-8EE8-0CAD136D9AAD}" destId="{01320454-1E1F-491A-BE3D-FE6193A1E7FB}" srcOrd="0" destOrd="0" presId="urn:microsoft.com/office/officeart/2005/8/layout/process5"/>
+    <dgm:cxn modelId="{F0FFE3D4-2BDC-44BF-A912-BDB3FED159F8}" srcId="{400FAB38-F2C2-4AA1-BE57-CA79A9AB11D6}" destId="{9D256819-2904-413C-8840-A844E044408E}" srcOrd="6" destOrd="0" parTransId="{E5FC0812-8FEB-4AB0-8DD1-D05260559BC8}" sibTransId="{411B8C99-241C-44FC-9BE4-F8FF38A0D305}"/>
+    <dgm:cxn modelId="{FEBA75D7-5233-43D4-9741-A2CCEB7A5AA1}" srcId="{400FAB38-F2C2-4AA1-BE57-CA79A9AB11D6}" destId="{3388F912-2157-4F57-9A30-25FF6A671CC8}" srcOrd="5" destOrd="0" parTransId="{7E9BFE6B-0427-41DE-906A-4A251A6DDE19}" sibTransId="{E1F72931-6EA5-4B0A-B572-A0AE4F4A8615}"/>
+    <dgm:cxn modelId="{DA4B6CDA-7986-4B72-9E9A-2B8AD7613E98}" srcId="{400FAB38-F2C2-4AA1-BE57-CA79A9AB11D6}" destId="{AEF82177-E6DB-4D2A-8EE8-0CAD136D9AAD}" srcOrd="0" destOrd="0" parTransId="{5B7960BC-B3ED-42F2-B8C7-145164AD0BF8}" sibTransId="{087CF4E4-B7B5-4A8F-94E9-295AC0B72860}"/>
+    <dgm:cxn modelId="{E553C5E3-E9C8-4536-98F7-D20FCD5C40B1}" type="presOf" srcId="{F846F60F-590A-41D9-B78B-71D8CB3EFC2F}" destId="{CE5DAD68-8545-4406-B1FB-9826C6042559}" srcOrd="1" destOrd="0" presId="urn:microsoft.com/office/officeart/2005/8/layout/process5"/>
+    <dgm:cxn modelId="{002B28E8-EF41-4EFF-8ADF-8821309D7782}" type="presOf" srcId="{9D256819-2904-413C-8840-A844E044408E}" destId="{D95951E9-250B-4105-AA7C-E90AA0B28E5D}" srcOrd="0" destOrd="0" presId="urn:microsoft.com/office/officeart/2005/8/layout/process5"/>
+    <dgm:cxn modelId="{C9E105F7-4BC9-42DD-BCF0-99C002670D5F}" type="presOf" srcId="{E1F72931-6EA5-4B0A-B572-A0AE4F4A8615}" destId="{E863AF49-99DC-4710-9B7B-0B356A8B88B1}" srcOrd="0" destOrd="0" presId="urn:microsoft.com/office/officeart/2005/8/layout/process5"/>
+    <dgm:cxn modelId="{9D29ABFF-F9BB-41E5-AD8F-938AB071877F}" type="presOf" srcId="{F846F60F-590A-41D9-B78B-71D8CB3EFC2F}" destId="{781A23F9-FDC4-4CE2-B355-E405564A071B}" srcOrd="0" destOrd="0" presId="urn:microsoft.com/office/officeart/2005/8/layout/process5"/>
+    <dgm:cxn modelId="{5DBE89BC-F13E-4568-9BF3-DA7B7BA5FBE9}" type="presParOf" srcId="{DCA30351-E2A1-4955-89A5-C456B0FBB09F}" destId="{01320454-1E1F-491A-BE3D-FE6193A1E7FB}" srcOrd="0" destOrd="0" presId="urn:microsoft.com/office/officeart/2005/8/layout/process5"/>
+    <dgm:cxn modelId="{58B82166-19AE-4F39-99CA-87A35682600F}" type="presParOf" srcId="{DCA30351-E2A1-4955-89A5-C456B0FBB09F}" destId="{CD86F80E-326A-4EF9-836E-C93087030CB0}" srcOrd="1" destOrd="0" presId="urn:microsoft.com/office/officeart/2005/8/layout/process5"/>
+    <dgm:cxn modelId="{DA60E11B-B23D-48FC-A549-A148358717CA}" type="presParOf" srcId="{CD86F80E-326A-4EF9-836E-C93087030CB0}" destId="{C6D0160A-5A2B-4AE4-B7FB-37548D67FD83}" srcOrd="0" destOrd="0" presId="urn:microsoft.com/office/officeart/2005/8/layout/process5"/>
+    <dgm:cxn modelId="{DEA481E1-1F0C-48BA-8AA1-D3030E62997E}" type="presParOf" srcId="{DCA30351-E2A1-4955-89A5-C456B0FBB09F}" destId="{482BF09D-DDE7-4F23-9AC1-9BF2CBC7E101}" srcOrd="2" destOrd="0" presId="urn:microsoft.com/office/officeart/2005/8/layout/process5"/>
+    <dgm:cxn modelId="{2E03C9AC-CFE5-4745-97D3-72AB0350F0A2}" type="presParOf" srcId="{DCA30351-E2A1-4955-89A5-C456B0FBB09F}" destId="{A5AD2630-F95B-4BE4-AFF6-039A97C295CA}" srcOrd="3" destOrd="0" presId="urn:microsoft.com/office/officeart/2005/8/layout/process5"/>
+    <dgm:cxn modelId="{0ADE37FE-825F-434B-ACF5-9D6AA61446EB}" type="presParOf" srcId="{A5AD2630-F95B-4BE4-AFF6-039A97C295CA}" destId="{7A02C788-7136-414D-B96D-7F9C5B05D2C1}" srcOrd="0" destOrd="0" presId="urn:microsoft.com/office/officeart/2005/8/layout/process5"/>
+    <dgm:cxn modelId="{6EE83A95-505C-4F24-9606-09682D6BFDDD}" type="presParOf" srcId="{DCA30351-E2A1-4955-89A5-C456B0FBB09F}" destId="{4EE1BFB2-D62B-4321-9151-D5CE3C5D185E}" srcOrd="4" destOrd="0" presId="urn:microsoft.com/office/officeart/2005/8/layout/process5"/>
+    <dgm:cxn modelId="{5BD6E11B-45CD-4A9B-9682-7CD2CC25408C}" type="presParOf" srcId="{DCA30351-E2A1-4955-89A5-C456B0FBB09F}" destId="{781A23F9-FDC4-4CE2-B355-E405564A071B}" srcOrd="5" destOrd="0" presId="urn:microsoft.com/office/officeart/2005/8/layout/process5"/>
+    <dgm:cxn modelId="{D11FD532-7F74-4D5F-A186-87862ADBDE6E}" type="presParOf" srcId="{781A23F9-FDC4-4CE2-B355-E405564A071B}" destId="{CE5DAD68-8545-4406-B1FB-9826C6042559}" srcOrd="0" destOrd="0" presId="urn:microsoft.com/office/officeart/2005/8/layout/process5"/>
+    <dgm:cxn modelId="{130C1DEB-C3C4-4BC2-BAF8-A5017E399522}" type="presParOf" srcId="{DCA30351-E2A1-4955-89A5-C456B0FBB09F}" destId="{91C418CC-82A3-4ACE-97EF-3647697D9FB6}" srcOrd="6" destOrd="0" presId="urn:microsoft.com/office/officeart/2005/8/layout/process5"/>
+    <dgm:cxn modelId="{CA36F67A-0E3F-462B-B02C-A6345093AEA8}" type="presParOf" srcId="{DCA30351-E2A1-4955-89A5-C456B0FBB09F}" destId="{C9E73E7C-33B6-44F2-9EE5-85D75C6915B2}" srcOrd="7" destOrd="0" presId="urn:microsoft.com/office/officeart/2005/8/layout/process5"/>
+    <dgm:cxn modelId="{87F40FCB-13E2-4D4F-98AE-6269E422115B}" type="presParOf" srcId="{C9E73E7C-33B6-44F2-9EE5-85D75C6915B2}" destId="{4C385A27-F3A8-4B80-931A-A09933DFF3AB}" srcOrd="0" destOrd="0" presId="urn:microsoft.com/office/officeart/2005/8/layout/process5"/>
+    <dgm:cxn modelId="{F1B6D45B-13FC-4666-B5F4-694479D6773F}" type="presParOf" srcId="{DCA30351-E2A1-4955-89A5-C456B0FBB09F}" destId="{AE7B6062-424D-4711-81D6-0B9346C533B4}" srcOrd="8" destOrd="0" presId="urn:microsoft.com/office/officeart/2005/8/layout/process5"/>
+    <dgm:cxn modelId="{489F9302-55C3-420A-8AFB-D9B72A406122}" type="presParOf" srcId="{DCA30351-E2A1-4955-89A5-C456B0FBB09F}" destId="{1BEDDAA9-D4FC-4150-97E4-DE3CB1680F54}" srcOrd="9" destOrd="0" presId="urn:microsoft.com/office/officeart/2005/8/layout/process5"/>
+    <dgm:cxn modelId="{4AB2C0F9-DB48-4739-BE40-83972F3E1CD5}" type="presParOf" srcId="{1BEDDAA9-D4FC-4150-97E4-DE3CB1680F54}" destId="{03C652F6-76FA-4A9C-83F0-FF2BC79A0B41}" srcOrd="0" destOrd="0" presId="urn:microsoft.com/office/officeart/2005/8/layout/process5"/>
+    <dgm:cxn modelId="{030F0176-7C62-412D-8B8A-F95C4F1F4EF3}" type="presParOf" srcId="{DCA30351-E2A1-4955-89A5-C456B0FBB09F}" destId="{FDB1E18D-52CD-4C20-8184-B7D0B3BE4265}" srcOrd="10" destOrd="0" presId="urn:microsoft.com/office/officeart/2005/8/layout/process5"/>
+    <dgm:cxn modelId="{623D313F-5A78-4ED2-82DA-66D1DC5B9843}" type="presParOf" srcId="{DCA30351-E2A1-4955-89A5-C456B0FBB09F}" destId="{E863AF49-99DC-4710-9B7B-0B356A8B88B1}" srcOrd="11" destOrd="0" presId="urn:microsoft.com/office/officeart/2005/8/layout/process5"/>
+    <dgm:cxn modelId="{6847AE37-4987-4E62-AEA7-995DEB2E0468}" type="presParOf" srcId="{E863AF49-99DC-4710-9B7B-0B356A8B88B1}" destId="{7467F7A4-050D-4822-8F5D-57232D62C28C}" srcOrd="0" destOrd="0" presId="urn:microsoft.com/office/officeart/2005/8/layout/process5"/>
+    <dgm:cxn modelId="{7747273C-E530-468E-8D2F-004D1D79CB30}" type="presParOf" srcId="{DCA30351-E2A1-4955-89A5-C456B0FBB09F}" destId="{D95951E9-250B-4105-AA7C-E90AA0B28E5D}" srcOrd="12" destOrd="0" presId="urn:microsoft.com/office/officeart/2005/8/layout/process5"/>
+  </dgm:cxnLst>
+  <dgm:bg/>
+  <dgm:whole/>
+  <dgm:extLst>
+    <a:ext uri="http://schemas.microsoft.com/office/drawing/2008/diagram">
+      <dsp:dataModelExt xmlns:dsp="http://schemas.microsoft.com/office/drawing/2008/diagram" relId="rId6" minVer="http://schemas.openxmlformats.org/drawingml/2006/diagram"/>
+    </a:ext>
+  </dgm:extLst>
+</dgm:dataModel>
+</file>
+
+<file path=ppt/diagrams/drawing1.xml><?xml version="1.0" encoding="utf-8"?>
+<dsp:drawing xmlns:dgm="http://schemas.openxmlformats.org/drawingml/2006/diagram" xmlns:dsp="http://schemas.microsoft.com/office/drawing/2008/diagram" xmlns:a="http://schemas.openxmlformats.org/drawingml/2006/main">
+  <dsp:spTree>
+    <dsp:nvGrpSpPr>
+      <dsp:cNvPr id="0" name=""/>
+      <dsp:cNvGrpSpPr/>
+    </dsp:nvGrpSpPr>
+    <dsp:grpSpPr/>
+    <dsp:sp modelId="{01320454-1E1F-491A-BE3D-FE6193A1E7FB}">
+      <dsp:nvSpPr>
+        <dsp:cNvPr id="0" name=""/>
+        <dsp:cNvSpPr/>
+      </dsp:nvSpPr>
+      <dsp:spPr>
+        <a:xfrm>
+          <a:off x="95701" y="1726"/>
+          <a:ext cx="1936576" cy="1161945"/>
+        </a:xfrm>
+        <a:prstGeom prst="roundRect">
+          <a:avLst>
+            <a:gd name="adj" fmla="val 10000"/>
+          </a:avLst>
+        </a:prstGeom>
+        <a:gradFill rotWithShape="0">
+          <a:gsLst>
+            <a:gs pos="0">
+              <a:schemeClr val="accent2">
+                <a:hueOff val="0"/>
+                <a:satOff val="0"/>
+                <a:lumOff val="0"/>
+                <a:alphaOff val="0"/>
+                <a:tint val="97000"/>
+                <a:satMod val="100000"/>
+                <a:lumMod val="102000"/>
+              </a:schemeClr>
+            </a:gs>
+            <a:gs pos="50000">
+              <a:schemeClr val="accent2">
+                <a:hueOff val="0"/>
+                <a:satOff val="0"/>
+                <a:lumOff val="0"/>
+                <a:alphaOff val="0"/>
+                <a:shade val="100000"/>
+                <a:satMod val="103000"/>
+                <a:lumMod val="100000"/>
+              </a:schemeClr>
+            </a:gs>
+            <a:gs pos="100000">
+              <a:schemeClr val="accent2">
+                <a:hueOff val="0"/>
+                <a:satOff val="0"/>
+                <a:lumOff val="0"/>
+                <a:alphaOff val="0"/>
+                <a:shade val="93000"/>
+                <a:satMod val="110000"/>
+                <a:lumMod val="99000"/>
+              </a:schemeClr>
+            </a:gs>
+          </a:gsLst>
+          <a:lin ang="5400000" scaled="0"/>
+        </a:gradFill>
+        <a:ln>
+          <a:noFill/>
+        </a:ln>
+        <a:effectLst/>
+      </dsp:spPr>
+      <dsp:style>
+        <a:lnRef idx="0">
+          <a:scrgbClr r="0" g="0" b="0"/>
+        </a:lnRef>
+        <a:fillRef idx="3">
+          <a:scrgbClr r="0" g="0" b="0"/>
+        </a:fillRef>
+        <a:effectRef idx="2">
+          <a:scrgbClr r="0" g="0" b="0"/>
+        </a:effectRef>
+        <a:fontRef idx="minor">
+          <a:schemeClr val="lt1"/>
+        </a:fontRef>
+      </dsp:style>
+      <dsp:txBody>
+        <a:bodyPr spcFirstLastPara="0" vert="horz" wrap="square" lIns="57150" tIns="57150" rIns="57150" bIns="57150" numCol="1" spcCol="1270" anchor="ctr" anchorCtr="0">
+          <a:noAutofit/>
+        </a:bodyPr>
+        <a:lstStyle/>
+        <a:p>
+          <a:pPr marL="0" lvl="0" indent="0" algn="ctr" defTabSz="666750">
+            <a:lnSpc>
+              <a:spcPct val="90000"/>
+            </a:lnSpc>
+            <a:spcBef>
+              <a:spcPct val="0"/>
+            </a:spcBef>
+            <a:spcAft>
+              <a:spcPct val="35000"/>
+            </a:spcAft>
+            <a:buNone/>
+          </a:pPr>
+          <a:r>
+            <a:rPr lang="en-US" sz="1500" kern="1200"/>
+            <a:t>Exported raw data from our source and converted to csv file</a:t>
+          </a:r>
+        </a:p>
+      </dsp:txBody>
+      <dsp:txXfrm>
+        <a:off x="129733" y="35758"/>
+        <a:ext cx="1868512" cy="1093881"/>
+      </dsp:txXfrm>
+    </dsp:sp>
+    <dsp:sp modelId="{CD86F80E-326A-4EF9-836E-C93087030CB0}">
+      <dsp:nvSpPr>
+        <dsp:cNvPr id="0" name=""/>
+        <dsp:cNvSpPr/>
+      </dsp:nvSpPr>
+      <dsp:spPr>
+        <a:xfrm>
+          <a:off x="2202696" y="342563"/>
+          <a:ext cx="410554" cy="480270"/>
+        </a:xfrm>
+        <a:prstGeom prst="rightArrow">
+          <a:avLst>
+            <a:gd name="adj1" fmla="val 60000"/>
+            <a:gd name="adj2" fmla="val 50000"/>
+          </a:avLst>
+        </a:prstGeom>
+        <a:gradFill rotWithShape="0">
+          <a:gsLst>
+            <a:gs pos="0">
+              <a:schemeClr val="accent2">
+                <a:hueOff val="0"/>
+                <a:satOff val="0"/>
+                <a:lumOff val="0"/>
+                <a:alphaOff val="0"/>
+                <a:tint val="97000"/>
+                <a:satMod val="100000"/>
+                <a:lumMod val="102000"/>
+              </a:schemeClr>
+            </a:gs>
+            <a:gs pos="50000">
+              <a:schemeClr val="accent2">
+                <a:hueOff val="0"/>
+                <a:satOff val="0"/>
+                <a:lumOff val="0"/>
+                <a:alphaOff val="0"/>
+                <a:shade val="100000"/>
+                <a:satMod val="103000"/>
+                <a:lumMod val="100000"/>
+              </a:schemeClr>
+            </a:gs>
+            <a:gs pos="100000">
+              <a:schemeClr val="accent2">
+                <a:hueOff val="0"/>
+                <a:satOff val="0"/>
+                <a:lumOff val="0"/>
+                <a:alphaOff val="0"/>
+                <a:shade val="93000"/>
+                <a:satMod val="110000"/>
+                <a:lumMod val="99000"/>
+              </a:schemeClr>
+            </a:gs>
+          </a:gsLst>
+          <a:lin ang="5400000" scaled="0"/>
+        </a:gradFill>
+        <a:ln>
+          <a:noFill/>
+        </a:ln>
+        <a:effectLst/>
+      </dsp:spPr>
+      <dsp:style>
+        <a:lnRef idx="0">
+          <a:scrgbClr r="0" g="0" b="0"/>
+        </a:lnRef>
+        <a:fillRef idx="3">
+          <a:scrgbClr r="0" g="0" b="0"/>
+        </a:fillRef>
+        <a:effectRef idx="2">
+          <a:scrgbClr r="0" g="0" b="0"/>
+        </a:effectRef>
+        <a:fontRef idx="minor">
+          <a:schemeClr val="lt1"/>
+        </a:fontRef>
+      </dsp:style>
+      <dsp:txBody>
+        <a:bodyPr spcFirstLastPara="0" vert="horz" wrap="square" lIns="0" tIns="0" rIns="0" bIns="0" numCol="1" spcCol="1270" anchor="ctr" anchorCtr="0">
+          <a:noAutofit/>
+        </a:bodyPr>
+        <a:lstStyle/>
+        <a:p>
+          <a:pPr marL="0" lvl="0" indent="0" algn="ctr" defTabSz="533400">
+            <a:lnSpc>
+              <a:spcPct val="90000"/>
+            </a:lnSpc>
+            <a:spcBef>
+              <a:spcPct val="0"/>
+            </a:spcBef>
+            <a:spcAft>
+              <a:spcPct val="35000"/>
+            </a:spcAft>
+            <a:buNone/>
+          </a:pPr>
+          <a:endParaRPr lang="en-US" sz="1200" kern="1200"/>
+        </a:p>
+      </dsp:txBody>
+      <dsp:txXfrm>
+        <a:off x="2202696" y="438617"/>
+        <a:ext cx="287388" cy="288162"/>
+      </dsp:txXfrm>
+    </dsp:sp>
+    <dsp:sp modelId="{482BF09D-DDE7-4F23-9AC1-9BF2CBC7E101}">
+      <dsp:nvSpPr>
+        <dsp:cNvPr id="0" name=""/>
+        <dsp:cNvSpPr/>
+      </dsp:nvSpPr>
+      <dsp:spPr>
+        <a:xfrm>
+          <a:off x="2806908" y="1726"/>
+          <a:ext cx="1936576" cy="1161945"/>
+        </a:xfrm>
+        <a:prstGeom prst="roundRect">
+          <a:avLst>
+            <a:gd name="adj" fmla="val 10000"/>
+          </a:avLst>
+        </a:prstGeom>
+        <a:gradFill rotWithShape="0">
+          <a:gsLst>
+            <a:gs pos="0">
+              <a:schemeClr val="accent2">
+                <a:hueOff val="-1725315"/>
+                <a:satOff val="7643"/>
+                <a:lumOff val="-2811"/>
+                <a:alphaOff val="0"/>
+                <a:tint val="97000"/>
+                <a:satMod val="100000"/>
+                <a:lumMod val="102000"/>
+              </a:schemeClr>
+            </a:gs>
+            <a:gs pos="50000">
+              <a:schemeClr val="accent2">
+                <a:hueOff val="-1725315"/>
+                <a:satOff val="7643"/>
+                <a:lumOff val="-2811"/>
+                <a:alphaOff val="0"/>
+                <a:shade val="100000"/>
+                <a:satMod val="103000"/>
+                <a:lumMod val="100000"/>
+              </a:schemeClr>
+            </a:gs>
+            <a:gs pos="100000">
+              <a:schemeClr val="accent2">
+                <a:hueOff val="-1725315"/>
+                <a:satOff val="7643"/>
+                <a:lumOff val="-2811"/>
+                <a:alphaOff val="0"/>
+                <a:shade val="93000"/>
+                <a:satMod val="110000"/>
+                <a:lumMod val="99000"/>
+              </a:schemeClr>
+            </a:gs>
+          </a:gsLst>
+          <a:lin ang="5400000" scaled="0"/>
+        </a:gradFill>
+        <a:ln>
+          <a:noFill/>
+        </a:ln>
+        <a:effectLst/>
+      </dsp:spPr>
+      <dsp:style>
+        <a:lnRef idx="0">
+          <a:scrgbClr r="0" g="0" b="0"/>
+        </a:lnRef>
+        <a:fillRef idx="3">
+          <a:scrgbClr r="0" g="0" b="0"/>
+        </a:fillRef>
+        <a:effectRef idx="2">
+          <a:scrgbClr r="0" g="0" b="0"/>
+        </a:effectRef>
+        <a:fontRef idx="minor">
+          <a:schemeClr val="lt1"/>
+        </a:fontRef>
+      </dsp:style>
+      <dsp:txBody>
+        <a:bodyPr spcFirstLastPara="0" vert="horz" wrap="square" lIns="57150" tIns="57150" rIns="57150" bIns="57150" numCol="1" spcCol="1270" anchor="ctr" anchorCtr="0">
+          <a:noAutofit/>
+        </a:bodyPr>
+        <a:lstStyle/>
+        <a:p>
+          <a:pPr marL="0" lvl="0" indent="0" algn="ctr" defTabSz="666750">
+            <a:lnSpc>
+              <a:spcPct val="90000"/>
+            </a:lnSpc>
+            <a:spcBef>
+              <a:spcPct val="0"/>
+            </a:spcBef>
+            <a:spcAft>
+              <a:spcPct val="35000"/>
+            </a:spcAft>
+            <a:buNone/>
+          </a:pPr>
+          <a:r>
+            <a:rPr lang="en-US" sz="1500" kern="1200"/>
+            <a:t>In Jupyter, initial clean up included removing columns we wouldn’t be using (ex: dropna)</a:t>
+          </a:r>
+        </a:p>
+      </dsp:txBody>
+      <dsp:txXfrm>
+        <a:off x="2840940" y="35758"/>
+        <a:ext cx="1868512" cy="1093881"/>
+      </dsp:txXfrm>
+    </dsp:sp>
+    <dsp:sp modelId="{A5AD2630-F95B-4BE4-AFF6-039A97C295CA}">
+      <dsp:nvSpPr>
+        <dsp:cNvPr id="0" name=""/>
+        <dsp:cNvSpPr/>
+      </dsp:nvSpPr>
+      <dsp:spPr>
+        <a:xfrm>
+          <a:off x="4913903" y="342563"/>
+          <a:ext cx="410554" cy="480270"/>
+        </a:xfrm>
+        <a:prstGeom prst="rightArrow">
+          <a:avLst>
+            <a:gd name="adj1" fmla="val 60000"/>
+            <a:gd name="adj2" fmla="val 50000"/>
+          </a:avLst>
+        </a:prstGeom>
+        <a:gradFill rotWithShape="0">
+          <a:gsLst>
+            <a:gs pos="0">
+              <a:schemeClr val="accent2">
+                <a:hueOff val="-2070378"/>
+                <a:satOff val="9172"/>
+                <a:lumOff val="-3373"/>
+                <a:alphaOff val="0"/>
+                <a:tint val="97000"/>
+                <a:satMod val="100000"/>
+                <a:lumMod val="102000"/>
+              </a:schemeClr>
+            </a:gs>
+            <a:gs pos="50000">
+              <a:schemeClr val="accent2">
+                <a:hueOff val="-2070378"/>
+                <a:satOff val="9172"/>
+                <a:lumOff val="-3373"/>
+                <a:alphaOff val="0"/>
+                <a:shade val="100000"/>
+                <a:satMod val="103000"/>
+                <a:lumMod val="100000"/>
+              </a:schemeClr>
+            </a:gs>
+            <a:gs pos="100000">
+              <a:schemeClr val="accent2">
+                <a:hueOff val="-2070378"/>
+                <a:satOff val="9172"/>
+                <a:lumOff val="-3373"/>
+                <a:alphaOff val="0"/>
+                <a:shade val="93000"/>
+                <a:satMod val="110000"/>
+                <a:lumMod val="99000"/>
+              </a:schemeClr>
+            </a:gs>
+          </a:gsLst>
+          <a:lin ang="5400000" scaled="0"/>
+        </a:gradFill>
+        <a:ln>
+          <a:noFill/>
+        </a:ln>
+        <a:effectLst/>
+      </dsp:spPr>
+      <dsp:style>
+        <a:lnRef idx="0">
+          <a:scrgbClr r="0" g="0" b="0"/>
+        </a:lnRef>
+        <a:fillRef idx="3">
+          <a:scrgbClr r="0" g="0" b="0"/>
+        </a:fillRef>
+        <a:effectRef idx="2">
+          <a:scrgbClr r="0" g="0" b="0"/>
+        </a:effectRef>
+        <a:fontRef idx="minor">
+          <a:schemeClr val="lt1"/>
+        </a:fontRef>
+      </dsp:style>
+      <dsp:txBody>
+        <a:bodyPr spcFirstLastPara="0" vert="horz" wrap="square" lIns="0" tIns="0" rIns="0" bIns="0" numCol="1" spcCol="1270" anchor="ctr" anchorCtr="0">
+          <a:noAutofit/>
+        </a:bodyPr>
+        <a:lstStyle/>
+        <a:p>
+          <a:pPr marL="0" lvl="0" indent="0" algn="ctr" defTabSz="533400">
+            <a:lnSpc>
+              <a:spcPct val="90000"/>
+            </a:lnSpc>
+            <a:spcBef>
+              <a:spcPct val="0"/>
+            </a:spcBef>
+            <a:spcAft>
+              <a:spcPct val="35000"/>
+            </a:spcAft>
+            <a:buNone/>
+          </a:pPr>
+          <a:endParaRPr lang="en-US" sz="1200" kern="1200"/>
+        </a:p>
+      </dsp:txBody>
+      <dsp:txXfrm>
+        <a:off x="4913903" y="438617"/>
+        <a:ext cx="287388" cy="288162"/>
+      </dsp:txXfrm>
+    </dsp:sp>
+    <dsp:sp modelId="{4EE1BFB2-D62B-4321-9151-D5CE3C5D185E}">
+      <dsp:nvSpPr>
+        <dsp:cNvPr id="0" name=""/>
+        <dsp:cNvSpPr/>
+      </dsp:nvSpPr>
+      <dsp:spPr>
+        <a:xfrm>
+          <a:off x="5518115" y="1726"/>
+          <a:ext cx="1936576" cy="1161945"/>
+        </a:xfrm>
+        <a:prstGeom prst="roundRect">
+          <a:avLst>
+            <a:gd name="adj" fmla="val 10000"/>
+          </a:avLst>
+        </a:prstGeom>
+        <a:gradFill rotWithShape="0">
+          <a:gsLst>
+            <a:gs pos="0">
+              <a:schemeClr val="accent2">
+                <a:hueOff val="-3450629"/>
+                <a:satOff val="15286"/>
+                <a:lumOff val="-5621"/>
+                <a:alphaOff val="0"/>
+                <a:tint val="97000"/>
+                <a:satMod val="100000"/>
+                <a:lumMod val="102000"/>
+              </a:schemeClr>
+            </a:gs>
+            <a:gs pos="50000">
+              <a:schemeClr val="accent2">
+                <a:hueOff val="-3450629"/>
+                <a:satOff val="15286"/>
+                <a:lumOff val="-5621"/>
+                <a:alphaOff val="0"/>
+                <a:shade val="100000"/>
+                <a:satMod val="103000"/>
+                <a:lumMod val="100000"/>
+              </a:schemeClr>
+            </a:gs>
+            <a:gs pos="100000">
+              <a:schemeClr val="accent2">
+                <a:hueOff val="-3450629"/>
+                <a:satOff val="15286"/>
+                <a:lumOff val="-5621"/>
+                <a:alphaOff val="0"/>
+                <a:shade val="93000"/>
+                <a:satMod val="110000"/>
+                <a:lumMod val="99000"/>
+              </a:schemeClr>
+            </a:gs>
+          </a:gsLst>
+          <a:lin ang="5400000" scaled="0"/>
+        </a:gradFill>
+        <a:ln>
+          <a:noFill/>
+        </a:ln>
+        <a:effectLst/>
+      </dsp:spPr>
+      <dsp:style>
+        <a:lnRef idx="0">
+          <a:scrgbClr r="0" g="0" b="0"/>
+        </a:lnRef>
+        <a:fillRef idx="3">
+          <a:scrgbClr r="0" g="0" b="0"/>
+        </a:fillRef>
+        <a:effectRef idx="2">
+          <a:scrgbClr r="0" g="0" b="0"/>
+        </a:effectRef>
+        <a:fontRef idx="minor">
+          <a:schemeClr val="lt1"/>
+        </a:fontRef>
+      </dsp:style>
+      <dsp:txBody>
+        <a:bodyPr spcFirstLastPara="0" vert="horz" wrap="square" lIns="57150" tIns="57150" rIns="57150" bIns="57150" numCol="1" spcCol="1270" anchor="ctr" anchorCtr="0">
+          <a:noAutofit/>
+        </a:bodyPr>
+        <a:lstStyle/>
+        <a:p>
+          <a:pPr marL="0" lvl="0" indent="0" algn="ctr" defTabSz="666750">
+            <a:lnSpc>
+              <a:spcPct val="90000"/>
+            </a:lnSpc>
+            <a:spcBef>
+              <a:spcPct val="0"/>
+            </a:spcBef>
+            <a:spcAft>
+              <a:spcPct val="35000"/>
+            </a:spcAft>
+            <a:buNone/>
+          </a:pPr>
+          <a:r>
+            <a:rPr lang="en-US" sz="1500" kern="1200"/>
+            <a:t>Import pandas, matplotlib, datetime</a:t>
+          </a:r>
+        </a:p>
+      </dsp:txBody>
+      <dsp:txXfrm>
+        <a:off x="5552147" y="35758"/>
+        <a:ext cx="1868512" cy="1093881"/>
+      </dsp:txXfrm>
+    </dsp:sp>
+    <dsp:sp modelId="{781A23F9-FDC4-4CE2-B355-E405564A071B}">
+      <dsp:nvSpPr>
+        <dsp:cNvPr id="0" name=""/>
+        <dsp:cNvSpPr/>
+      </dsp:nvSpPr>
+      <dsp:spPr>
+        <a:xfrm>
+          <a:off x="7625110" y="342563"/>
+          <a:ext cx="410554" cy="480270"/>
+        </a:xfrm>
+        <a:prstGeom prst="rightArrow">
+          <a:avLst>
+            <a:gd name="adj1" fmla="val 60000"/>
+            <a:gd name="adj2" fmla="val 50000"/>
+          </a:avLst>
+        </a:prstGeom>
+        <a:gradFill rotWithShape="0">
+          <a:gsLst>
+            <a:gs pos="0">
+              <a:schemeClr val="accent2">
+                <a:hueOff val="-4140755"/>
+                <a:satOff val="18344"/>
+                <a:lumOff val="-6746"/>
+                <a:alphaOff val="0"/>
+                <a:tint val="97000"/>
+                <a:satMod val="100000"/>
+                <a:lumMod val="102000"/>
+              </a:schemeClr>
+            </a:gs>
+            <a:gs pos="50000">
+              <a:schemeClr val="accent2">
+                <a:hueOff val="-4140755"/>
+                <a:satOff val="18344"/>
+                <a:lumOff val="-6746"/>
+                <a:alphaOff val="0"/>
+                <a:shade val="100000"/>
+                <a:satMod val="103000"/>
+                <a:lumMod val="100000"/>
+              </a:schemeClr>
+            </a:gs>
+            <a:gs pos="100000">
+              <a:schemeClr val="accent2">
+                <a:hueOff val="-4140755"/>
+                <a:satOff val="18344"/>
+                <a:lumOff val="-6746"/>
+                <a:alphaOff val="0"/>
+                <a:shade val="93000"/>
+                <a:satMod val="110000"/>
+                <a:lumMod val="99000"/>
+              </a:schemeClr>
+            </a:gs>
+          </a:gsLst>
+          <a:lin ang="5400000" scaled="0"/>
+        </a:gradFill>
+        <a:ln>
+          <a:noFill/>
+        </a:ln>
+        <a:effectLst/>
+      </dsp:spPr>
+      <dsp:style>
+        <a:lnRef idx="0">
+          <a:scrgbClr r="0" g="0" b="0"/>
+        </a:lnRef>
+        <a:fillRef idx="3">
+          <a:scrgbClr r="0" g="0" b="0"/>
+        </a:fillRef>
+        <a:effectRef idx="2">
+          <a:scrgbClr r="0" g="0" b="0"/>
+        </a:effectRef>
+        <a:fontRef idx="minor">
+          <a:schemeClr val="lt1"/>
+        </a:fontRef>
+      </dsp:style>
+      <dsp:txBody>
+        <a:bodyPr spcFirstLastPara="0" vert="horz" wrap="square" lIns="0" tIns="0" rIns="0" bIns="0" numCol="1" spcCol="1270" anchor="ctr" anchorCtr="0">
+          <a:noAutofit/>
+        </a:bodyPr>
+        <a:lstStyle/>
+        <a:p>
+          <a:pPr marL="0" lvl="0" indent="0" algn="ctr" defTabSz="533400">
+            <a:lnSpc>
+              <a:spcPct val="90000"/>
+            </a:lnSpc>
+            <a:spcBef>
+              <a:spcPct val="0"/>
+            </a:spcBef>
+            <a:spcAft>
+              <a:spcPct val="35000"/>
+            </a:spcAft>
+            <a:buNone/>
+          </a:pPr>
+          <a:endParaRPr lang="en-US" sz="1200" kern="1200"/>
+        </a:p>
+      </dsp:txBody>
+      <dsp:txXfrm>
+        <a:off x="7625110" y="438617"/>
+        <a:ext cx="287388" cy="288162"/>
+      </dsp:txXfrm>
+    </dsp:sp>
+    <dsp:sp modelId="{91C418CC-82A3-4ACE-97EF-3647697D9FB6}">
+      <dsp:nvSpPr>
+        <dsp:cNvPr id="0" name=""/>
+        <dsp:cNvSpPr/>
+      </dsp:nvSpPr>
+      <dsp:spPr>
+        <a:xfrm>
+          <a:off x="8229322" y="1726"/>
+          <a:ext cx="1936576" cy="1161945"/>
+        </a:xfrm>
+        <a:prstGeom prst="roundRect">
+          <a:avLst>
+            <a:gd name="adj" fmla="val 10000"/>
+          </a:avLst>
+        </a:prstGeom>
+        <a:gradFill rotWithShape="0">
+          <a:gsLst>
+            <a:gs pos="0">
+              <a:schemeClr val="accent2">
+                <a:hueOff val="-5175944"/>
+                <a:satOff val="22930"/>
+                <a:lumOff val="-8432"/>
+                <a:alphaOff val="0"/>
+                <a:tint val="97000"/>
+                <a:satMod val="100000"/>
+                <a:lumMod val="102000"/>
+              </a:schemeClr>
+            </a:gs>
+            <a:gs pos="50000">
+              <a:schemeClr val="accent2">
+                <a:hueOff val="-5175944"/>
+                <a:satOff val="22930"/>
+                <a:lumOff val="-8432"/>
+                <a:alphaOff val="0"/>
+                <a:shade val="100000"/>
+                <a:satMod val="103000"/>
+                <a:lumMod val="100000"/>
+              </a:schemeClr>
+            </a:gs>
+            <a:gs pos="100000">
+              <a:schemeClr val="accent2">
+                <a:hueOff val="-5175944"/>
+                <a:satOff val="22930"/>
+                <a:lumOff val="-8432"/>
+                <a:alphaOff val="0"/>
+                <a:shade val="93000"/>
+                <a:satMod val="110000"/>
+                <a:lumMod val="99000"/>
+              </a:schemeClr>
+            </a:gs>
+          </a:gsLst>
+          <a:lin ang="5400000" scaled="0"/>
+        </a:gradFill>
+        <a:ln>
+          <a:noFill/>
+        </a:ln>
+        <a:effectLst/>
+      </dsp:spPr>
+      <dsp:style>
+        <a:lnRef idx="0">
+          <a:scrgbClr r="0" g="0" b="0"/>
+        </a:lnRef>
+        <a:fillRef idx="3">
+          <a:scrgbClr r="0" g="0" b="0"/>
+        </a:fillRef>
+        <a:effectRef idx="2">
+          <a:scrgbClr r="0" g="0" b="0"/>
+        </a:effectRef>
+        <a:fontRef idx="minor">
+          <a:schemeClr val="lt1"/>
+        </a:fontRef>
+      </dsp:style>
+      <dsp:txBody>
+        <a:bodyPr spcFirstLastPara="0" vert="horz" wrap="square" lIns="57150" tIns="57150" rIns="57150" bIns="57150" numCol="1" spcCol="1270" anchor="ctr" anchorCtr="0">
+          <a:noAutofit/>
+        </a:bodyPr>
+        <a:lstStyle/>
+        <a:p>
+          <a:pPr marL="0" lvl="0" indent="0" algn="ctr" defTabSz="666750">
+            <a:lnSpc>
+              <a:spcPct val="90000"/>
+            </a:lnSpc>
+            <a:spcBef>
+              <a:spcPct val="0"/>
+            </a:spcBef>
+            <a:spcAft>
+              <a:spcPct val="35000"/>
+            </a:spcAft>
+            <a:buNone/>
+          </a:pPr>
+          <a:r>
+            <a:rPr lang="en-US" sz="1500" kern="1200"/>
+            <a:t>Used pandas to create a new data frame with only the fields we wanted</a:t>
+          </a:r>
+        </a:p>
+      </dsp:txBody>
+      <dsp:txXfrm>
+        <a:off x="8263354" y="35758"/>
+        <a:ext cx="1868512" cy="1093881"/>
+      </dsp:txXfrm>
+    </dsp:sp>
+    <dsp:sp modelId="{C9E73E7C-33B6-44F2-9EE5-85D75C6915B2}">
+      <dsp:nvSpPr>
+        <dsp:cNvPr id="0" name=""/>
+        <dsp:cNvSpPr/>
+      </dsp:nvSpPr>
+      <dsp:spPr>
+        <a:xfrm rot="5400000">
+          <a:off x="8992333" y="1299232"/>
+          <a:ext cx="410554" cy="480270"/>
+        </a:xfrm>
+        <a:prstGeom prst="rightArrow">
+          <a:avLst>
+            <a:gd name="adj1" fmla="val 60000"/>
+            <a:gd name="adj2" fmla="val 50000"/>
+          </a:avLst>
+        </a:prstGeom>
+        <a:gradFill rotWithShape="0">
+          <a:gsLst>
+            <a:gs pos="0">
+              <a:schemeClr val="accent2">
+                <a:hueOff val="-6211133"/>
+                <a:satOff val="27515"/>
+                <a:lumOff val="-10118"/>
+                <a:alphaOff val="0"/>
+                <a:tint val="97000"/>
+                <a:satMod val="100000"/>
+                <a:lumMod val="102000"/>
+              </a:schemeClr>
+            </a:gs>
+            <a:gs pos="50000">
+              <a:schemeClr val="accent2">
+                <a:hueOff val="-6211133"/>
+                <a:satOff val="27515"/>
+                <a:lumOff val="-10118"/>
+                <a:alphaOff val="0"/>
+                <a:shade val="100000"/>
+                <a:satMod val="103000"/>
+                <a:lumMod val="100000"/>
+              </a:schemeClr>
+            </a:gs>
+            <a:gs pos="100000">
+              <a:schemeClr val="accent2">
+                <a:hueOff val="-6211133"/>
+                <a:satOff val="27515"/>
+                <a:lumOff val="-10118"/>
+                <a:alphaOff val="0"/>
+                <a:shade val="93000"/>
+                <a:satMod val="110000"/>
+                <a:lumMod val="99000"/>
+              </a:schemeClr>
+            </a:gs>
+          </a:gsLst>
+          <a:lin ang="5400000" scaled="0"/>
+        </a:gradFill>
+        <a:ln>
+          <a:noFill/>
+        </a:ln>
+        <a:effectLst/>
+      </dsp:spPr>
+      <dsp:style>
+        <a:lnRef idx="0">
+          <a:scrgbClr r="0" g="0" b="0"/>
+        </a:lnRef>
+        <a:fillRef idx="3">
+          <a:scrgbClr r="0" g="0" b="0"/>
+        </a:fillRef>
+        <a:effectRef idx="2">
+          <a:scrgbClr r="0" g="0" b="0"/>
+        </a:effectRef>
+        <a:fontRef idx="minor">
+          <a:schemeClr val="lt1"/>
+        </a:fontRef>
+      </dsp:style>
+      <dsp:txBody>
+        <a:bodyPr spcFirstLastPara="0" vert="horz" wrap="square" lIns="0" tIns="0" rIns="0" bIns="0" numCol="1" spcCol="1270" anchor="ctr" anchorCtr="0">
+          <a:noAutofit/>
+        </a:bodyPr>
+        <a:lstStyle/>
+        <a:p>
+          <a:pPr marL="0" lvl="0" indent="0" algn="ctr" defTabSz="533400">
+            <a:lnSpc>
+              <a:spcPct val="90000"/>
+            </a:lnSpc>
+            <a:spcBef>
+              <a:spcPct val="0"/>
+            </a:spcBef>
+            <a:spcAft>
+              <a:spcPct val="35000"/>
+            </a:spcAft>
+            <a:buNone/>
+          </a:pPr>
+          <a:endParaRPr lang="en-US" sz="1200" kern="1200"/>
+        </a:p>
+      </dsp:txBody>
+      <dsp:txXfrm rot="-5400000">
+        <a:off x="9053529" y="1334090"/>
+        <a:ext cx="288162" cy="287388"/>
+      </dsp:txXfrm>
+    </dsp:sp>
+    <dsp:sp modelId="{AE7B6062-424D-4711-81D6-0B9346C533B4}">
+      <dsp:nvSpPr>
+        <dsp:cNvPr id="0" name=""/>
+        <dsp:cNvSpPr/>
+      </dsp:nvSpPr>
+      <dsp:spPr>
+        <a:xfrm>
+          <a:off x="8229322" y="1938302"/>
+          <a:ext cx="1936576" cy="1161945"/>
+        </a:xfrm>
+        <a:prstGeom prst="roundRect">
+          <a:avLst>
+            <a:gd name="adj" fmla="val 10000"/>
+          </a:avLst>
+        </a:prstGeom>
+        <a:gradFill rotWithShape="0">
+          <a:gsLst>
+            <a:gs pos="0">
+              <a:schemeClr val="accent2">
+                <a:hueOff val="-6901259"/>
+                <a:satOff val="30573"/>
+                <a:lumOff val="-11243"/>
+                <a:alphaOff val="0"/>
+                <a:tint val="97000"/>
+                <a:satMod val="100000"/>
+                <a:lumMod val="102000"/>
+              </a:schemeClr>
+            </a:gs>
+            <a:gs pos="50000">
+              <a:schemeClr val="accent2">
+                <a:hueOff val="-6901259"/>
+                <a:satOff val="30573"/>
+                <a:lumOff val="-11243"/>
+                <a:alphaOff val="0"/>
+                <a:shade val="100000"/>
+                <a:satMod val="103000"/>
+                <a:lumMod val="100000"/>
+              </a:schemeClr>
+            </a:gs>
+            <a:gs pos="100000">
+              <a:schemeClr val="accent2">
+                <a:hueOff val="-6901259"/>
+                <a:satOff val="30573"/>
+                <a:lumOff val="-11243"/>
+                <a:alphaOff val="0"/>
+                <a:shade val="93000"/>
+                <a:satMod val="110000"/>
+                <a:lumMod val="99000"/>
+              </a:schemeClr>
+            </a:gs>
+          </a:gsLst>
+          <a:lin ang="5400000" scaled="0"/>
+        </a:gradFill>
+        <a:ln>
+          <a:noFill/>
+        </a:ln>
+        <a:effectLst/>
+      </dsp:spPr>
+      <dsp:style>
+        <a:lnRef idx="0">
+          <a:scrgbClr r="0" g="0" b="0"/>
+        </a:lnRef>
+        <a:fillRef idx="3">
+          <a:scrgbClr r="0" g="0" b="0"/>
+        </a:fillRef>
+        <a:effectRef idx="2">
+          <a:scrgbClr r="0" g="0" b="0"/>
+        </a:effectRef>
+        <a:fontRef idx="minor">
+          <a:schemeClr val="lt1"/>
+        </a:fontRef>
+      </dsp:style>
+      <dsp:txBody>
+        <a:bodyPr spcFirstLastPara="0" vert="horz" wrap="square" lIns="57150" tIns="57150" rIns="57150" bIns="57150" numCol="1" spcCol="1270" anchor="ctr" anchorCtr="0">
+          <a:noAutofit/>
+        </a:bodyPr>
+        <a:lstStyle/>
+        <a:p>
+          <a:pPr marL="0" lvl="0" indent="0" algn="ctr" defTabSz="666750">
+            <a:lnSpc>
+              <a:spcPct val="90000"/>
+            </a:lnSpc>
+            <a:spcBef>
+              <a:spcPct val="0"/>
+            </a:spcBef>
+            <a:spcAft>
+              <a:spcPct val="35000"/>
+            </a:spcAft>
+            <a:buNone/>
+          </a:pPr>
+          <a:r>
+            <a:rPr lang="en-US" sz="1500" kern="1200"/>
+            <a:t>Reviewed overall totals and summary statistics like max, min, total</a:t>
+          </a:r>
+        </a:p>
+      </dsp:txBody>
+      <dsp:txXfrm>
+        <a:off x="8263354" y="1972334"/>
+        <a:ext cx="1868512" cy="1093881"/>
+      </dsp:txXfrm>
+    </dsp:sp>
+    <dsp:sp modelId="{1BEDDAA9-D4FC-4150-97E4-DE3CB1680F54}">
+      <dsp:nvSpPr>
+        <dsp:cNvPr id="0" name=""/>
+        <dsp:cNvSpPr/>
+      </dsp:nvSpPr>
+      <dsp:spPr>
+        <a:xfrm rot="10800000">
+          <a:off x="7648349" y="2279140"/>
+          <a:ext cx="410554" cy="480270"/>
+        </a:xfrm>
+        <a:prstGeom prst="rightArrow">
+          <a:avLst>
+            <a:gd name="adj1" fmla="val 60000"/>
+            <a:gd name="adj2" fmla="val 50000"/>
+          </a:avLst>
+        </a:prstGeom>
+        <a:gradFill rotWithShape="0">
+          <a:gsLst>
+            <a:gs pos="0">
+              <a:schemeClr val="accent2">
+                <a:hueOff val="-8281511"/>
+                <a:satOff val="36687"/>
+                <a:lumOff val="-13491"/>
+                <a:alphaOff val="0"/>
+                <a:tint val="97000"/>
+                <a:satMod val="100000"/>
+                <a:lumMod val="102000"/>
+              </a:schemeClr>
+            </a:gs>
+            <a:gs pos="50000">
+              <a:schemeClr val="accent2">
+                <a:hueOff val="-8281511"/>
+                <a:satOff val="36687"/>
+                <a:lumOff val="-13491"/>
+                <a:alphaOff val="0"/>
+                <a:shade val="100000"/>
+                <a:satMod val="103000"/>
+                <a:lumMod val="100000"/>
+              </a:schemeClr>
+            </a:gs>
+            <a:gs pos="100000">
+              <a:schemeClr val="accent2">
+                <a:hueOff val="-8281511"/>
+                <a:satOff val="36687"/>
+                <a:lumOff val="-13491"/>
+                <a:alphaOff val="0"/>
+                <a:shade val="93000"/>
+                <a:satMod val="110000"/>
+                <a:lumMod val="99000"/>
+              </a:schemeClr>
+            </a:gs>
+          </a:gsLst>
+          <a:lin ang="5400000" scaled="0"/>
+        </a:gradFill>
+        <a:ln>
+          <a:noFill/>
+        </a:ln>
+        <a:effectLst/>
+      </dsp:spPr>
+      <dsp:style>
+        <a:lnRef idx="0">
+          <a:scrgbClr r="0" g="0" b="0"/>
+        </a:lnRef>
+        <a:fillRef idx="3">
+          <a:scrgbClr r="0" g="0" b="0"/>
+        </a:fillRef>
+        <a:effectRef idx="2">
+          <a:scrgbClr r="0" g="0" b="0"/>
+        </a:effectRef>
+        <a:fontRef idx="minor">
+          <a:schemeClr val="lt1"/>
+        </a:fontRef>
+      </dsp:style>
+      <dsp:txBody>
+        <a:bodyPr spcFirstLastPara="0" vert="horz" wrap="square" lIns="0" tIns="0" rIns="0" bIns="0" numCol="1" spcCol="1270" anchor="ctr" anchorCtr="0">
+          <a:noAutofit/>
+        </a:bodyPr>
+        <a:lstStyle/>
+        <a:p>
+          <a:pPr marL="0" lvl="0" indent="0" algn="ctr" defTabSz="533400">
+            <a:lnSpc>
+              <a:spcPct val="90000"/>
+            </a:lnSpc>
+            <a:spcBef>
+              <a:spcPct val="0"/>
+            </a:spcBef>
+            <a:spcAft>
+              <a:spcPct val="35000"/>
+            </a:spcAft>
+            <a:buNone/>
+          </a:pPr>
+          <a:endParaRPr lang="en-US" sz="1200" kern="1200"/>
+        </a:p>
+      </dsp:txBody>
+      <dsp:txXfrm rot="10800000">
+        <a:off x="7771515" y="2375194"/>
+        <a:ext cx="287388" cy="288162"/>
+      </dsp:txXfrm>
+    </dsp:sp>
+    <dsp:sp modelId="{FDB1E18D-52CD-4C20-8184-B7D0B3BE4265}">
+      <dsp:nvSpPr>
+        <dsp:cNvPr id="0" name=""/>
+        <dsp:cNvSpPr/>
+      </dsp:nvSpPr>
+      <dsp:spPr>
+        <a:xfrm>
+          <a:off x="5518115" y="1938302"/>
+          <a:ext cx="1936576" cy="1161945"/>
+        </a:xfrm>
+        <a:prstGeom prst="roundRect">
+          <a:avLst>
+            <a:gd name="adj" fmla="val 10000"/>
+          </a:avLst>
+        </a:prstGeom>
+        <a:gradFill rotWithShape="0">
+          <a:gsLst>
+            <a:gs pos="0">
+              <a:schemeClr val="accent2">
+                <a:hueOff val="-8626573"/>
+                <a:satOff val="38216"/>
+                <a:lumOff val="-14053"/>
+                <a:alphaOff val="0"/>
+                <a:tint val="97000"/>
+                <a:satMod val="100000"/>
+                <a:lumMod val="102000"/>
+              </a:schemeClr>
+            </a:gs>
+            <a:gs pos="50000">
+              <a:schemeClr val="accent2">
+                <a:hueOff val="-8626573"/>
+                <a:satOff val="38216"/>
+                <a:lumOff val="-14053"/>
+                <a:alphaOff val="0"/>
+                <a:shade val="100000"/>
+                <a:satMod val="103000"/>
+                <a:lumMod val="100000"/>
+              </a:schemeClr>
+            </a:gs>
+            <a:gs pos="100000">
+              <a:schemeClr val="accent2">
+                <a:hueOff val="-8626573"/>
+                <a:satOff val="38216"/>
+                <a:lumOff val="-14053"/>
+                <a:alphaOff val="0"/>
+                <a:shade val="93000"/>
+                <a:satMod val="110000"/>
+                <a:lumMod val="99000"/>
+              </a:schemeClr>
+            </a:gs>
+          </a:gsLst>
+          <a:lin ang="5400000" scaled="0"/>
+        </a:gradFill>
+        <a:ln>
+          <a:noFill/>
+        </a:ln>
+        <a:effectLst/>
+      </dsp:spPr>
+      <dsp:style>
+        <a:lnRef idx="0">
+          <a:scrgbClr r="0" g="0" b="0"/>
+        </a:lnRef>
+        <a:fillRef idx="3">
+          <a:scrgbClr r="0" g="0" b="0"/>
+        </a:fillRef>
+        <a:effectRef idx="2">
+          <a:scrgbClr r="0" g="0" b="0"/>
+        </a:effectRef>
+        <a:fontRef idx="minor">
+          <a:schemeClr val="lt1"/>
+        </a:fontRef>
+      </dsp:style>
+      <dsp:txBody>
+        <a:bodyPr spcFirstLastPara="0" vert="horz" wrap="square" lIns="57150" tIns="57150" rIns="57150" bIns="57150" numCol="1" spcCol="1270" anchor="ctr" anchorCtr="0">
+          <a:noAutofit/>
+        </a:bodyPr>
+        <a:lstStyle/>
+        <a:p>
+          <a:pPr marL="0" lvl="0" indent="0" algn="ctr" defTabSz="666750">
+            <a:lnSpc>
+              <a:spcPct val="90000"/>
+            </a:lnSpc>
+            <a:spcBef>
+              <a:spcPct val="0"/>
+            </a:spcBef>
+            <a:spcAft>
+              <a:spcPct val="35000"/>
+            </a:spcAft>
+            <a:buNone/>
+          </a:pPr>
+          <a:r>
+            <a:rPr lang="en-US" sz="1500" kern="1200"/>
+            <a:t>Used matplotlib to create graphs on the questions we wanted to explore further</a:t>
+          </a:r>
+        </a:p>
+      </dsp:txBody>
+      <dsp:txXfrm>
+        <a:off x="5552147" y="1972334"/>
+        <a:ext cx="1868512" cy="1093881"/>
+      </dsp:txXfrm>
+    </dsp:sp>
+    <dsp:sp modelId="{E863AF49-99DC-4710-9B7B-0B356A8B88B1}">
+      <dsp:nvSpPr>
+        <dsp:cNvPr id="0" name=""/>
+        <dsp:cNvSpPr/>
+      </dsp:nvSpPr>
+      <dsp:spPr>
+        <a:xfrm rot="10800000">
+          <a:off x="4937142" y="2279140"/>
+          <a:ext cx="410554" cy="480270"/>
+        </a:xfrm>
+        <a:prstGeom prst="rightArrow">
+          <a:avLst>
+            <a:gd name="adj1" fmla="val 60000"/>
+            <a:gd name="adj2" fmla="val 50000"/>
+          </a:avLst>
+        </a:prstGeom>
+        <a:gradFill rotWithShape="0">
+          <a:gsLst>
+            <a:gs pos="0">
+              <a:schemeClr val="accent2">
+                <a:hueOff val="-10351888"/>
+                <a:satOff val="45859"/>
+                <a:lumOff val="-16864"/>
+                <a:alphaOff val="0"/>
+                <a:tint val="97000"/>
+                <a:satMod val="100000"/>
+                <a:lumMod val="102000"/>
+              </a:schemeClr>
+            </a:gs>
+            <a:gs pos="50000">
+              <a:schemeClr val="accent2">
+                <a:hueOff val="-10351888"/>
+                <a:satOff val="45859"/>
+                <a:lumOff val="-16864"/>
+                <a:alphaOff val="0"/>
+                <a:shade val="100000"/>
+                <a:satMod val="103000"/>
+                <a:lumMod val="100000"/>
+              </a:schemeClr>
+            </a:gs>
+            <a:gs pos="100000">
+              <a:schemeClr val="accent2">
+                <a:hueOff val="-10351888"/>
+                <a:satOff val="45859"/>
+                <a:lumOff val="-16864"/>
+                <a:alphaOff val="0"/>
+                <a:shade val="93000"/>
+                <a:satMod val="110000"/>
+                <a:lumMod val="99000"/>
+              </a:schemeClr>
+            </a:gs>
+          </a:gsLst>
+          <a:lin ang="5400000" scaled="0"/>
+        </a:gradFill>
+        <a:ln>
+          <a:noFill/>
+        </a:ln>
+        <a:effectLst/>
+      </dsp:spPr>
+      <dsp:style>
+        <a:lnRef idx="0">
+          <a:scrgbClr r="0" g="0" b="0"/>
+        </a:lnRef>
+        <a:fillRef idx="3">
+          <a:scrgbClr r="0" g="0" b="0"/>
+        </a:fillRef>
+        <a:effectRef idx="2">
+          <a:scrgbClr r="0" g="0" b="0"/>
+        </a:effectRef>
+        <a:fontRef idx="minor">
+          <a:schemeClr val="lt1"/>
+        </a:fontRef>
+      </dsp:style>
+      <dsp:txBody>
+        <a:bodyPr spcFirstLastPara="0" vert="horz" wrap="square" lIns="0" tIns="0" rIns="0" bIns="0" numCol="1" spcCol="1270" anchor="ctr" anchorCtr="0">
+          <a:noAutofit/>
+        </a:bodyPr>
+        <a:lstStyle/>
+        <a:p>
+          <a:pPr marL="0" lvl="0" indent="0" algn="ctr" defTabSz="533400">
+            <a:lnSpc>
+              <a:spcPct val="90000"/>
+            </a:lnSpc>
+            <a:spcBef>
+              <a:spcPct val="0"/>
+            </a:spcBef>
+            <a:spcAft>
+              <a:spcPct val="35000"/>
+            </a:spcAft>
+            <a:buNone/>
+          </a:pPr>
+          <a:endParaRPr lang="en-US" sz="1200" kern="1200"/>
+        </a:p>
+      </dsp:txBody>
+      <dsp:txXfrm rot="10800000">
+        <a:off x="5060308" y="2375194"/>
+        <a:ext cx="287388" cy="288162"/>
+      </dsp:txXfrm>
+    </dsp:sp>
+    <dsp:sp modelId="{D95951E9-250B-4105-AA7C-E90AA0B28E5D}">
+      <dsp:nvSpPr>
+        <dsp:cNvPr id="0" name=""/>
+        <dsp:cNvSpPr/>
+      </dsp:nvSpPr>
+      <dsp:spPr>
+        <a:xfrm>
+          <a:off x="2806908" y="1938302"/>
+          <a:ext cx="1936576" cy="1161945"/>
+        </a:xfrm>
+        <a:prstGeom prst="roundRect">
+          <a:avLst>
+            <a:gd name="adj" fmla="val 10000"/>
+          </a:avLst>
+        </a:prstGeom>
+        <a:gradFill rotWithShape="0">
+          <a:gsLst>
+            <a:gs pos="0">
+              <a:schemeClr val="accent2">
+                <a:hueOff val="-10351888"/>
+                <a:satOff val="45859"/>
+                <a:lumOff val="-16864"/>
+                <a:alphaOff val="0"/>
+                <a:tint val="97000"/>
+                <a:satMod val="100000"/>
+                <a:lumMod val="102000"/>
+              </a:schemeClr>
+            </a:gs>
+            <a:gs pos="50000">
+              <a:schemeClr val="accent2">
+                <a:hueOff val="-10351888"/>
+                <a:satOff val="45859"/>
+                <a:lumOff val="-16864"/>
+                <a:alphaOff val="0"/>
+                <a:shade val="100000"/>
+                <a:satMod val="103000"/>
+                <a:lumMod val="100000"/>
+              </a:schemeClr>
+            </a:gs>
+            <a:gs pos="100000">
+              <a:schemeClr val="accent2">
+                <a:hueOff val="-10351888"/>
+                <a:satOff val="45859"/>
+                <a:lumOff val="-16864"/>
+                <a:alphaOff val="0"/>
+                <a:shade val="93000"/>
+                <a:satMod val="110000"/>
+                <a:lumMod val="99000"/>
+              </a:schemeClr>
+            </a:gs>
+          </a:gsLst>
+          <a:lin ang="5400000" scaled="0"/>
+        </a:gradFill>
+        <a:ln>
+          <a:noFill/>
+        </a:ln>
+        <a:effectLst/>
+      </dsp:spPr>
+      <dsp:style>
+        <a:lnRef idx="0">
+          <a:scrgbClr r="0" g="0" b="0"/>
+        </a:lnRef>
+        <a:fillRef idx="3">
+          <a:scrgbClr r="0" g="0" b="0"/>
+        </a:fillRef>
+        <a:effectRef idx="2">
+          <a:scrgbClr r="0" g="0" b="0"/>
+        </a:effectRef>
+        <a:fontRef idx="minor">
+          <a:schemeClr val="lt1"/>
+        </a:fontRef>
+      </dsp:style>
+      <dsp:txBody>
+        <a:bodyPr spcFirstLastPara="0" vert="horz" wrap="square" lIns="57150" tIns="57150" rIns="57150" bIns="57150" numCol="1" spcCol="1270" anchor="ctr" anchorCtr="0">
+          <a:noAutofit/>
+        </a:bodyPr>
+        <a:lstStyle/>
+        <a:p>
+          <a:pPr marL="0" lvl="0" indent="0" algn="ctr" defTabSz="666750">
+            <a:lnSpc>
+              <a:spcPct val="90000"/>
+            </a:lnSpc>
+            <a:spcBef>
+              <a:spcPct val="0"/>
+            </a:spcBef>
+            <a:spcAft>
+              <a:spcPct val="35000"/>
+            </a:spcAft>
+            <a:buNone/>
+          </a:pPr>
+          <a:r>
+            <a:rPr lang="en-US" sz="1500" kern="1200"/>
+            <a:t>Re-edited graphs after initial review of graphs for better presentation</a:t>
+          </a:r>
+        </a:p>
+      </dsp:txBody>
+      <dsp:txXfrm>
+        <a:off x="2840940" y="1972334"/>
+        <a:ext cx="1868512" cy="1093881"/>
+      </dsp:txXfrm>
+    </dsp:sp>
+  </dsp:spTree>
+</dsp:drawing>
+</file>
+
+<file path=ppt/diagrams/layout1.xml><?xml version="1.0" encoding="utf-8"?>
+<dgm:layoutDef xmlns:dgm="http://schemas.openxmlformats.org/drawingml/2006/diagram" xmlns:a="http://schemas.openxmlformats.org/drawingml/2006/main" uniqueId="urn:microsoft.com/office/officeart/2005/8/layout/process5">
+  <dgm:title val=""/>
+  <dgm:desc val=""/>
+  <dgm:catLst>
+    <dgm:cat type="process" pri="17000"/>
+  </dgm:catLst>
+  <dgm:sampData>
+    <dgm:dataModel>
+      <dgm:ptLst>
+        <dgm:pt modelId="0" type="doc"/>
+        <dgm:pt modelId="1">
+          <dgm:prSet phldr="1"/>
+        </dgm:pt>
+        <dgm:pt modelId="2">
+          <dgm:prSet phldr="1"/>
+        </dgm:pt>
+        <dgm:pt modelId="3">
+          <dgm:prSet phldr="1"/>
+        </dgm:pt>
+        <dgm:pt modelId="4">
+          <dgm:prSet phldr="1"/>
+        </dgm:pt>
+        <dgm:pt modelId="5">
+          <dgm:prSet phldr="1"/>
+        </dgm:pt>
+      </dgm:ptLst>
+      <dgm:cxnLst>
+        <dgm:cxn modelId="7" srcId="0" destId="1" srcOrd="0" destOrd="0"/>
+        <dgm:cxn modelId="8" srcId="0" destId="2" srcOrd="1" destOrd="0"/>
+        <dgm:cxn modelId="9" srcId="0" destId="3" srcOrd="2" destOrd="0"/>
+        <dgm:cxn modelId="10" srcId="0" destId="4" srcOrd="3" destOrd="0"/>
+        <dgm:cxn modelId="11" srcId="0" destId="5" srcOrd="4" destOrd="0"/>
+      </dgm:cxnLst>
+      <dgm:bg/>
+      <dgm:whole/>
+    </dgm:dataModel>
+  </dgm:sampData>
+  <dgm:styleData>
+    <dgm:dataModel>
+      <dgm:ptLst>
+        <dgm:pt modelId="0" type="doc"/>
+        <dgm:pt modelId="1"/>
+        <dgm:pt modelId="2"/>
+      </dgm:ptLst>
+      <dgm:cxnLst>
+        <dgm:cxn modelId="3" srcId="0" destId="1" srcOrd="0" destOrd="0"/>
+        <dgm:cxn modelId="4" srcId="0" destId="2" srcOrd="1" destOrd="0"/>
+      </dgm:cxnLst>
+      <dgm:bg/>
+      <dgm:whole/>
+    </dgm:dataModel>
+  </dgm:styleData>
+  <dgm:clrData>
+    <dgm:dataModel>
+      <dgm:ptLst>
+        <dgm:pt modelId="0" type="doc"/>
+        <dgm:pt modelId="1"/>
+        <dgm:pt modelId="2"/>
+        <dgm:pt modelId="3"/>
+        <dgm:pt modelId="4"/>
+      </dgm:ptLst>
+      <dgm:cxnLst>
+        <dgm:cxn modelId="5" srcId="0" destId="1" srcOrd="0" destOrd="0"/>
+        <dgm:cxn modelId="6" srcId="0" destId="2" srcOrd="1" destOrd="0"/>
+        <dgm:cxn modelId="7" srcId="0" destId="3" srcOrd="2" destOrd="0"/>
+        <dgm:cxn modelId="8" srcId="0" destId="4" srcOrd="3" destOrd="0"/>
+      </dgm:cxnLst>
+      <dgm:bg/>
+      <dgm:whole/>
+    </dgm:dataModel>
+  </dgm:clrData>
+  <dgm:layoutNode name="diagram">
+    <dgm:varLst>
+      <dgm:dir/>
+      <dgm:resizeHandles val="exact"/>
+    </dgm:varLst>
+    <dgm:choose name="Name0">
+      <dgm:if name="Name1" axis="self" func="var" arg="dir" op="equ" val="norm">
+        <dgm:alg type="snake">
+          <dgm:param type="grDir" val="tL"/>
+          <dgm:param type="flowDir" val="row"/>
+          <dgm:param type="contDir" val="revDir"/>
+          <dgm:param type="bkpt" val="endCnv"/>
+        </dgm:alg>
+      </dgm:if>
+      <dgm:else name="Name2">
+        <dgm:alg type="snake">
+          <dgm:param type="grDir" val="tR"/>
+          <dgm:param type="flowDir" val="row"/>
+          <dgm:param type="contDir" val="revDir"/>
+          <dgm:param type="bkpt" val="endCnv"/>
+        </dgm:alg>
+      </dgm:else>
+    </dgm:choose>
+    <dgm:shape xmlns:r="http://schemas.openxmlformats.org/officeDocument/2006/relationships" r:blip="">
+      <dgm:adjLst/>
+    </dgm:shape>
+    <dgm:presOf/>
+    <dgm:constrLst>
+      <dgm:constr type="w" for="ch" ptType="node" refType="w"/>
+      <dgm:constr type="w" for="ch" forName="sibTrans" refType="w" refFor="ch" refPtType="node" op="equ" fact="0.4"/>
+      <dgm:constr type="sp" refType="w" refFor="ch" refForName="sibTrans" op="equ"/>
+      <dgm:constr type="primFontSz" for="ch" ptType="node" op="equ" val="65"/>
+      <dgm:constr type="primFontSz" for="des" forName="connectorText" op="equ" val="55"/>
+      <dgm:constr type="primFontSz" for="des" forName="connectorText" refType="primFontSz" refFor="ch" refPtType="node" op="lte" fact="0.8"/>
+    </dgm:constrLst>
+    <dgm:ruleLst/>
+    <dgm:forEach name="nodesForEach" axis="ch" ptType="node">
+      <dgm:layoutNode name="node">
+        <dgm:varLst>
+          <dgm:bulletEnabled val="1"/>
+        </dgm:varLst>
+        <dgm:alg type="tx"/>
+        <dgm:shape xmlns:r="http://schemas.openxmlformats.org/officeDocument/2006/relationships" type="roundRect" r:blip="">
+          <dgm:adjLst>
+            <dgm:adj idx="1" val="0.1"/>
+          </dgm:adjLst>
+        </dgm:shape>
+        <dgm:presOf axis="desOrSelf" ptType="node"/>
+        <dgm:constrLst>
+          <dgm:constr type="h" refType="w" fact="0.6"/>
+          <dgm:constr type="tMarg" refType="primFontSz" fact="0.3"/>
+          <dgm:constr type="bMarg" refType="primFontSz" fact="0.3"/>
+          <dgm:constr type="lMarg" refType="primFontSz" fact="0.3"/>
+          <dgm:constr type="rMarg" refType="primFontSz" fact="0.3"/>
+        </dgm:constrLst>
+        <dgm:ruleLst>
+          <dgm:rule type="primFontSz" val="5" fact="NaN" max="NaN"/>
+        </dgm:ruleLst>
+      </dgm:layoutNode>
+      <dgm:forEach name="sibTransForEach" axis="followSib" ptType="sibTrans" cnt="1">
+        <dgm:layoutNode name="sibTrans">
+          <dgm:alg type="conn">
+            <dgm:param type="begPts" val="auto"/>
+            <dgm:param type="endPts" val="auto"/>
+          </dgm:alg>
+          <dgm:shape xmlns:r="http://schemas.openxmlformats.org/officeDocument/2006/relationships" type="conn" r:blip="">
+            <dgm:adjLst/>
+          </dgm:shape>
+          <dgm:presOf axis="self"/>
+          <dgm:constrLst>
+            <dgm:constr type="h" refType="w" fact="0.62"/>
+            <dgm:constr type="connDist"/>
+          </dgm:constrLst>
+          <dgm:ruleLst/>
+          <dgm:layoutNode name="connectorText">
+            <dgm:alg type="tx">
+              <dgm:param type="autoTxRot" val="upr"/>
+            </dgm:alg>
+            <dgm:shape xmlns:r="http://schemas.openxmlformats.org/officeDocument/2006/relationships" type="conn" r:blip="" hideGeom="1">
+              <dgm:adjLst/>
+            </dgm:shape>
+            <dgm:presOf axis="self"/>
+            <dgm:constrLst>
+              <dgm:constr type="lMarg"/>
+              <dgm:constr type="rMarg"/>
+              <dgm:constr type="tMarg"/>
+              <dgm:constr type="bMarg"/>
+            </dgm:constrLst>
+            <dgm:ruleLst>
+              <dgm:rule type="primFontSz" val="5" fact="NaN" max="NaN"/>
+            </dgm:ruleLst>
+          </dgm:layoutNode>
+        </dgm:layoutNode>
+      </dgm:forEach>
+    </dgm:forEach>
+  </dgm:layoutNode>
+</dgm:layoutDef>
+</file>
+
+<file path=ppt/diagrams/quickStyle1.xml><?xml version="1.0" encoding="utf-8"?>
+<dgm:styleDef xmlns:dgm="http://schemas.openxmlformats.org/drawingml/2006/diagram" xmlns:a="http://schemas.openxmlformats.org/drawingml/2006/main" uniqueId="urn:microsoft.com/office/officeart/2005/8/quickstyle/simple4">
+  <dgm:title val=""/>
+  <dgm:desc val=""/>
+  <dgm:catLst>
+    <dgm:cat type="simple" pri="10400"/>
+  </dgm:catLst>
+  <dgm:scene3d>
+    <a:camera prst="orthographicFront"/>
+    <a:lightRig rig="threePt" dir="t"/>
+  </dgm:scene3d>
+  <dgm:styleLbl name="node0">
+    <dgm:scene3d>
+      <a:camera prst="orthographicFront"/>
+      <a:lightRig rig="threePt" dir="t"/>
+    </dgm:scene3d>
+    <dgm:sp3d/>
+    <dgm:txPr/>
+    <dgm:style>
+      <a:lnRef idx="0">
+        <a:scrgbClr r="0" g="0" b="0"/>
+      </a:lnRef>
+      <a:fillRef idx="3">
+        <a:scrgbClr r="0" g="0" b="0"/>
+      </a:fillRef>
+      <a:effectRef idx="2">
+        <a:scrgbClr r="0" g="0" b="0"/>
+      </a:effectRef>
+      <a:fontRef idx="minor">
+        <a:schemeClr val="lt1"/>
+      </a:fontRef>
+    </dgm:style>
+  </dgm:styleLbl>
+  <dgm:styleLbl name="lnNode1">
+    <dgm:scene3d>
+      <a:camera prst="orthographicFront"/>
+      <a:lightRig rig="threePt" dir="t"/>
+    </dgm:scene3d>
+    <dgm:sp3d/>
+    <dgm:txPr/>
+    <dgm:style>
+      <a:lnRef idx="1">
+        <a:scrgbClr r="0" g="0" b="0"/>
+      </a:lnRef>
+      <a:fillRef idx="3">
+        <a:scrgbClr r="0" g="0" b="0"/>
+      </a:fillRef>
+      <a:effectRef idx="2">
+        <a:scrgbClr r="0" g="0" b="0"/>
+      </a:effectRef>
+      <a:fontRef idx="minor">
+        <a:schemeClr val="lt1"/>
+      </a:fontRef>
+    </dgm:style>
+  </dgm:styleLbl>
+  <dgm:styleLbl name="vennNode1">
+    <dgm:scene3d>
+      <a:camera prst="orthographicFront"/>
+      <a:lightRig rig="threePt" dir="t"/>
+    </dgm:scene3d>
+    <dgm:sp3d/>
+    <dgm:txPr/>
+    <dgm:style>
+      <a:lnRef idx="0">
+        <a:scrgbClr r="0" g="0" b="0"/>
+      </a:lnRef>
+      <a:fillRef idx="3">
+        <a:scrgbClr r="0" g="0" b="0"/>
+      </a:fillRef>
+      <a:effectRef idx="0">
+        <a:scrgbClr r="0" g="0" b="0"/>
+      </a:effectRef>
+      <a:fontRef idx="minor">
+        <a:schemeClr val="tx1"/>
+      </a:fontRef>
+    </dgm:style>
+  </dgm:styleLbl>
+  <dgm:styleLbl name="alignNode1">
+    <dgm:scene3d>
+      <a:camera prst="orthographicFront"/>
+      <a:lightRig rig="threePt" dir="t"/>
+    </dgm:scene3d>
+    <dgm:sp3d/>
+    <dgm:txPr/>
+    <dgm:style>
+      <a:lnRef idx="1">
+        <a:scrgbClr r="0" g="0" b="0"/>
+      </a:lnRef>
+      <a:fillRef idx="3">
+        <a:scrgbClr r="0" g="0" b="0"/>
+      </a:fillRef>
+      <a:effectRef idx="2">
+        <a:scrgbClr r="0" g="0" b="0"/>
+      </a:effectRef>
+      <a:fontRef idx="minor">
+        <a:schemeClr val="lt1"/>
+      </a:fontRef>
+    </dgm:style>
+  </dgm:styleLbl>
+  <dgm:styleLbl name="node1">
+    <dgm:scene3d>
+      <a:camera prst="orthographicFront"/>
+      <a:lightRig rig="threePt" dir="t"/>
+    </dgm:scene3d>
+    <dgm:sp3d/>
+    <dgm:txPr/>
+    <dgm:style>
+      <a:lnRef idx="0">
+        <a:scrgbClr r="0" g="0" b="0"/>
+      </a:lnRef>
+      <a:fillRef idx="3">
+        <a:scrgbClr r="0" g="0" b="0"/>
+      </a:fillRef>
+      <a:effectRef idx="2">
+        <a:scrgbClr r="0" g="0" b="0"/>
+      </a:effectRef>
+      <a:fontRef idx="minor">
+        <a:schemeClr val="lt1"/>
+      </a:fontRef>
+    </dgm:style>
+  </dgm:styleLbl>
+  <dgm:styleLbl name="node2">
+    <dgm:scene3d>
+      <a:camera prst="orthographicFront"/>
+      <a:lightRig rig="threePt" dir="t"/>
+    </dgm:scene3d>
+    <dgm:sp3d/>
+    <dgm:txPr/>
+    <dgm:style>
+      <a:lnRef idx="0">
+        <a:scrgbClr r="0" g="0" b="0"/>
+      </a:lnRef>
+      <a:fillRef idx="3">
+        <a:scrgbClr r="0" g="0" b="0"/>
+      </a:fillRef>
+      <a:effectRef idx="2">
+        <a:scrgbClr r="0" g="0" b="0"/>
+      </a:effectRef>
+      <a:fontRef idx="minor">
+        <a:schemeClr val="lt1"/>
+      </a:fontRef>
+    </dgm:style>
+  </dgm:styleLbl>
+  <dgm:styleLbl name="node3">
+    <dgm:scene3d>
+      <a:camera prst="orthographicFront"/>
+      <a:lightRig rig="threePt" dir="t"/>
+    </dgm:scene3d>
+    <dgm:sp3d/>
+    <dgm:txPr/>
+    <dgm:style>
+      <a:lnRef idx="0">
+        <a:scrgbClr r="0" g="0" b="0"/>
+      </a:lnRef>
+      <a:fillRef idx="3">
+        <a:scrgbClr r="0" g="0" b="0"/>
+      </a:fillRef>
+      <a:effectRef idx="2">
+        <a:scrgbClr r="0" g="0" b="0"/>
+      </a:effectRef>
+      <a:fontRef idx="minor">
+        <a:schemeClr val="lt1"/>
+      </a:fontRef>
+    </dgm:style>
+  </dgm:styleLbl>
+  <dgm:styleLbl name="node4">
+    <dgm:scene3d>
+      <a:camera prst="orthographicFront"/>
+      <a:lightRig rig="threePt" dir="t"/>
+    </dgm:scene3d>
+    <dgm:sp3d/>
+    <dgm:txPr/>
+    <dgm:style>
+      <a:lnRef idx="0">
+        <a:scrgbClr r="0" g="0" b="0"/>
+      </a:lnRef>
+      <a:fillRef idx="3">
+        <a:scrgbClr r="0" g="0" b="0"/>
+      </a:fillRef>
+      <a:effectRef idx="2">
+        <a:scrgbClr r="0" g="0" b="0"/>
+      </a:effectRef>
+      <a:fontRef idx="minor">
+        <a:schemeClr val="lt1"/>
+      </a:fontRef>
+    </dgm:style>
+  </dgm:styleLbl>
+  <dgm:styleLbl name="fgImgPlace1">
+    <dgm:scene3d>
+      <a:camera prst="orthographicFront"/>
+      <a:lightRig rig="threePt" dir="t"/>
+    </dgm:scene3d>
+    <dgm:sp3d/>
+    <dgm:txPr/>
+    <dgm:style>
+      <a:lnRef idx="0">
+        <a:scrgbClr r="0" g="0" b="0"/>
+      </a:lnRef>
+      <a:fillRef idx="1">
+        <a:scrgbClr r="0" g="0" b="0"/>
+      </a:fillRef>
+      <a:effectRef idx="2">
+        <a:scrgbClr r="0" g="0" b="0"/>
+      </a:effectRef>
+      <a:fontRef idx="minor"/>
+    </dgm:style>
+  </dgm:styleLbl>
+  <dgm:styleLbl name="alignImgPlace1">
+    <dgm:scene3d>
+      <a:camera prst="orthographicFront"/>
+      <a:lightRig rig="threePt" dir="t"/>
+    </dgm:scene3d>
+    <dgm:sp3d/>
+    <dgm:txPr/>
+    <dgm:style>
+      <a:lnRef idx="0">
+        <a:scrgbClr r="0" g="0" b="0"/>
+      </a:lnRef>
+      <a:fillRef idx="1">
+        <a:scrgbClr r="0" g="0" b="0"/>
+      </a:fillRef>
+      <a:effectRef idx="2">
+        <a:scrgbClr r="0" g="0" b="0"/>
+      </a:effectRef>
+      <a:fontRef idx="minor"/>
+    </dgm:style>
+  </dgm:styleLbl>
+  <dgm:styleLbl name="bgImgPlace1">
+    <dgm:scene3d>
+      <a:camera prst="orthographicFront"/>
+      <a:lightRig rig="threePt" dir="t"/>
+    </dgm:scene3d>
+    <dgm:sp3d/>
+    <dgm:txPr/>
+    <dgm:style>
+      <a:lnRef idx="0">
+        <a:scrgbClr r="0" g="0" b="0"/>
+      </a:lnRef>
+      <a:fillRef idx="1">
+        <a:scrgbClr r="0" g="0" b="0"/>
+      </a:fillRef>
+      <a:effectRef idx="2">
+        <a:scrgbClr r="0" g="0" b="0"/>
+      </a:effectRef>
+      <a:fontRef idx="minor"/>
+    </dgm:style>
+  </dgm:styleLbl>
+  <dgm:styleLbl name="sibTrans2D1">
+    <dgm:scene3d>
+      <a:camera prst="orthographicFront"/>
+      <a:lightRig rig="threePt" dir="t"/>
+    </dgm:scene3d>
+    <dgm:sp3d/>
+    <dgm:txPr/>
+    <dgm:style>
+      <a:lnRef idx="0">
+        <a:scrgbClr r="0" g="0" b="0"/>
+      </a:lnRef>
+      <a:fillRef idx="3">
+        <a:scrgbClr r="0" g="0" b="0"/>
+      </a:fillRef>
+      <a:effectRef idx="2">
+        <a:scrgbClr r="0" g="0" b="0"/>
+      </a:effectRef>
+      <a:fontRef idx="minor">
+        <a:schemeClr val="lt1"/>
+      </a:fontRef>
+    </dgm:style>
+  </dgm:styleLbl>
+  <dgm:styleLbl name="fgSibTrans2D1">
+    <dgm:scene3d>
+      <a:camera prst="orthographicFront"/>
+      <a:lightRig rig="threePt" dir="t"/>
+    </dgm:scene3d>
+    <dgm:sp3d/>
+    <dgm:txPr/>
+    <dgm:style>
+      <a:lnRef idx="0">
+        <a:scrgbClr r="0" g="0" b="0"/>
+      </a:lnRef>
+      <a:fillRef idx="3">
+        <a:scrgbClr r="0" g="0" b="0"/>
+      </a:fillRef>
+      <a:effectRef idx="2">
+        <a:scrgbClr r="0" g="0" b="0"/>
+      </a:effectRef>
+      <a:fontRef idx="minor">
+        <a:schemeClr val="lt1"/>
+      </a:fontRef>
+    </dgm:style>
+  </dgm:styleLbl>
+  <dgm:styleLbl name="bgSibTrans2D1">
+    <dgm:scene3d>
+      <a:camera prst="orthographicFront"/>
+      <a:lightRig rig="threePt" dir="t"/>
+    </dgm:scene3d>
+    <dgm:sp3d/>
+    <dgm:txPr/>
+    <dgm:style>
+      <a:lnRef idx="0">
+        <a:scrgbClr r="0" g="0" b="0"/>
+      </a:lnRef>
+      <a:fillRef idx="3">
+        <a:scrgbClr r="0" g="0" b="0"/>
+      </a:fillRef>
+      <a:effectRef idx="2">
+        <a:scrgbClr r="0" g="0" b="0"/>
+      </a:effectRef>
+      <a:fontRef idx="minor">
+        <a:schemeClr val="lt1"/>
+      </a:fontRef>
+    </dgm:style>
+  </dgm:styleLbl>
+  <dgm:styleLbl name="sibTrans1D1">
+    <dgm:scene3d>
+      <a:camera prst="orthographicFront"/>
+      <a:lightRig rig="threePt" dir="t"/>
+    </dgm:scene3d>
+    <dgm:sp3d/>
+    <dgm:txPr/>
+    <dgm:style>
+      <a:lnRef idx="1">
+        <a:scrgbClr r="0" g="0" b="0"/>
+      </a:lnRef>
+      <a:fillRef idx="0">
+        <a:scrgbClr r="0" g="0" b="0"/>
+      </a:fillRef>
+      <a:effectRef idx="0">
+        <a:scrgbClr r="0" g="0" b="0"/>
+      </a:effectRef>
+      <a:fontRef idx="minor"/>
+    </dgm:style>
+  </dgm:styleLbl>
+  <dgm:styleLbl name="callout">
+    <dgm:scene3d>
+      <a:camera prst="orthographicFront"/>
+      <a:lightRig rig="threePt" dir="t"/>
+    </dgm:scene3d>
+    <dgm:sp3d/>
+    <dgm:txPr/>
+    <dgm:style>
+      <a:lnRef idx="2">
+        <a:scrgbClr r="0" g="0" b="0"/>
+      </a:lnRef>
+      <a:fillRef idx="1">
+        <a:scrgbClr r="0" g="0" b="0"/>
+      </a:fillRef>
+      <a:effectRef idx="1">
+        <a:scrgbClr r="0" g="0" b="0"/>
+      </a:effectRef>
+      <a:fontRef idx="minor"/>
+    </dgm:style>
+  </dgm:styleLbl>
+  <dgm:styleLbl name="asst0">
+    <dgm:scene3d>
+      <a:camera prst="orthographicFront"/>
+      <a:lightRig rig="threePt" dir="t"/>
+    </dgm:scene3d>
+    <dgm:sp3d/>
+    <dgm:txPr/>
+    <dgm:style>
+      <a:lnRef idx="0">
+        <a:scrgbClr r="0" g="0" b="0"/>
+      </a:lnRef>
+      <a:fillRef idx="3">
+        <a:scrgbClr r="0" g="0" b="0"/>
+      </a:fillRef>
+      <a:effectRef idx="2">
+        <a:scrgbClr r="0" g="0" b="0"/>
+      </a:effectRef>
+      <a:fontRef idx="minor">
+        <a:schemeClr val="lt1"/>
+      </a:fontRef>
+    </dgm:style>
+  </dgm:styleLbl>
+  <dgm:styleLbl name="asst1">
+    <dgm:scene3d>
+      <a:camera prst="orthographicFront"/>
+      <a:lightRig rig="threePt" dir="t"/>
+    </dgm:scene3d>
+    <dgm:sp3d/>
+    <dgm:txPr/>
+    <dgm:style>
+      <a:lnRef idx="0">
+        <a:scrgbClr r="0" g="0" b="0"/>
+      </a:lnRef>
+      <a:fillRef idx="3">
+        <a:scrgbClr r="0" g="0" b="0"/>
+      </a:fillRef>
+      <a:effectRef idx="2">
+        <a:scrgbClr r="0" g="0" b="0"/>
+      </a:effectRef>
+      <a:fontRef idx="minor">
+        <a:schemeClr val="lt1"/>
+      </a:fontRef>
+    </dgm:style>
+  </dgm:styleLbl>
+  <dgm:styleLbl name="asst2">
+    <dgm:scene3d>
+      <a:camera prst="orthographicFront"/>
+      <a:lightRig rig="threePt" dir="t"/>
+    </dgm:scene3d>
+    <dgm:sp3d/>
+    <dgm:txPr/>
+    <dgm:style>
+      <a:lnRef idx="0">
+        <a:scrgbClr r="0" g="0" b="0"/>
+      </a:lnRef>
+      <a:fillRef idx="3">
+        <a:scrgbClr r="0" g="0" b="0"/>
+      </a:fillRef>
+      <a:effectRef idx="2">
+        <a:scrgbClr r="0" g="0" b="0"/>
+      </a:effectRef>
+      <a:fontRef idx="minor">
+        <a:schemeClr val="lt1"/>
+      </a:fontRef>
+    </dgm:style>
+  </dgm:styleLbl>
+  <dgm:styleLbl name="asst3">
+    <dgm:scene3d>
+      <a:camera prst="orthographicFront"/>
+      <a:lightRig rig="threePt" dir="t"/>
+    </dgm:scene3d>
+    <dgm:sp3d/>
+    <dgm:txPr/>
+    <dgm:style>
+      <a:lnRef idx="0">
+        <a:scrgbClr r="0" g="0" b="0"/>
+      </a:lnRef>
+      <a:fillRef idx="3">
+        <a:scrgbClr r="0" g="0" b="0"/>
+      </a:fillRef>
+      <a:effectRef idx="2">
+        <a:scrgbClr r="0" g="0" b="0"/>
+      </a:effectRef>
+      <a:fontRef idx="minor">
+        <a:schemeClr val="lt1"/>
+      </a:fontRef>
+    </dgm:style>
+  </dgm:styleLbl>
+  <dgm:styleLbl name="asst4">
+    <dgm:scene3d>
+      <a:camera prst="orthographicFront"/>
+      <a:lightRig rig="threePt" dir="t"/>
+    </dgm:scene3d>
+    <dgm:sp3d/>
+    <dgm:txPr/>
+    <dgm:style>
+      <a:lnRef idx="0">
+        <a:scrgbClr r="0" g="0" b="0"/>
+      </a:lnRef>
+      <a:fillRef idx="3">
+        <a:scrgbClr r="0" g="0" b="0"/>
+      </a:fillRef>
+      <a:effectRef idx="2">
+        <a:scrgbClr r="0" g="0" b="0"/>
+      </a:effectRef>
+      <a:fontRef idx="minor">
+        <a:schemeClr val="lt1"/>
+      </a:fontRef>
+    </dgm:style>
+  </dgm:styleLbl>
+  <dgm:styleLbl name="parChTrans2D1">
+    <dgm:scene3d>
+      <a:camera prst="orthographicFront"/>
+      <a:lightRig rig="threePt" dir="t"/>
+    </dgm:scene3d>
+    <dgm:sp3d/>
+    <dgm:txPr/>
+    <dgm:style>
+      <a:lnRef idx="0">
+        <a:scrgbClr r="0" g="0" b="0"/>
+      </a:lnRef>
+      <a:fillRef idx="3">
+        <a:scrgbClr r="0" g="0" b="0"/>
+      </a:fillRef>
+      <a:effectRef idx="2">
+        <a:scrgbClr r="0" g="0" b="0"/>
+      </a:effectRef>
+      <a:fontRef idx="minor">
+        <a:schemeClr val="lt1"/>
+      </a:fontRef>
+    </dgm:style>
+  </dgm:styleLbl>
+  <dgm:styleLbl name="parChTrans2D2">
+    <dgm:scene3d>
+      <a:camera prst="orthographicFront"/>
+      <a:lightRig rig="threePt" dir="t"/>
+    </dgm:scene3d>
+    <dgm:sp3d/>
+    <dgm:txPr/>
+    <dgm:style>
+      <a:lnRef idx="0">
+        <a:scrgbClr r="0" g="0" b="0"/>
+      </a:lnRef>
+      <a:fillRef idx="3">
+        <a:scrgbClr r="0" g="0" b="0"/>
+      </a:fillRef>
+      <a:effectRef idx="2">
+        <a:scrgbClr r="0" g="0" b="0"/>
+      </a:effectRef>
+      <a:fontRef idx="minor">
+        <a:schemeClr val="lt1"/>
+      </a:fontRef>
+    </dgm:style>
+  </dgm:styleLbl>
+  <dgm:styleLbl name="parChTrans2D3">
+    <dgm:scene3d>
+      <a:camera prst="orthographicFront"/>
+      <a:lightRig rig="threePt" dir="t"/>
+    </dgm:scene3d>
+    <dgm:sp3d/>
+    <dgm:txPr/>
+    <dgm:style>
+      <a:lnRef idx="1">
+        <a:scrgbClr r="0" g="0" b="0"/>
+      </a:lnRef>
+      <a:fillRef idx="3">
+        <a:scrgbClr r="0" g="0" b="0"/>
+      </a:fillRef>
+      <a:effectRef idx="2">
+        <a:scrgbClr r="0" g="0" b="0"/>
+      </a:effectRef>
+      <a:fontRef idx="minor">
+        <a:schemeClr val="lt1"/>
+      </a:fontRef>
+    </dgm:style>
+  </dgm:styleLbl>
+  <dgm:styleLbl name="parChTrans2D4">
+    <dgm:scene3d>
+      <a:camera prst="orthographicFront"/>
+      <a:lightRig rig="threePt" dir="t"/>
+    </dgm:scene3d>
+    <dgm:sp3d/>
+    <dgm:txPr/>
+    <dgm:style>
+      <a:lnRef idx="1">
+        <a:scrgbClr r="0" g="0" b="0"/>
+      </a:lnRef>
+      <a:fillRef idx="3">
+        <a:scrgbClr r="0" g="0" b="0"/>
+      </a:fillRef>
+      <a:effectRef idx="2">
+        <a:scrgbClr r="0" g="0" b="0"/>
+      </a:effectRef>
+      <a:fontRef idx="minor">
+        <a:schemeClr val="lt1"/>
+      </a:fontRef>
+    </dgm:style>
+  </dgm:styleLbl>
+  <dgm:styleLbl name="parChTrans1D1">
+    <dgm:scene3d>
+      <a:camera prst="orthographicFront"/>
+      <a:lightRig rig="threePt" dir="t"/>
+    </dgm:scene3d>
+    <dgm:sp3d/>
+    <dgm:txPr/>
+    <dgm:style>
+      <a:lnRef idx="1">
+        <a:scrgbClr r="0" g="0" b="0"/>
+      </a:lnRef>
+      <a:fillRef idx="0">
+        <a:scrgbClr r="0" g="0" b="0"/>
+      </a:fillRef>
+      <a:effectRef idx="0">
+        <a:scrgbClr r="0" g="0" b="0"/>
+      </a:effectRef>
+      <a:fontRef idx="minor"/>
+    </dgm:style>
+  </dgm:styleLbl>
+  <dgm:styleLbl name="parChTrans1D2">
+    <dgm:scene3d>
+      <a:camera prst="orthographicFront"/>
+      <a:lightRig rig="threePt" dir="t"/>
+    </dgm:scene3d>
+    <dgm:sp3d/>
+    <dgm:txPr/>
+    <dgm:style>
+      <a:lnRef idx="1">
+        <a:scrgbClr r="0" g="0" b="0"/>
+      </a:lnRef>
+      <a:fillRef idx="0">
+        <a:scrgbClr r="0" g="0" b="0"/>
+      </a:fillRef>
+      <a:effectRef idx="0">
+        <a:scrgbClr r="0" g="0" b="0"/>
+      </a:effectRef>
+      <a:fontRef idx="minor"/>
+    </dgm:style>
+  </dgm:styleLbl>
+  <dgm:styleLbl name="parChTrans1D3">
+    <dgm:scene3d>
+      <a:camera prst="orthographicFront"/>
+      <a:lightRig rig="threePt" dir="t"/>
+    </dgm:scene3d>
+    <dgm:sp3d/>
+    <dgm:txPr/>
+    <dgm:style>
+      <a:lnRef idx="1">
+        <a:scrgbClr r="0" g="0" b="0"/>
+      </a:lnRef>
+      <a:fillRef idx="0">
+        <a:scrgbClr r="0" g="0" b="0"/>
+      </a:fillRef>
+      <a:effectRef idx="0">
+        <a:scrgbClr r="0" g="0" b="0"/>
+      </a:effectRef>
+      <a:fontRef idx="minor"/>
+    </dgm:style>
+  </dgm:styleLbl>
+  <dgm:styleLbl name="parChTrans1D4">
+    <dgm:scene3d>
+      <a:camera prst="orthographicFront"/>
+      <a:lightRig rig="threePt" dir="t"/>
+    </dgm:scene3d>
+    <dgm:sp3d/>
+    <dgm:txPr/>
+    <dgm:style>
+      <a:lnRef idx="1">
+        <a:scrgbClr r="0" g="0" b="0"/>
+      </a:lnRef>
+      <a:fillRef idx="0">
+        <a:scrgbClr r="0" g="0" b="0"/>
+      </a:fillRef>
+      <a:effectRef idx="0">
+        <a:scrgbClr r="0" g="0" b="0"/>
+      </a:effectRef>
+      <a:fontRef idx="minor"/>
+    </dgm:style>
+  </dgm:styleLbl>
+  <dgm:styleLbl name="fgAcc1">
+    <dgm:scene3d>
+      <a:camera prst="orthographicFront"/>
+      <a:lightRig rig="threePt" dir="t"/>
+    </dgm:scene3d>
+    <dgm:sp3d/>
+    <dgm:txPr/>
+    <dgm:style>
+      <a:lnRef idx="1">
+        <a:scrgbClr r="0" g="0" b="0"/>
+      </a:lnRef>
+      <a:fillRef idx="1">
+        <a:scrgbClr r="0" g="0" b="0"/>
+      </a:fillRef>
+      <a:effectRef idx="0">
+        <a:scrgbClr r="0" g="0" b="0"/>
+      </a:effectRef>
+      <a:fontRef idx="minor"/>
+    </dgm:style>
+  </dgm:styleLbl>
+  <dgm:styleLbl name="conFgAcc1">
+    <dgm:scene3d>
+      <a:camera prst="orthographicFront"/>
+      <a:lightRig rig="threePt" dir="t"/>
+    </dgm:scene3d>
+    <dgm:sp3d/>
+    <dgm:txPr/>
+    <dgm:style>
+      <a:lnRef idx="1">
+        <a:scrgbClr r="0" g="0" b="0"/>
+      </a:lnRef>
+      <a:fillRef idx="1">
+        <a:scrgbClr r="0" g="0" b="0"/>
+      </a:fillRef>
+      <a:effectRef idx="0">
+        <a:scrgbClr r="0" g="0" b="0"/>
+      </a:effectRef>
+      <a:fontRef idx="minor"/>
+    </dgm:style>
+  </dgm:styleLbl>
+  <dgm:styleLbl name="alignAcc1">
+    <dgm:scene3d>
+      <a:camera prst="orthographicFront"/>
+      <a:lightRig rig="threePt" dir="t"/>
+    </dgm:scene3d>
+    <dgm:sp3d/>
+    <dgm:txPr/>
+    <dgm:style>
+      <a:lnRef idx="1">
+        <a:scrgbClr r="0" g="0" b="0"/>
+      </a:lnRef>
+      <a:fillRef idx="1">
+        <a:scrgbClr r="0" g="0" b="0"/>
+      </a:fillRef>
+      <a:effectRef idx="0">
+        <a:scrgbClr r="0" g="0" b="0"/>
+      </a:effectRef>
+      <a:fontRef idx="minor"/>
+    </dgm:style>
+  </dgm:styleLbl>
+  <dgm:styleLbl name="trAlignAcc1">
+    <dgm:scene3d>
+      <a:camera prst="orthographicFront"/>
+      <a:lightRig rig="threePt" dir="t"/>
+    </dgm:scene3d>
+    <dgm:sp3d/>
+    <dgm:txPr/>
+    <dgm:style>
+      <a:lnRef idx="1">
+        <a:scrgbClr r="0" g="0" b="0"/>
+      </a:lnRef>
+      <a:fillRef idx="1">
+        <a:scrgbClr r="0" g="0" b="0"/>
+      </a:fillRef>
+      <a:effectRef idx="0">
+        <a:scrgbClr r="0" g="0" b="0"/>
+      </a:effectRef>
+      <a:fontRef idx="minor"/>
+    </dgm:style>
+  </dgm:styleLbl>
+  <dgm:styleLbl name="bgAcc1">
+    <dgm:scene3d>
+      <a:camera prst="orthographicFront"/>
+      <a:lightRig rig="threePt" dir="t"/>
+    </dgm:scene3d>
+    <dgm:sp3d/>
+    <dgm:txPr/>
+    <dgm:style>
+      <a:lnRef idx="1">
+        <a:scrgbClr r="0" g="0" b="0"/>
+      </a:lnRef>
+      <a:fillRef idx="1">
+        <a:scrgbClr r="0" g="0" b="0"/>
+      </a:fillRef>
+      <a:effectRef idx="0">
+        <a:scrgbClr r="0" g="0" b="0"/>
+      </a:effectRef>
+      <a:fontRef idx="minor"/>
+    </dgm:style>
+  </dgm:styleLbl>
+  <dgm:styleLbl name="solidFgAcc1">
+    <dgm:scene3d>
+      <a:camera prst="orthographicFront"/>
+      <a:lightRig rig="threePt" dir="t"/>
+    </dgm:scene3d>
+    <dgm:sp3d/>
+    <dgm:txPr/>
+    <dgm:style>
+      <a:lnRef idx="1">
+        <a:scrgbClr r="0" g="0" b="0"/>
+      </a:lnRef>
+      <a:fillRef idx="1">
+        <a:scrgbClr r="0" g="0" b="0"/>
+      </a:fillRef>
+      <a:effectRef idx="0">
+        <a:scrgbClr r="0" g="0" b="0"/>
+      </a:effectRef>
+      <a:fontRef idx="minor"/>
+    </dgm:style>
+  </dgm:styleLbl>
+  <dgm:styleLbl name="solidAlignAcc1">
+    <dgm:scene3d>
+      <a:camera prst="orthographicFront"/>
+      <a:lightRig rig="threePt" dir="t"/>
+    </dgm:scene3d>
+    <dgm:sp3d/>
+    <dgm:txPr/>
+    <dgm:style>
+      <a:lnRef idx="1">
+        <a:scrgbClr r="0" g="0" b="0"/>
+      </a:lnRef>
+      <a:fillRef idx="1">
+        <a:scrgbClr r="0" g="0" b="0"/>
+      </a:fillRef>
+      <a:effectRef idx="0">
+        <a:scrgbClr r="0" g="0" b="0"/>
+      </a:effectRef>
+      <a:fontRef idx="minor"/>
+    </dgm:style>
+  </dgm:styleLbl>
+  <dgm:styleLbl name="solidBgAcc1">
+    <dgm:scene3d>
+      <a:camera prst="orthographicFront"/>
+      <a:lightRig rig="threePt" dir="t"/>
+    </dgm:scene3d>
+    <dgm:sp3d/>
+    <dgm:txPr/>
+    <dgm:style>
+      <a:lnRef idx="1">
+        <a:scrgbClr r="0" g="0" b="0"/>
+      </a:lnRef>
+      <a:fillRef idx="1">
+        <a:scrgbClr r="0" g="0" b="0"/>
+      </a:fillRef>
+      <a:effectRef idx="0">
+        <a:scrgbClr r="0" g="0" b="0"/>
+      </a:effectRef>
+      <a:fontRef idx="minor"/>
+    </dgm:style>
+  </dgm:styleLbl>
+  <dgm:styleLbl name="fgAccFollowNode1">
+    <dgm:scene3d>
+      <a:camera prst="orthographicFront"/>
+      <a:lightRig rig="threePt" dir="t"/>
+    </dgm:scene3d>
+    <dgm:sp3d/>
+    <dgm:txPr/>
+    <dgm:style>
+      <a:lnRef idx="1">
+        <a:scrgbClr r="0" g="0" b="0"/>
+      </a:lnRef>
+      <a:fillRef idx="1">
+        <a:scrgbClr r="0" g="0" b="0"/>
+      </a:fillRef>
+      <a:effectRef idx="0">
+        <a:scrgbClr r="0" g="0" b="0"/>
+      </a:effectRef>
+      <a:fontRef idx="minor"/>
+    </dgm:style>
+  </dgm:styleLbl>
+  <dgm:styleLbl name="alignAccFollowNode1">
+    <dgm:scene3d>
+      <a:camera prst="orthographicFront"/>
+      <a:lightRig rig="threePt" dir="t"/>
+    </dgm:scene3d>
+    <dgm:sp3d/>
+    <dgm:txPr/>
+    <dgm:style>
+      <a:lnRef idx="1">
+        <a:scrgbClr r="0" g="0" b="0"/>
+      </a:lnRef>
+      <a:fillRef idx="1">
+        <a:scrgbClr r="0" g="0" b="0"/>
+      </a:fillRef>
+      <a:effectRef idx="0">
+        <a:scrgbClr r="0" g="0" b="0"/>
+      </a:effectRef>
+      <a:fontRef idx="minor"/>
+    </dgm:style>
+  </dgm:styleLbl>
+  <dgm:styleLbl name="bgAccFollowNode1">
+    <dgm:scene3d>
+      <a:camera prst="orthographicFront"/>
+      <a:lightRig rig="threePt" dir="t"/>
+    </dgm:scene3d>
+    <dgm:sp3d/>
+    <dgm:txPr/>
+    <dgm:style>
+      <a:lnRef idx="1">
+        <a:scrgbClr r="0" g="0" b="0"/>
+      </a:lnRef>
+      <a:fillRef idx="1">
+        <a:scrgbClr r="0" g="0" b="0"/>
+      </a:fillRef>
+      <a:effectRef idx="0">
+        <a:scrgbClr r="0" g="0" b="0"/>
+      </a:effectRef>
+      <a:fontRef idx="minor"/>
+    </dgm:style>
+  </dgm:styleLbl>
+  <dgm:styleLbl name="fgAcc0">
+    <dgm:scene3d>
+      <a:camera prst="orthographicFront"/>
+      <a:lightRig rig="threePt" dir="t"/>
+    </dgm:scene3d>
+    <dgm:sp3d/>
+    <dgm:txPr/>
+    <dgm:style>
+      <a:lnRef idx="1">
+        <a:scrgbClr r="0" g="0" b="0"/>
+      </a:lnRef>
+      <a:fillRef idx="1">
+        <a:scrgbClr r="0" g="0" b="0"/>
+      </a:fillRef>
+      <a:effectRef idx="0">
+        <a:scrgbClr r="0" g="0" b="0"/>
+      </a:effectRef>
+      <a:fontRef idx="minor"/>
+    </dgm:style>
+  </dgm:styleLbl>
+  <dgm:styleLbl name="fgAcc2">
+    <dgm:scene3d>
+      <a:camera prst="orthographicFront"/>
+      <a:lightRig rig="threePt" dir="t"/>
+    </dgm:scene3d>
+    <dgm:sp3d/>
+    <dgm:txPr/>
+    <dgm:style>
+      <a:lnRef idx="1">
+        <a:scrgbClr r="0" g="0" b="0"/>
+      </a:lnRef>
+      <a:fillRef idx="1">
+        <a:scrgbClr r="0" g="0" b="0"/>
+      </a:fillRef>
+      <a:effectRef idx="0">
+        <a:scrgbClr r="0" g="0" b="0"/>
+      </a:effectRef>
+      <a:fontRef idx="minor"/>
+    </dgm:style>
+  </dgm:styleLbl>
+  <dgm:styleLbl name="fgAcc3">
+    <dgm:scene3d>
+      <a:camera prst="orthographicFront"/>
+      <a:lightRig rig="threePt" dir="t"/>
+    </dgm:scene3d>
+    <dgm:sp3d/>
+    <dgm:txPr/>
+    <dgm:style>
+      <a:lnRef idx="1">
+        <a:scrgbClr r="0" g="0" b="0"/>
+      </a:lnRef>
+      <a:fillRef idx="1">
+        <a:scrgbClr r="0" g="0" b="0"/>
+      </a:fillRef>
+      <a:effectRef idx="0">
+        <a:scrgbClr r="0" g="0" b="0"/>
+      </a:effectRef>
+      <a:fontRef idx="minor"/>
+    </dgm:style>
+  </dgm:styleLbl>
+  <dgm:styleLbl name="fgAcc4">
+    <dgm:scene3d>
+      <a:camera prst="orthographicFront"/>
+      <a:lightRig rig="threePt" dir="t"/>
+    </dgm:scene3d>
+    <dgm:sp3d/>
+    <dgm:txPr/>
+    <dgm:style>
+      <a:lnRef idx="1">
+        <a:scrgbClr r="0" g="0" b="0"/>
+      </a:lnRef>
+      <a:fillRef idx="1">
+        <a:scrgbClr r="0" g="0" b="0"/>
+      </a:fillRef>
+      <a:effectRef idx="0">
+        <a:scrgbClr r="0" g="0" b="0"/>
+      </a:effectRef>
+      <a:fontRef idx="minor"/>
+    </dgm:style>
+  </dgm:styleLbl>
+  <dgm:styleLbl name="bgShp">
+    <dgm:scene3d>
+      <a:camera prst="orthographicFront"/>
+      <a:lightRig rig="threePt" dir="t"/>
+    </dgm:scene3d>
+    <dgm:sp3d/>
+    <dgm:txPr/>
+    <dgm:style>
+      <a:lnRef idx="0">
+        <a:scrgbClr r="0" g="0" b="0"/>
+      </a:lnRef>
+      <a:fillRef idx="1">
+        <a:scrgbClr r="0" g="0" b="0"/>
+      </a:fillRef>
+      <a:effectRef idx="2">
+        <a:scrgbClr r="0" g="0" b="0"/>
+      </a:effectRef>
+      <a:fontRef idx="minor"/>
+    </dgm:style>
+  </dgm:styleLbl>
+  <dgm:styleLbl name="dkBgShp">
+    <dgm:scene3d>
+      <a:camera prst="orthographicFront"/>
+      <a:lightRig rig="threePt" dir="t"/>
+    </dgm:scene3d>
+    <dgm:sp3d/>
+    <dgm:txPr/>
+    <dgm:style>
+      <a:lnRef idx="0">
+        <a:scrgbClr r="0" g="0" b="0"/>
+      </a:lnRef>
+      <a:fillRef idx="1">
+        <a:scrgbClr r="0" g="0" b="0"/>
+      </a:fillRef>
+      <a:effectRef idx="2">
+        <a:scrgbClr r="0" g="0" b="0"/>
+      </a:effectRef>
+      <a:fontRef idx="minor"/>
+    </dgm:style>
+  </dgm:styleLbl>
+  <dgm:styleLbl name="trBgShp">
+    <dgm:scene3d>
+      <a:camera prst="orthographicFront"/>
+      <a:lightRig rig="threePt" dir="t"/>
+    </dgm:scene3d>
+    <dgm:sp3d/>
+    <dgm:txPr/>
+    <dgm:style>
+      <a:lnRef idx="0">
+        <a:scrgbClr r="0" g="0" b="0"/>
+      </a:lnRef>
+      <a:fillRef idx="1">
+        <a:scrgbClr r="0" g="0" b="0"/>
+      </a:fillRef>
+      <a:effectRef idx="0">
+        <a:scrgbClr r="0" g="0" b="0"/>
+      </a:effectRef>
+      <a:fontRef idx="minor"/>
+    </dgm:style>
+  </dgm:styleLbl>
+  <dgm:styleLbl name="fgShp">
+    <dgm:scene3d>
+      <a:camera prst="orthographicFront"/>
+      <a:lightRig rig="threePt" dir="t"/>
+    </dgm:scene3d>
+    <dgm:sp3d/>
+    <dgm:txPr/>
+    <dgm:style>
+      <a:lnRef idx="0">
+        <a:scrgbClr r="0" g="0" b="0"/>
+      </a:lnRef>
+      <a:fillRef idx="3">
+        <a:scrgbClr r="0" g="0" b="0"/>
+      </a:fillRef>
+      <a:effectRef idx="2">
+        <a:scrgbClr r="0" g="0" b="0"/>
+      </a:effectRef>
+      <a:fontRef idx="minor"/>
+    </dgm:style>
+  </dgm:styleLbl>
+  <dgm:styleLbl name="revTx">
+    <dgm:scene3d>
+      <a:camera prst="orthographicFront"/>
+      <a:lightRig rig="threePt" dir="t"/>
+    </dgm:scene3d>
+    <dgm:sp3d/>
+    <dgm:txPr/>
+    <dgm:style>
+      <a:lnRef idx="0">
+        <a:scrgbClr r="0" g="0" b="0"/>
+      </a:lnRef>
+      <a:fillRef idx="0">
+        <a:scrgbClr r="0" g="0" b="0"/>
+      </a:fillRef>
+      <a:effectRef idx="0">
+        <a:scrgbClr r="0" g="0" b="0"/>
+      </a:effectRef>
+      <a:fontRef idx="minor"/>
+    </dgm:style>
+  </dgm:styleLbl>
+</dgm:styleDef>
+</file>
+
+<file path=ppt/notesMasters/notesMaster1.xml><?xml version="1.0" encoding="utf-8"?>
+<p:notesMaster xmlns:a="http://schemas.openxmlformats.org/drawingml/2006/main" xmlns:r="http://schemas.openxmlformats.org/officeDocument/2006/relationships" xmlns:p="http://schemas.openxmlformats.org/presentationml/2006/main">
+  <p:cSld>
+    <p:bg>
+      <p:bgRef idx="1001">
+        <a:schemeClr val="bg1"/>
+      </p:bgRef>
+    </p:bg>
+    <p:spTree>
+      <p:nvGrpSpPr>
+        <p:cNvPr id="1" name=""/>
+        <p:cNvGrpSpPr/>
+        <p:nvPr/>
+      </p:nvGrpSpPr>
+      <p:grpSpPr>
+        <a:xfrm>
+          <a:off x="0" y="0"/>
+          <a:ext cx="0" cy="0"/>
+          <a:chOff x="0" y="0"/>
+          <a:chExt cx="0" cy="0"/>
+        </a:xfrm>
+      </p:grpSpPr>
+      <p:sp>
+        <p:nvSpPr>
+          <p:cNvPr id="2" name="Header Placeholder 1"/>
+          <p:cNvSpPr>
+            <a:spLocks noGrp="1"/>
+          </p:cNvSpPr>
+          <p:nvPr>
+            <p:ph type="hdr" sz="quarter"/>
+          </p:nvPr>
+        </p:nvSpPr>
+        <p:spPr>
+          <a:xfrm>
+            <a:off x="0" y="0"/>
+            <a:ext cx="2971800" cy="458788"/>
+          </a:xfrm>
+          <a:prstGeom prst="rect">
+            <a:avLst/>
+          </a:prstGeom>
+        </p:spPr>
+        <p:txBody>
+          <a:bodyPr vert="horz" lIns="91440" tIns="45720" rIns="91440" bIns="45720" rtlCol="0"/>
+          <a:lstStyle>
+            <a:lvl1pPr algn="l">
+              <a:defRPr sz="1200"/>
+            </a:lvl1pPr>
+          </a:lstStyle>
+          <a:p>
+            <a:endParaRPr lang="en-US"/>
+          </a:p>
+        </p:txBody>
+      </p:sp>
+      <p:sp>
+        <p:nvSpPr>
+          <p:cNvPr id="3" name="Date Placeholder 2"/>
+          <p:cNvSpPr>
+            <a:spLocks noGrp="1"/>
+          </p:cNvSpPr>
+          <p:nvPr>
+            <p:ph type="dt" idx="1"/>
+          </p:nvPr>
+        </p:nvSpPr>
+        <p:spPr>
+          <a:xfrm>
+            <a:off x="3884613" y="0"/>
+            <a:ext cx="2971800" cy="458788"/>
+          </a:xfrm>
+          <a:prstGeom prst="rect">
+            <a:avLst/>
+          </a:prstGeom>
+        </p:spPr>
+        <p:txBody>
+          <a:bodyPr vert="horz" lIns="91440" tIns="45720" rIns="91440" bIns="45720" rtlCol="0"/>
+          <a:lstStyle>
+            <a:lvl1pPr algn="r">
+              <a:defRPr sz="1200"/>
+            </a:lvl1pPr>
+          </a:lstStyle>
+          <a:p>
+            <a:fld id="{A1D7BB58-86F2-4541-B237-303B8492A544}" type="datetimeFigureOut">
+              <a:rPr lang="en-US" smtClean="0"/>
+              <a:t>7/18/2018</a:t>
+            </a:fld>
+            <a:endParaRPr lang="en-US"/>
+          </a:p>
+        </p:txBody>
+      </p:sp>
+      <p:sp>
+        <p:nvSpPr>
+          <p:cNvPr id="4" name="Slide Image Placeholder 3"/>
+          <p:cNvSpPr>
+            <a:spLocks noGrp="1" noRot="1" noChangeAspect="1"/>
+          </p:cNvSpPr>
+          <p:nvPr>
+            <p:ph type="sldImg" idx="2"/>
+          </p:nvPr>
+        </p:nvSpPr>
+        <p:spPr>
+          <a:xfrm>
+            <a:off x="685800" y="1143000"/>
+            <a:ext cx="5486400" cy="3086100"/>
+          </a:xfrm>
+          <a:prstGeom prst="rect">
+            <a:avLst/>
+          </a:prstGeom>
+          <a:noFill/>
+          <a:ln w="12700">
+            <a:solidFill>
+              <a:prstClr val="black"/>
+            </a:solidFill>
+          </a:ln>
+        </p:spPr>
+        <p:txBody>
+          <a:bodyPr vert="horz" lIns="91440" tIns="45720" rIns="91440" bIns="45720" rtlCol="0" anchor="ctr"/>
+          <a:lstStyle/>
+          <a:p>
+            <a:endParaRPr lang="en-US"/>
+          </a:p>
+        </p:txBody>
+      </p:sp>
+      <p:sp>
+        <p:nvSpPr>
+          <p:cNvPr id="5" name="Notes Placeholder 4"/>
+          <p:cNvSpPr>
+            <a:spLocks noGrp="1"/>
+          </p:cNvSpPr>
+          <p:nvPr>
+            <p:ph type="body" sz="quarter" idx="3"/>
+          </p:nvPr>
+        </p:nvSpPr>
+        <p:spPr>
+          <a:xfrm>
+            <a:off x="685800" y="4400550"/>
+            <a:ext cx="5486400" cy="3600450"/>
+          </a:xfrm>
+          <a:prstGeom prst="rect">
+            <a:avLst/>
+          </a:prstGeom>
+        </p:spPr>
+        <p:txBody>
+          <a:bodyPr vert="horz" lIns="91440" tIns="45720" rIns="91440" bIns="45720" rtlCol="0"/>
+          <a:lstStyle/>
+          <a:p>
+            <a:pPr lvl="0"/>
+            <a:r>
+              <a:rPr lang="en-US"/>
+              <a:t>Edit Master text styles</a:t>
+            </a:r>
+          </a:p>
+          <a:p>
+            <a:pPr lvl="1"/>
+            <a:r>
+              <a:rPr lang="en-US"/>
+              <a:t>Second level</a:t>
+            </a:r>
+          </a:p>
+          <a:p>
+            <a:pPr lvl="2"/>
+            <a:r>
+              <a:rPr lang="en-US"/>
+              <a:t>Third level</a:t>
+            </a:r>
+          </a:p>
+          <a:p>
+            <a:pPr lvl="3"/>
+            <a:r>
+              <a:rPr lang="en-US"/>
+              <a:t>Fourth level</a:t>
+            </a:r>
+          </a:p>
+          <a:p>
+            <a:pPr lvl="4"/>
+            <a:r>
+              <a:rPr lang="en-US"/>
+              <a:t>Fifth level</a:t>
+            </a:r>
+          </a:p>
+        </p:txBody>
+      </p:sp>
+      <p:sp>
+        <p:nvSpPr>
+          <p:cNvPr id="6" name="Footer Placeholder 5"/>
+          <p:cNvSpPr>
+            <a:spLocks noGrp="1"/>
+          </p:cNvSpPr>
+          <p:nvPr>
+            <p:ph type="ftr" sz="quarter" idx="4"/>
+          </p:nvPr>
+        </p:nvSpPr>
+        <p:spPr>
+          <a:xfrm>
+            <a:off x="0" y="8685213"/>
+            <a:ext cx="2971800" cy="458787"/>
+          </a:xfrm>
+          <a:prstGeom prst="rect">
+            <a:avLst/>
+          </a:prstGeom>
+        </p:spPr>
+        <p:txBody>
+          <a:bodyPr vert="horz" lIns="91440" tIns="45720" rIns="91440" bIns="45720" rtlCol="0" anchor="b"/>
+          <a:lstStyle>
+            <a:lvl1pPr algn="l">
+              <a:defRPr sz="1200"/>
+            </a:lvl1pPr>
+          </a:lstStyle>
+          <a:p>
+            <a:endParaRPr lang="en-US"/>
+          </a:p>
+        </p:txBody>
+      </p:sp>
+      <p:sp>
+        <p:nvSpPr>
+          <p:cNvPr id="7" name="Slide Number Placeholder 6"/>
+          <p:cNvSpPr>
+            <a:spLocks noGrp="1"/>
+          </p:cNvSpPr>
+          <p:nvPr>
+            <p:ph type="sldNum" sz="quarter" idx="5"/>
+          </p:nvPr>
+        </p:nvSpPr>
+        <p:spPr>
+          <a:xfrm>
+            <a:off x="3884613" y="8685213"/>
+            <a:ext cx="2971800" cy="458787"/>
+          </a:xfrm>
+          <a:prstGeom prst="rect">
+            <a:avLst/>
+          </a:prstGeom>
+        </p:spPr>
+        <p:txBody>
+          <a:bodyPr vert="horz" lIns="91440" tIns="45720" rIns="91440" bIns="45720" rtlCol="0" anchor="b"/>
+          <a:lstStyle>
+            <a:lvl1pPr algn="r">
+              <a:defRPr sz="1200"/>
+            </a:lvl1pPr>
+          </a:lstStyle>
+          <a:p>
+            <a:fld id="{F475C203-9D0E-455B-864B-F57809F85DFF}" type="slidenum">
+              <a:rPr lang="en-US" smtClean="0"/>
+              <a:t>‹#›</a:t>
+            </a:fld>
+            <a:endParaRPr lang="en-US"/>
+          </a:p>
+        </p:txBody>
+      </p:sp>
+    </p:spTree>
+    <p:extLst>
+      <p:ext uri="{BB962C8B-B14F-4D97-AF65-F5344CB8AC3E}">
+        <p14:creationId xmlns:p14="http://schemas.microsoft.com/office/powerpoint/2010/main" val="4216244454"/>
+      </p:ext>
+    </p:extLst>
+  </p:cSld>
+  <p:clrMap bg1="lt1" tx1="dk1" bg2="lt2" tx2="dk2" accent1="accent1" accent2="accent2" accent3="accent3" accent4="accent4" accent5="accent5" accent6="accent6" hlink="hlink" folHlink="folHlink"/>
+  <p:notesStyle>
+    <a:lvl1pPr marL="0" algn="l" defTabSz="914400" rtl="0" eaLnBrk="1" latinLnBrk="0" hangingPunct="1">
+      <a:defRPr sz="1200" kern="1200">
+        <a:solidFill>
+          <a:schemeClr val="tx1"/>
+        </a:solidFill>
+        <a:latin typeface="+mn-lt"/>
+        <a:ea typeface="+mn-ea"/>
+        <a:cs typeface="+mn-cs"/>
+      </a:defRPr>
+    </a:lvl1pPr>
+    <a:lvl2pPr marL="457200" algn="l" defTabSz="914400" rtl="0" eaLnBrk="1" latinLnBrk="0" hangingPunct="1">
+      <a:defRPr sz="1200" kern="1200">
+        <a:solidFill>
+          <a:schemeClr val="tx1"/>
+        </a:solidFill>
+        <a:latin typeface="+mn-lt"/>
+        <a:ea typeface="+mn-ea"/>
+        <a:cs typeface="+mn-cs"/>
+      </a:defRPr>
+    </a:lvl2pPr>
+    <a:lvl3pPr marL="914400" algn="l" defTabSz="914400" rtl="0" eaLnBrk="1" latinLnBrk="0" hangingPunct="1">
+      <a:defRPr sz="1200" kern="1200">
+        <a:solidFill>
+          <a:schemeClr val="tx1"/>
+        </a:solidFill>
+        <a:latin typeface="+mn-lt"/>
+        <a:ea typeface="+mn-ea"/>
+        <a:cs typeface="+mn-cs"/>
+      </a:defRPr>
+    </a:lvl3pPr>
+    <a:lvl4pPr marL="1371600" algn="l" defTabSz="914400" rtl="0" eaLnBrk="1" latinLnBrk="0" hangingPunct="1">
+      <a:defRPr sz="1200" kern="1200">
+        <a:solidFill>
+          <a:schemeClr val="tx1"/>
+        </a:solidFill>
+        <a:latin typeface="+mn-lt"/>
+        <a:ea typeface="+mn-ea"/>
+        <a:cs typeface="+mn-cs"/>
+      </a:defRPr>
+    </a:lvl4pPr>
+    <a:lvl5pPr marL="1828800" algn="l" defTabSz="914400" rtl="0" eaLnBrk="1" latinLnBrk="0" hangingPunct="1">
+      <a:defRPr sz="1200" kern="1200">
+        <a:solidFill>
+          <a:schemeClr val="tx1"/>
+        </a:solidFill>
+        <a:latin typeface="+mn-lt"/>
+        <a:ea typeface="+mn-ea"/>
+        <a:cs typeface="+mn-cs"/>
+      </a:defRPr>
+    </a:lvl5pPr>
+    <a:lvl6pPr marL="2286000" algn="l" defTabSz="914400" rtl="0" eaLnBrk="1" latinLnBrk="0" hangingPunct="1">
+      <a:defRPr sz="1200" kern="1200">
+        <a:solidFill>
+          <a:schemeClr val="tx1"/>
+        </a:solidFill>
+        <a:latin typeface="+mn-lt"/>
+        <a:ea typeface="+mn-ea"/>
+        <a:cs typeface="+mn-cs"/>
+      </a:defRPr>
+    </a:lvl6pPr>
+    <a:lvl7pPr marL="2743200" algn="l" defTabSz="914400" rtl="0" eaLnBrk="1" latinLnBrk="0" hangingPunct="1">
+      <a:defRPr sz="1200" kern="1200">
+        <a:solidFill>
+          <a:schemeClr val="tx1"/>
+        </a:solidFill>
+        <a:latin typeface="+mn-lt"/>
+        <a:ea typeface="+mn-ea"/>
+        <a:cs typeface="+mn-cs"/>
+      </a:defRPr>
+    </a:lvl7pPr>
+    <a:lvl8pPr marL="3200400" algn="l" defTabSz="914400" rtl="0" eaLnBrk="1" latinLnBrk="0" hangingPunct="1">
+      <a:defRPr sz="1200" kern="1200">
+        <a:solidFill>
+          <a:schemeClr val="tx1"/>
+        </a:solidFill>
+        <a:latin typeface="+mn-lt"/>
+        <a:ea typeface="+mn-ea"/>
+        <a:cs typeface="+mn-cs"/>
+      </a:defRPr>
+    </a:lvl8pPr>
+    <a:lvl9pPr marL="3657600" algn="l" defTabSz="914400" rtl="0" eaLnBrk="1" latinLnBrk="0" hangingPunct="1">
+      <a:defRPr sz="1200" kern="1200">
+        <a:solidFill>
+          <a:schemeClr val="tx1"/>
+        </a:solidFill>
+        <a:latin typeface="+mn-lt"/>
+        <a:ea typeface="+mn-ea"/>
+        <a:cs typeface="+mn-cs"/>
+      </a:defRPr>
+    </a:lvl9pPr>
+  </p:notesStyle>
+</p:notesMaster>
+</file>
+
+<file path=ppt/notesSlides/notesSlide1.xml><?xml version="1.0" encoding="utf-8"?>
+<p:notes xmlns:a="http://schemas.openxmlformats.org/drawingml/2006/main" xmlns:r="http://schemas.openxmlformats.org/officeDocument/2006/relationships" xmlns:p="http://schemas.openxmlformats.org/presentationml/2006/main">
+  <p:cSld>
+    <p:spTree>
+      <p:nvGrpSpPr>
+        <p:cNvPr id="1" name=""/>
+        <p:cNvGrpSpPr/>
+        <p:nvPr/>
+      </p:nvGrpSpPr>
+      <p:grpSpPr>
+        <a:xfrm>
+          <a:off x="0" y="0"/>
+          <a:ext cx="0" cy="0"/>
+          <a:chOff x="0" y="0"/>
+          <a:chExt cx="0" cy="0"/>
+        </a:xfrm>
+      </p:grpSpPr>
+      <p:sp>
+        <p:nvSpPr>
+          <p:cNvPr id="2" name="Slide Image Placeholder 1"/>
+          <p:cNvSpPr>
+            <a:spLocks noGrp="1" noRot="1" noChangeAspect="1"/>
+          </p:cNvSpPr>
+          <p:nvPr>
+            <p:ph type="sldImg"/>
+          </p:nvPr>
+        </p:nvSpPr>
+        <p:spPr/>
+      </p:sp>
+      <p:sp>
+        <p:nvSpPr>
+          <p:cNvPr id="3" name="Notes Placeholder 2"/>
+          <p:cNvSpPr>
+            <a:spLocks noGrp="1"/>
+          </p:cNvSpPr>
+          <p:nvPr>
+            <p:ph type="body" idx="1"/>
+          </p:nvPr>
+        </p:nvSpPr>
+        <p:spPr/>
+        <p:txBody>
+          <a:bodyPr/>
+          <a:lstStyle/>
+          <a:p>
+            <a:endParaRPr lang="en-US" dirty="0"/>
+          </a:p>
+        </p:txBody>
+      </p:sp>
+      <p:sp>
+        <p:nvSpPr>
+          <p:cNvPr id="4" name="Slide Number Placeholder 3"/>
+          <p:cNvSpPr>
+            <a:spLocks noGrp="1"/>
+          </p:cNvSpPr>
+          <p:nvPr>
+            <p:ph type="sldNum" sz="quarter" idx="10"/>
+          </p:nvPr>
+        </p:nvSpPr>
+        <p:spPr/>
+        <p:txBody>
+          <a:bodyPr/>
+          <a:lstStyle/>
+          <a:p>
+            <a:fld id="{F475C203-9D0E-455B-864B-F57809F85DFF}" type="slidenum">
+              <a:rPr lang="en-US" smtClean="0"/>
+              <a:t>1</a:t>
+            </a:fld>
+            <a:endParaRPr lang="en-US"/>
+          </a:p>
+        </p:txBody>
+      </p:sp>
+    </p:spTree>
+    <p:extLst>
+      <p:ext uri="{BB962C8B-B14F-4D97-AF65-F5344CB8AC3E}">
+        <p14:creationId xmlns:p14="http://schemas.microsoft.com/office/powerpoint/2010/main" val="3797221328"/>
+      </p:ext>
+    </p:extLst>
+  </p:cSld>
+  <p:clrMapOvr>
+    <a:masterClrMapping/>
+  </p:clrMapOvr>
+</p:notes>
+</file>
+
+<file path=ppt/notesSlides/notesSlide2.xml><?xml version="1.0" encoding="utf-8"?>
+<p:notes xmlns:a="http://schemas.openxmlformats.org/drawingml/2006/main" xmlns:r="http://schemas.openxmlformats.org/officeDocument/2006/relationships" xmlns:p="http://schemas.openxmlformats.org/presentationml/2006/main">
+  <p:cSld>
+    <p:spTree>
+      <p:nvGrpSpPr>
+        <p:cNvPr id="1" name=""/>
+        <p:cNvGrpSpPr/>
+        <p:nvPr/>
+      </p:nvGrpSpPr>
+      <p:grpSpPr>
+        <a:xfrm>
+          <a:off x="0" y="0"/>
+          <a:ext cx="0" cy="0"/>
+          <a:chOff x="0" y="0"/>
+          <a:chExt cx="0" cy="0"/>
+        </a:xfrm>
+      </p:grpSpPr>
+      <p:sp>
+        <p:nvSpPr>
+          <p:cNvPr id="2" name="Slide Image Placeholder 1"/>
+          <p:cNvSpPr>
+            <a:spLocks noGrp="1" noRot="1" noChangeAspect="1"/>
+          </p:cNvSpPr>
+          <p:nvPr>
+            <p:ph type="sldImg"/>
+          </p:nvPr>
+        </p:nvSpPr>
+        <p:spPr/>
+      </p:sp>
+      <p:sp>
+        <p:nvSpPr>
+          <p:cNvPr id="3" name="Notes Placeholder 2"/>
+          <p:cNvSpPr>
+            <a:spLocks noGrp="1"/>
+          </p:cNvSpPr>
+          <p:nvPr>
+            <p:ph type="body" idx="1"/>
+          </p:nvPr>
+        </p:nvSpPr>
+        <p:spPr/>
+        <p:txBody>
+          <a:bodyPr/>
+          <a:lstStyle/>
+          <a:p>
+            <a:r>
+              <a:rPr lang="en-US" dirty="0"/>
+              <a:t>Motivation &amp; Summary Slide</a:t>
+            </a:r>
+          </a:p>
+          <a:p>
+            <a:r>
+              <a:rPr lang="en-US" dirty="0"/>
+              <a:t>Define the core message or hypothesis of your project.</a:t>
+            </a:r>
+          </a:p>
+          <a:p>
+            <a:r>
+              <a:rPr lang="en-US" dirty="0"/>
+              <a:t>Describe the questions you asked, and why you asked them</a:t>
+            </a:r>
+          </a:p>
+          <a:p>
+            <a:r>
+              <a:rPr lang="en-US" dirty="0"/>
+              <a:t>Describe whether you were able to answer these questions to your satisfaction, and briefly summarize your findings</a:t>
+            </a:r>
+          </a:p>
+        </p:txBody>
+      </p:sp>
+      <p:sp>
+        <p:nvSpPr>
+          <p:cNvPr id="4" name="Slide Number Placeholder 3"/>
+          <p:cNvSpPr>
+            <a:spLocks noGrp="1"/>
+          </p:cNvSpPr>
+          <p:nvPr>
+            <p:ph type="sldNum" sz="quarter" idx="10"/>
+          </p:nvPr>
+        </p:nvSpPr>
+        <p:spPr/>
+        <p:txBody>
+          <a:bodyPr/>
+          <a:lstStyle/>
+          <a:p>
+            <a:fld id="{F475C203-9D0E-455B-864B-F57809F85DFF}" type="slidenum">
+              <a:rPr lang="en-US" smtClean="0"/>
+              <a:t>2</a:t>
+            </a:fld>
+            <a:endParaRPr lang="en-US"/>
+          </a:p>
+        </p:txBody>
+      </p:sp>
+    </p:spTree>
+    <p:extLst>
+      <p:ext uri="{BB962C8B-B14F-4D97-AF65-F5344CB8AC3E}">
+        <p14:creationId xmlns:p14="http://schemas.microsoft.com/office/powerpoint/2010/main" val="2219309290"/>
+      </p:ext>
+    </p:extLst>
+  </p:cSld>
+  <p:clrMapOvr>
+    <a:masterClrMapping/>
+  </p:clrMapOvr>
+</p:notes>
+</file>
+
+<file path=ppt/notesSlides/notesSlide3.xml><?xml version="1.0" encoding="utf-8"?>
+<p:notes xmlns:a="http://schemas.openxmlformats.org/drawingml/2006/main" xmlns:r="http://schemas.openxmlformats.org/officeDocument/2006/relationships" xmlns:p="http://schemas.openxmlformats.org/presentationml/2006/main">
+  <p:cSld>
+    <p:spTree>
+      <p:nvGrpSpPr>
+        <p:cNvPr id="1" name=""/>
+        <p:cNvGrpSpPr/>
+        <p:nvPr/>
+      </p:nvGrpSpPr>
+      <p:grpSpPr>
+        <a:xfrm>
+          <a:off x="0" y="0"/>
+          <a:ext cx="0" cy="0"/>
+          <a:chOff x="0" y="0"/>
+          <a:chExt cx="0" cy="0"/>
+        </a:xfrm>
+      </p:grpSpPr>
+      <p:sp>
+        <p:nvSpPr>
+          <p:cNvPr id="2" name="Slide Image Placeholder 1"/>
+          <p:cNvSpPr>
+            <a:spLocks noGrp="1" noRot="1" noChangeAspect="1"/>
+          </p:cNvSpPr>
+          <p:nvPr>
+            <p:ph type="sldImg"/>
+          </p:nvPr>
+        </p:nvSpPr>
+        <p:spPr/>
+      </p:sp>
+      <p:sp>
+        <p:nvSpPr>
+          <p:cNvPr id="3" name="Notes Placeholder 2"/>
+          <p:cNvSpPr>
+            <a:spLocks noGrp="1"/>
+          </p:cNvSpPr>
+          <p:nvPr>
+            <p:ph type="body" idx="1"/>
+          </p:nvPr>
+        </p:nvSpPr>
+        <p:spPr/>
+        <p:txBody>
+          <a:bodyPr/>
+          <a:lstStyle/>
+          <a:p>
+            <a:r>
+              <a:rPr lang="en-US" dirty="0"/>
+              <a:t>Elaborate on the questions you asked, describing what kinds of data you needed to answer them, and where you found it</a:t>
+            </a:r>
+          </a:p>
+        </p:txBody>
+      </p:sp>
+      <p:sp>
+        <p:nvSpPr>
+          <p:cNvPr id="4" name="Slide Number Placeholder 3"/>
+          <p:cNvSpPr>
+            <a:spLocks noGrp="1"/>
+          </p:cNvSpPr>
+          <p:nvPr>
+            <p:ph type="sldNum" sz="quarter" idx="10"/>
+          </p:nvPr>
+        </p:nvSpPr>
+        <p:spPr/>
+        <p:txBody>
+          <a:bodyPr/>
+          <a:lstStyle/>
+          <a:p>
+            <a:fld id="{F475C203-9D0E-455B-864B-F57809F85DFF}" type="slidenum">
+              <a:rPr lang="en-US" smtClean="0"/>
+              <a:t>3</a:t>
+            </a:fld>
+            <a:endParaRPr lang="en-US"/>
+          </a:p>
+        </p:txBody>
+      </p:sp>
+    </p:spTree>
+    <p:extLst>
+      <p:ext uri="{BB962C8B-B14F-4D97-AF65-F5344CB8AC3E}">
+        <p14:creationId xmlns:p14="http://schemas.microsoft.com/office/powerpoint/2010/main" val="2825785822"/>
+      </p:ext>
+    </p:extLst>
+  </p:cSld>
+  <p:clrMapOvr>
+    <a:masterClrMapping/>
+  </p:clrMapOvr>
+</p:notes>
+</file>
+
+<file path=ppt/notesSlides/notesSlide4.xml><?xml version="1.0" encoding="utf-8"?>
+<p:notes xmlns:a="http://schemas.openxmlformats.org/drawingml/2006/main" xmlns:r="http://schemas.openxmlformats.org/officeDocument/2006/relationships" xmlns:p="http://schemas.openxmlformats.org/presentationml/2006/main">
+  <p:cSld>
+    <p:spTree>
+      <p:nvGrpSpPr>
+        <p:cNvPr id="1" name=""/>
+        <p:cNvGrpSpPr/>
+        <p:nvPr/>
+      </p:nvGrpSpPr>
+      <p:grpSpPr>
+        <a:xfrm>
+          <a:off x="0" y="0"/>
+          <a:ext cx="0" cy="0"/>
+          <a:chOff x="0" y="0"/>
+          <a:chExt cx="0" cy="0"/>
+        </a:xfrm>
+      </p:grpSpPr>
+      <p:sp>
+        <p:nvSpPr>
+          <p:cNvPr id="2" name="Slide Image Placeholder 1"/>
+          <p:cNvSpPr>
+            <a:spLocks noGrp="1" noRot="1" noChangeAspect="1"/>
+          </p:cNvSpPr>
+          <p:nvPr>
+            <p:ph type="sldImg"/>
+          </p:nvPr>
+        </p:nvSpPr>
+        <p:spPr/>
+      </p:sp>
+      <p:sp>
+        <p:nvSpPr>
+          <p:cNvPr id="3" name="Notes Placeholder 2"/>
+          <p:cNvSpPr>
+            <a:spLocks noGrp="1"/>
+          </p:cNvSpPr>
+          <p:nvPr>
+            <p:ph type="body" idx="1"/>
+          </p:nvPr>
+        </p:nvSpPr>
+        <p:spPr/>
+        <p:txBody>
+          <a:bodyPr/>
+          <a:lstStyle/>
+          <a:p>
+            <a:endParaRPr lang="en-US" dirty="0"/>
+          </a:p>
+        </p:txBody>
+      </p:sp>
+      <p:sp>
+        <p:nvSpPr>
+          <p:cNvPr id="4" name="Slide Number Placeholder 3"/>
+          <p:cNvSpPr>
+            <a:spLocks noGrp="1"/>
+          </p:cNvSpPr>
+          <p:nvPr>
+            <p:ph type="sldNum" sz="quarter" idx="10"/>
+          </p:nvPr>
+        </p:nvSpPr>
+        <p:spPr/>
+        <p:txBody>
+          <a:bodyPr/>
+          <a:lstStyle/>
+          <a:p>
+            <a:fld id="{F475C203-9D0E-455B-864B-F57809F85DFF}" type="slidenum">
+              <a:rPr lang="en-US" smtClean="0"/>
+              <a:t>5</a:t>
+            </a:fld>
+            <a:endParaRPr lang="en-US"/>
+          </a:p>
+        </p:txBody>
+      </p:sp>
+    </p:spTree>
+    <p:extLst>
+      <p:ext uri="{BB962C8B-B14F-4D97-AF65-F5344CB8AC3E}">
+        <p14:creationId xmlns:p14="http://schemas.microsoft.com/office/powerpoint/2010/main" val="4010857059"/>
+      </p:ext>
+    </p:extLst>
+  </p:cSld>
+  <p:clrMapOvr>
+    <a:masterClrMapping/>
+  </p:clrMapOvr>
+</p:notes>
+</file>
+
+<file path=ppt/notesSlides/notesSlide5.xml><?xml version="1.0" encoding="utf-8"?>
+<p:notes xmlns:a="http://schemas.openxmlformats.org/drawingml/2006/main" xmlns:r="http://schemas.openxmlformats.org/officeDocument/2006/relationships" xmlns:p="http://schemas.openxmlformats.org/presentationml/2006/main">
+  <p:cSld>
+    <p:spTree>
+      <p:nvGrpSpPr>
+        <p:cNvPr id="1" name=""/>
+        <p:cNvGrpSpPr/>
+        <p:nvPr/>
+      </p:nvGrpSpPr>
+      <p:grpSpPr>
+        <a:xfrm>
+          <a:off x="0" y="0"/>
+          <a:ext cx="0" cy="0"/>
+          <a:chOff x="0" y="0"/>
+          <a:chExt cx="0" cy="0"/>
+        </a:xfrm>
+      </p:grpSpPr>
+      <p:sp>
+        <p:nvSpPr>
+          <p:cNvPr id="2" name="Slide Image Placeholder 1"/>
+          <p:cNvSpPr>
+            <a:spLocks noGrp="1" noRot="1" noChangeAspect="1"/>
+          </p:cNvSpPr>
+          <p:nvPr>
+            <p:ph type="sldImg"/>
+          </p:nvPr>
+        </p:nvSpPr>
+        <p:spPr/>
+      </p:sp>
+      <p:sp>
+        <p:nvSpPr>
+          <p:cNvPr id="3" name="Notes Placeholder 2"/>
+          <p:cNvSpPr>
+            <a:spLocks noGrp="1"/>
+          </p:cNvSpPr>
+          <p:nvPr>
+            <p:ph type="body" idx="1"/>
+          </p:nvPr>
+        </p:nvSpPr>
+        <p:spPr/>
+        <p:txBody>
+          <a:bodyPr/>
+          <a:lstStyle/>
+          <a:p>
+            <a:endParaRPr lang="en-US" dirty="0"/>
+          </a:p>
+        </p:txBody>
+      </p:sp>
+      <p:sp>
+        <p:nvSpPr>
+          <p:cNvPr id="4" name="Slide Number Placeholder 3"/>
+          <p:cNvSpPr>
+            <a:spLocks noGrp="1"/>
+          </p:cNvSpPr>
+          <p:nvPr>
+            <p:ph type="sldNum" sz="quarter" idx="10"/>
+          </p:nvPr>
+        </p:nvSpPr>
+        <p:spPr/>
+        <p:txBody>
+          <a:bodyPr/>
+          <a:lstStyle/>
+          <a:p>
+            <a:fld id="{F475C203-9D0E-455B-864B-F57809F85DFF}" type="slidenum">
+              <a:rPr lang="en-US" smtClean="0"/>
+              <a:t>7</a:t>
+            </a:fld>
+            <a:endParaRPr lang="en-US"/>
+          </a:p>
+        </p:txBody>
+      </p:sp>
+    </p:spTree>
+    <p:extLst>
+      <p:ext uri="{BB962C8B-B14F-4D97-AF65-F5344CB8AC3E}">
+        <p14:creationId xmlns:p14="http://schemas.microsoft.com/office/powerpoint/2010/main" val="572218653"/>
+      </p:ext>
+    </p:extLst>
+  </p:cSld>
+  <p:clrMapOvr>
+    <a:masterClrMapping/>
+  </p:clrMapOvr>
+</p:notes>
+</file>
+
+<file path=ppt/notesSlides/notesSlide6.xml><?xml version="1.0" encoding="utf-8"?>
+<p:notes xmlns:a="http://schemas.openxmlformats.org/drawingml/2006/main" xmlns:r="http://schemas.openxmlformats.org/officeDocument/2006/relationships" xmlns:p="http://schemas.openxmlformats.org/presentationml/2006/main">
+  <p:cSld>
+    <p:spTree>
+      <p:nvGrpSpPr>
+        <p:cNvPr id="1" name=""/>
+        <p:cNvGrpSpPr/>
+        <p:nvPr/>
+      </p:nvGrpSpPr>
+      <p:grpSpPr>
+        <a:xfrm>
+          <a:off x="0" y="0"/>
+          <a:ext cx="0" cy="0"/>
+          <a:chOff x="0" y="0"/>
+          <a:chExt cx="0" cy="0"/>
+        </a:xfrm>
+      </p:grpSpPr>
+      <p:sp>
+        <p:nvSpPr>
+          <p:cNvPr id="2" name="Slide Image Placeholder 1"/>
+          <p:cNvSpPr>
+            <a:spLocks noGrp="1" noRot="1" noChangeAspect="1"/>
+          </p:cNvSpPr>
+          <p:nvPr>
+            <p:ph type="sldImg"/>
+          </p:nvPr>
+        </p:nvSpPr>
+        <p:spPr/>
+      </p:sp>
+      <p:sp>
+        <p:nvSpPr>
+          <p:cNvPr id="3" name="Notes Placeholder 2"/>
+          <p:cNvSpPr>
+            <a:spLocks noGrp="1"/>
+          </p:cNvSpPr>
+          <p:nvPr>
+            <p:ph type="body" idx="1"/>
+          </p:nvPr>
+        </p:nvSpPr>
+        <p:spPr/>
+        <p:txBody>
+          <a:bodyPr/>
+          <a:lstStyle/>
+          <a:p>
+            <a:endParaRPr lang="en-US" dirty="0"/>
+          </a:p>
+        </p:txBody>
+      </p:sp>
+      <p:sp>
+        <p:nvSpPr>
+          <p:cNvPr id="4" name="Slide Number Placeholder 3"/>
+          <p:cNvSpPr>
+            <a:spLocks noGrp="1"/>
+          </p:cNvSpPr>
+          <p:nvPr>
+            <p:ph type="sldNum" sz="quarter" idx="10"/>
+          </p:nvPr>
+        </p:nvSpPr>
+        <p:spPr/>
+        <p:txBody>
+          <a:bodyPr/>
+          <a:lstStyle/>
+          <a:p>
+            <a:fld id="{F475C203-9D0E-455B-864B-F57809F85DFF}" type="slidenum">
+              <a:rPr lang="en-US" smtClean="0"/>
+              <a:t>9</a:t>
+            </a:fld>
+            <a:endParaRPr lang="en-US"/>
+          </a:p>
+        </p:txBody>
+      </p:sp>
+    </p:spTree>
+    <p:extLst>
+      <p:ext uri="{BB962C8B-B14F-4D97-AF65-F5344CB8AC3E}">
+        <p14:creationId xmlns:p14="http://schemas.microsoft.com/office/powerpoint/2010/main" val="3750635514"/>
+      </p:ext>
+    </p:extLst>
+  </p:cSld>
+  <p:clrMapOvr>
+    <a:masterClrMapping/>
+  </p:clrMapOvr>
+</p:notes>
+</file>
+
+<file path=ppt/notesSlides/notesSlide7.xml><?xml version="1.0" encoding="utf-8"?>
+<p:notes xmlns:a="http://schemas.openxmlformats.org/drawingml/2006/main" xmlns:r="http://schemas.openxmlformats.org/officeDocument/2006/relationships" xmlns:p="http://schemas.openxmlformats.org/presentationml/2006/main">
+  <p:cSld>
+    <p:spTree>
+      <p:nvGrpSpPr>
+        <p:cNvPr id="1" name=""/>
+        <p:cNvGrpSpPr/>
+        <p:nvPr/>
+      </p:nvGrpSpPr>
+      <p:grpSpPr>
+        <a:xfrm>
+          <a:off x="0" y="0"/>
+          <a:ext cx="0" cy="0"/>
+          <a:chOff x="0" y="0"/>
+          <a:chExt cx="0" cy="0"/>
+        </a:xfrm>
+      </p:grpSpPr>
+      <p:sp>
+        <p:nvSpPr>
+          <p:cNvPr id="2" name="Slide Image Placeholder 1"/>
+          <p:cNvSpPr>
+            <a:spLocks noGrp="1" noRot="1" noChangeAspect="1"/>
+          </p:cNvSpPr>
+          <p:nvPr>
+            <p:ph type="sldImg"/>
+          </p:nvPr>
+        </p:nvSpPr>
+        <p:spPr/>
+      </p:sp>
+      <p:sp>
+        <p:nvSpPr>
+          <p:cNvPr id="3" name="Notes Placeholder 2"/>
+          <p:cNvSpPr>
+            <a:spLocks noGrp="1"/>
+          </p:cNvSpPr>
+          <p:nvPr>
+            <p:ph type="body" idx="1"/>
+          </p:nvPr>
+        </p:nvSpPr>
+        <p:spPr/>
+        <p:txBody>
+          <a:bodyPr/>
+          <a:lstStyle/>
+          <a:p>
+            <a:r>
+              <a:rPr lang="en-US" dirty="0"/>
+              <a:t>Discuss your findings. Did you find what you expected to find? If not, why not? What inferences or general conclusions can you draw from your analysis?</a:t>
+            </a:r>
+          </a:p>
+        </p:txBody>
+      </p:sp>
+      <p:sp>
+        <p:nvSpPr>
+          <p:cNvPr id="4" name="Slide Number Placeholder 3"/>
+          <p:cNvSpPr>
+            <a:spLocks noGrp="1"/>
+          </p:cNvSpPr>
+          <p:nvPr>
+            <p:ph type="sldNum" sz="quarter" idx="10"/>
+          </p:nvPr>
+        </p:nvSpPr>
+        <p:spPr/>
+        <p:txBody>
+          <a:bodyPr/>
+          <a:lstStyle/>
+          <a:p>
+            <a:fld id="{F475C203-9D0E-455B-864B-F57809F85DFF}" type="slidenum">
+              <a:rPr lang="en-US" smtClean="0"/>
+              <a:t>12</a:t>
+            </a:fld>
+            <a:endParaRPr lang="en-US"/>
+          </a:p>
+        </p:txBody>
+      </p:sp>
+    </p:spTree>
+    <p:extLst>
+      <p:ext uri="{BB962C8B-B14F-4D97-AF65-F5344CB8AC3E}">
+        <p14:creationId xmlns:p14="http://schemas.microsoft.com/office/powerpoint/2010/main" val="3609735118"/>
+      </p:ext>
+    </p:extLst>
+  </p:cSld>
+  <p:clrMapOvr>
+    <a:masterClrMapping/>
+  </p:clrMapOvr>
+</p:notes>
+</file>
+
+<file path=ppt/notesSlides/notesSlide8.xml><?xml version="1.0" encoding="utf-8"?>
+<p:notes xmlns:a="http://schemas.openxmlformats.org/drawingml/2006/main" xmlns:r="http://schemas.openxmlformats.org/officeDocument/2006/relationships" xmlns:p="http://schemas.openxmlformats.org/presentationml/2006/main">
+  <p:cSld>
+    <p:spTree>
+      <p:nvGrpSpPr>
+        <p:cNvPr id="1" name=""/>
+        <p:cNvGrpSpPr/>
+        <p:nvPr/>
+      </p:nvGrpSpPr>
+      <p:grpSpPr>
+        <a:xfrm>
+          <a:off x="0" y="0"/>
+          <a:ext cx="0" cy="0"/>
+          <a:chOff x="0" y="0"/>
+          <a:chExt cx="0" cy="0"/>
+        </a:xfrm>
+      </p:grpSpPr>
+      <p:sp>
+        <p:nvSpPr>
+          <p:cNvPr id="2" name="Slide Image Placeholder 1"/>
+          <p:cNvSpPr>
+            <a:spLocks noGrp="1" noRot="1" noChangeAspect="1"/>
+          </p:cNvSpPr>
+          <p:nvPr>
+            <p:ph type="sldImg"/>
+          </p:nvPr>
+        </p:nvSpPr>
+        <p:spPr/>
+      </p:sp>
+      <p:sp>
+        <p:nvSpPr>
+          <p:cNvPr id="3" name="Notes Placeholder 2"/>
+          <p:cNvSpPr>
+            <a:spLocks noGrp="1"/>
+          </p:cNvSpPr>
+          <p:nvPr>
+            <p:ph type="body" idx="1"/>
+          </p:nvPr>
+        </p:nvSpPr>
+        <p:spPr/>
+        <p:txBody>
+          <a:bodyPr/>
+          <a:lstStyle/>
+          <a:p>
+            <a:r>
+              <a:rPr lang="en-US" dirty="0"/>
+              <a:t>Discuss any difficulties that arose, and how you dealt with them</a:t>
+            </a:r>
+          </a:p>
+          <a:p>
+            <a:r>
+              <a:rPr lang="en-US" dirty="0"/>
+              <a:t>Discuss any additional questions that came up, but which you didn't have time to answer: </a:t>
+            </a:r>
+          </a:p>
+          <a:p>
+            <a:r>
+              <a:rPr lang="en-US" dirty="0"/>
+              <a:t>What would you research next, if you had two more weeks?</a:t>
+            </a:r>
+          </a:p>
+        </p:txBody>
+      </p:sp>
+      <p:sp>
+        <p:nvSpPr>
+          <p:cNvPr id="4" name="Slide Number Placeholder 3"/>
+          <p:cNvSpPr>
+            <a:spLocks noGrp="1"/>
+          </p:cNvSpPr>
+          <p:nvPr>
+            <p:ph type="sldNum" sz="quarter" idx="10"/>
+          </p:nvPr>
+        </p:nvSpPr>
+        <p:spPr/>
+        <p:txBody>
+          <a:bodyPr/>
+          <a:lstStyle/>
+          <a:p>
+            <a:fld id="{F475C203-9D0E-455B-864B-F57809F85DFF}" type="slidenum">
+              <a:rPr lang="en-US" smtClean="0"/>
+              <a:t>13</a:t>
+            </a:fld>
+            <a:endParaRPr lang="en-US"/>
+          </a:p>
+        </p:txBody>
+      </p:sp>
+    </p:spTree>
+    <p:extLst>
+      <p:ext uri="{BB962C8B-B14F-4D97-AF65-F5344CB8AC3E}">
+        <p14:creationId xmlns:p14="http://schemas.microsoft.com/office/powerpoint/2010/main" val="303033329"/>
+      </p:ext>
+    </p:extLst>
+  </p:cSld>
+  <p:clrMapOvr>
+    <a:masterClrMapping/>
+  </p:clrMapOvr>
+</p:notes>
 </file>
 
 <file path=ppt/slideLayouts/slideLayout1.xml><?xml version="1.0" encoding="utf-8"?>
@@ -279,7 +5096,7 @@
           <a:p>
             <a:fld id="{1160EA64-D806-43AC-9DF2-F8C432F32B4C}" type="datetimeFigureOut">
               <a:rPr lang="en-US" dirty="0"/>
-              <a:t>7/16/2018</a:t>
+              <a:t>7/18/2018</a:t>
             </a:fld>
             <a:endParaRPr lang="en-US" dirty="0"/>
           </a:p>
@@ -445,7 +5262,7 @@
           <a:p>
             <a:fld id="{E9F9C37B-1D36-470B-8223-D6C91242EC14}" type="datetimeFigureOut">
               <a:rPr lang="en-US" dirty="0"/>
-              <a:t>7/16/2018</a:t>
+              <a:t>7/18/2018</a:t>
             </a:fld>
             <a:endParaRPr lang="en-US" dirty="0"/>
           </a:p>
@@ -620,7 +5437,7 @@
           <a:p>
             <a:fld id="{67C6F52A-A82B-47A2-A83A-8C4C91F2D59F}" type="datetimeFigureOut">
               <a:rPr lang="en-US" dirty="0"/>
-              <a:t>7/16/2018</a:t>
+              <a:t>7/18/2018</a:t>
             </a:fld>
             <a:endParaRPr lang="en-US" dirty="0"/>
           </a:p>
@@ -785,7 +5602,7 @@
           <a:p>
             <a:fld id="{F070A7B3-6521-4DCA-87E5-044747A908C1}" type="datetimeFigureOut">
               <a:rPr lang="en-US" dirty="0"/>
-              <a:t>7/16/2018</a:t>
+              <a:t>7/18/2018</a:t>
             </a:fld>
             <a:endParaRPr lang="en-US" dirty="0"/>
           </a:p>
@@ -1049,7 +5866,7 @@
           <a:p>
             <a:fld id="{1160EA64-D806-43AC-9DF2-F8C432F32B4C}" type="datetimeFigureOut">
               <a:rPr lang="en-US" dirty="0"/>
-              <a:t>7/16/2018</a:t>
+              <a:t>7/18/2018</a:t>
             </a:fld>
             <a:endParaRPr lang="en-US" dirty="0"/>
           </a:p>
@@ -1277,7 +6094,7 @@
           <a:p>
             <a:fld id="{AB134690-1557-4C89-A502-4959FE7FAD70}" type="datetimeFigureOut">
               <a:rPr lang="en-US" dirty="0"/>
-              <a:t>7/16/2018</a:t>
+              <a:t>7/18/2018</a:t>
             </a:fld>
             <a:endParaRPr lang="en-US" dirty="0"/>
           </a:p>
@@ -1631,7 +6448,7 @@
           <a:p>
             <a:fld id="{4F7D4976-E339-4826-83B7-FBD03F55ECF8}" type="datetimeFigureOut">
               <a:rPr lang="en-US" dirty="0"/>
-              <a:t>7/16/2018</a:t>
+              <a:t>7/18/2018</a:t>
             </a:fld>
             <a:endParaRPr lang="en-US" dirty="0"/>
           </a:p>
@@ -1767,7 +6584,7 @@
           <a:p>
             <a:fld id="{E1037C31-9E7A-4F99-8774-A0E530DE1A42}" type="datetimeFigureOut">
               <a:rPr lang="en-US" dirty="0"/>
-              <a:t>7/16/2018</a:t>
+              <a:t>7/18/2018</a:t>
             </a:fld>
             <a:endParaRPr lang="en-US" dirty="0"/>
           </a:p>
@@ -1857,7 +6674,7 @@
           <a:p>
             <a:fld id="{C278504F-A551-4DE0-9316-4DCD1D8CC752}" type="datetimeFigureOut">
               <a:rPr lang="en-US" dirty="0"/>
-              <a:t>7/16/2018</a:t>
+              <a:t>7/18/2018</a:t>
             </a:fld>
             <a:endParaRPr lang="en-US" dirty="0"/>
           </a:p>
@@ -2209,7 +7026,7 @@
           <a:p>
             <a:fld id="{D1BE4249-C0D0-4B06-8692-E8BB871AF643}" type="datetimeFigureOut">
               <a:rPr lang="en-US" dirty="0"/>
-              <a:t>7/16/2018</a:t>
+              <a:t>7/18/2018</a:t>
             </a:fld>
             <a:endParaRPr lang="en-US" dirty="0"/>
           </a:p>
@@ -2561,7 +7378,7 @@
           <a:p>
             <a:fld id="{042B0DB6-F5C7-45FB-8CF3-31B45F9C2DAC}" type="datetimeFigureOut">
               <a:rPr lang="en-US" dirty="0"/>
-              <a:t>7/16/2018</a:t>
+              <a:t>7/18/2018</a:t>
             </a:fld>
             <a:endParaRPr lang="en-US" dirty="0"/>
           </a:p>
@@ -2797,7 +7614,7 @@
           <a:p>
             <a:fld id="{1160EA64-D806-43AC-9DF2-F8C432F32B4C}" type="datetimeFigureOut">
               <a:rPr lang="en-US" dirty="0"/>
-              <a:t>7/16/2018</a:t>
+              <a:t>7/18/2018</a:t>
             </a:fld>
             <a:endParaRPr lang="en-US" dirty="0"/>
           </a:p>
@@ -3232,6 +8049,14 @@
 <file path=ppt/slides/slide1.xml><?xml version="1.0" encoding="utf-8"?>
 <p:sld xmlns:a="http://schemas.openxmlformats.org/drawingml/2006/main" xmlns:r="http://schemas.openxmlformats.org/officeDocument/2006/relationships" xmlns:p="http://schemas.openxmlformats.org/presentationml/2006/main">
   <p:cSld>
+    <p:bg>
+      <p:bgPr>
+        <a:solidFill>
+          <a:schemeClr val="bg1"/>
+        </a:solidFill>
+        <a:effectLst/>
+      </p:bgPr>
+    </p:bg>
     <p:spTree>
       <p:nvGrpSpPr>
         <p:cNvPr id="1" name=""/>
@@ -3246,6 +8071,35 @@
           <a:chExt cx="0" cy="0"/>
         </a:xfrm>
       </p:grpSpPr>
+      <p:pic>
+        <p:nvPicPr>
+          <p:cNvPr id="5" name="Picture 4">
+            <a:extLst>
+              <a:ext uri="{FF2B5EF4-FFF2-40B4-BE49-F238E27FC236}">
+                <a16:creationId xmlns:a16="http://schemas.microsoft.com/office/drawing/2014/main" id="{F4A2E620-1D02-465F-BAA4-EF9F0E4C7D88}"/>
+              </a:ext>
+            </a:extLst>
+          </p:cNvPr>
+          <p:cNvPicPr>
+            <a:picLocks noChangeAspect="1"/>
+          </p:cNvPicPr>
+          <p:nvPr/>
+        </p:nvPicPr>
+        <p:blipFill rotWithShape="1">
+          <a:blip r:embed="rId3"/>
+          <a:srcRect t="3817" b="6542"/>
+          <a:stretch/>
+        </p:blipFill>
+        <p:spPr>
+          <a:xfrm>
+            <a:off x="20" y="10"/>
+            <a:ext cx="12191980" cy="6857990"/>
+          </a:xfrm>
+          <a:prstGeom prst="rect">
+            <a:avLst/>
+          </a:prstGeom>
+        </p:spPr>
+      </p:pic>
       <p:sp>
         <p:nvSpPr>
           <p:cNvPr id="2" name="Title 1">
@@ -3262,13 +8116,35 @@
             <p:ph type="ctrTitle"/>
           </p:nvPr>
         </p:nvSpPr>
-        <p:spPr/>
-        <p:txBody>
-          <a:bodyPr/>
+        <p:spPr>
+          <a:xfrm>
+            <a:off x="1600200" y="3280528"/>
+            <a:ext cx="8991600" cy="752136"/>
+          </a:xfrm>
+          <a:solidFill>
+            <a:schemeClr val="bg1">
+              <a:alpha val="60000"/>
+            </a:schemeClr>
+          </a:solidFill>
+          <a:ln w="38100" cap="sq">
+            <a:solidFill>
+              <a:schemeClr val="tx1"/>
+            </a:solidFill>
+            <a:miter lim="800000"/>
+          </a:ln>
+        </p:spPr>
+        <p:txBody>
+          <a:bodyPr anchor="ctr">
+            <a:normAutofit fontScale="90000"/>
+          </a:bodyPr>
           <a:lstStyle/>
           <a:p>
             <a:r>
-              <a:rPr lang="en-US" dirty="0"/>
+              <a:rPr lang="en-US">
+                <a:solidFill>
+                  <a:schemeClr val="tx1"/>
+                </a:solidFill>
+              </a:rPr>
               <a:t>Gun Violence in USA</a:t>
             </a:r>
           </a:p>
@@ -3290,28 +8166,53 @@
             <p:ph type="subTitle" idx="1"/>
           </p:nvPr>
         </p:nvSpPr>
-        <p:spPr/>
+        <p:spPr>
+          <a:xfrm>
+            <a:off x="2467836" y="4388170"/>
+            <a:ext cx="7256328" cy="1239894"/>
+          </a:xfrm>
+        </p:spPr>
         <p:txBody>
           <a:bodyPr>
-            <a:normAutofit lnSpcReduction="10000"/>
+            <a:normAutofit/>
           </a:bodyPr>
           <a:lstStyle/>
           <a:p>
-            <a:r>
-              <a:rPr lang="en-US" dirty="0"/>
-              <a:t>Names here</a:t>
-            </a:r>
-          </a:p>
-          <a:p>
-            <a:r>
-              <a:rPr lang="en-US" dirty="0"/>
+            <a:pPr>
+              <a:lnSpc>
+                <a:spcPct val="90000"/>
+              </a:lnSpc>
+            </a:pPr>
+            <a:r>
+              <a:rPr lang="en-US" b="1" dirty="0" err="1">
+                <a:solidFill>
+                  <a:srgbClr val="FFFFFF"/>
+                </a:solidFill>
+              </a:rPr>
+              <a:t>Amgad</a:t>
+            </a:r>
+            <a:r>
+              <a:rPr lang="en-US" b="1" dirty="0">
+                <a:solidFill>
+                  <a:srgbClr val="FFFFFF"/>
+                </a:solidFill>
+              </a:rPr>
+              <a:t> Farah, Muhammad Faisal Shabbir, Alicia Saracina</a:t>
+            </a:r>
+          </a:p>
+          <a:p>
+            <a:pPr>
+              <a:lnSpc>
+                <a:spcPct val="90000"/>
+              </a:lnSpc>
+            </a:pPr>
+            <a:r>
+              <a:rPr lang="en-US" b="1" dirty="0">
+                <a:solidFill>
+                  <a:srgbClr val="FFFFFF"/>
+                </a:solidFill>
+              </a:rPr>
               <a:t>GW Data Analytics</a:t>
-            </a:r>
-          </a:p>
-          <a:p>
-            <a:r>
-              <a:rPr lang="en-US" dirty="0"/>
-              <a:t>2018</a:t>
             </a:r>
           </a:p>
         </p:txBody>
@@ -3330,6 +8231,778 @@
 </file>
 
 <file path=ppt/slides/slide10.xml><?xml version="1.0" encoding="utf-8"?>
+<p:sld xmlns:a="http://schemas.openxmlformats.org/drawingml/2006/main" xmlns:r="http://schemas.openxmlformats.org/officeDocument/2006/relationships" xmlns:p="http://schemas.openxmlformats.org/presentationml/2006/main">
+  <p:cSld>
+    <p:bg>
+      <p:bgPr>
+        <a:solidFill>
+          <a:schemeClr val="bg1"/>
+        </a:solidFill>
+        <a:effectLst/>
+      </p:bgPr>
+    </p:bg>
+    <p:spTree>
+      <p:nvGrpSpPr>
+        <p:cNvPr id="1" name=""/>
+        <p:cNvGrpSpPr/>
+        <p:nvPr/>
+      </p:nvGrpSpPr>
+      <p:grpSpPr>
+        <a:xfrm>
+          <a:off x="0" y="0"/>
+          <a:ext cx="0" cy="0"/>
+          <a:chOff x="0" y="0"/>
+          <a:chExt cx="0" cy="0"/>
+        </a:xfrm>
+      </p:grpSpPr>
+      <p:sp useBgFill="1">
+        <p:nvSpPr>
+          <p:cNvPr id="41" name="Rectangle 40">
+            <a:extLst>
+              <a:ext uri="{FF2B5EF4-FFF2-40B4-BE49-F238E27FC236}">
+                <a16:creationId xmlns:a16="http://schemas.microsoft.com/office/drawing/2014/main" id="{419501C6-F015-4273-AF88-E0F6C853899F}"/>
+              </a:ext>
+              <a:ext uri="{C183D7F6-B498-43B3-948B-1728B52AA6E4}">
+                <adec:decorative xmlns="" xmlns:adec="http://schemas.microsoft.com/office/drawing/2017/decorative" val="1"/>
+              </a:ext>
+            </a:extLst>
+          </p:cNvPr>
+          <p:cNvSpPr>
+            <a:spLocks noGrp="1" noRot="1" noChangeAspect="1" noMove="1" noResize="1" noEditPoints="1" noAdjustHandles="1" noChangeArrowheads="1" noChangeShapeType="1" noTextEdit="1"/>
+          </p:cNvSpPr>
+          <p:nvPr>
+            <p:extLst>
+              <p:ext uri="{386F3935-93C4-4BCD-93E2-E3B085C9AB24}">
+                <p16:designElem xmlns:p16="http://schemas.microsoft.com/office/powerpoint/2015/main" val="1"/>
+              </p:ext>
+            </p:extLst>
+          </p:nvPr>
+        </p:nvSpPr>
+        <p:spPr>
+          <a:xfrm>
+            <a:off x="0" y="0"/>
+            <a:ext cx="12191999" cy="6858000"/>
+          </a:xfrm>
+          <a:prstGeom prst="rect">
+            <a:avLst/>
+          </a:prstGeom>
+          <a:ln>
+            <a:noFill/>
+          </a:ln>
+        </p:spPr>
+        <p:style>
+          <a:lnRef idx="2">
+            <a:schemeClr val="accent1">
+              <a:shade val="50000"/>
+            </a:schemeClr>
+          </a:lnRef>
+          <a:fillRef idx="1">
+            <a:schemeClr val="accent1"/>
+          </a:fillRef>
+          <a:effectRef idx="0">
+            <a:schemeClr val="accent1"/>
+          </a:effectRef>
+          <a:fontRef idx="minor">
+            <a:schemeClr val="lt1"/>
+          </a:fontRef>
+        </p:style>
+        <p:txBody>
+          <a:bodyPr rtlCol="0" anchor="ctr"/>
+          <a:lstStyle/>
+          <a:p>
+            <a:pPr algn="ctr"/>
+            <a:endParaRPr lang="en-US"/>
+          </a:p>
+        </p:txBody>
+      </p:sp>
+      <p:sp>
+        <p:nvSpPr>
+          <p:cNvPr id="43" name="Rectangle 42">
+            <a:extLst>
+              <a:ext uri="{FF2B5EF4-FFF2-40B4-BE49-F238E27FC236}">
+                <a16:creationId xmlns:a16="http://schemas.microsoft.com/office/drawing/2014/main" id="{CA677DB7-5829-45BD-9754-5EC484CC4253}"/>
+              </a:ext>
+              <a:ext uri="{C183D7F6-B498-43B3-948B-1728B52AA6E4}">
+                <adec:decorative xmlns="" xmlns:adec="http://schemas.microsoft.com/office/drawing/2017/decorative" val="1"/>
+              </a:ext>
+            </a:extLst>
+          </p:cNvPr>
+          <p:cNvSpPr>
+            <a:spLocks noGrp="1" noRot="1" noChangeAspect="1" noMove="1" noResize="1" noEditPoints="1" noAdjustHandles="1" noChangeArrowheads="1" noChangeShapeType="1" noTextEdit="1"/>
+          </p:cNvSpPr>
+          <p:nvPr>
+            <p:extLst>
+              <p:ext uri="{386F3935-93C4-4BCD-93E2-E3B085C9AB24}">
+                <p16:designElem xmlns:p16="http://schemas.microsoft.com/office/powerpoint/2015/main" val="1"/>
+              </p:ext>
+            </p:extLst>
+          </p:nvPr>
+        </p:nvSpPr>
+        <p:spPr>
+          <a:xfrm>
+            <a:off x="1" y="1"/>
+            <a:ext cx="4654296" cy="6858000"/>
+          </a:xfrm>
+          <a:prstGeom prst="rect">
+            <a:avLst/>
+          </a:prstGeom>
+          <a:solidFill>
+            <a:schemeClr val="accent2"/>
+          </a:solidFill>
+          <a:ln>
+            <a:noFill/>
+          </a:ln>
+        </p:spPr>
+        <p:style>
+          <a:lnRef idx="2">
+            <a:schemeClr val="accent1">
+              <a:shade val="50000"/>
+            </a:schemeClr>
+          </a:lnRef>
+          <a:fillRef idx="1">
+            <a:schemeClr val="accent1"/>
+          </a:fillRef>
+          <a:effectRef idx="0">
+            <a:schemeClr val="accent1"/>
+          </a:effectRef>
+          <a:fontRef idx="minor">
+            <a:schemeClr val="lt1"/>
+          </a:fontRef>
+        </p:style>
+        <p:txBody>
+          <a:bodyPr rtlCol="0" anchor="ctr"/>
+          <a:lstStyle/>
+          <a:p>
+            <a:pPr algn="ctr"/>
+            <a:endParaRPr lang="en-US"/>
+          </a:p>
+        </p:txBody>
+      </p:sp>
+      <p:sp>
+        <p:nvSpPr>
+          <p:cNvPr id="6" name="Title 5">
+            <a:extLst>
+              <a:ext uri="{FF2B5EF4-FFF2-40B4-BE49-F238E27FC236}">
+                <a16:creationId xmlns:a16="http://schemas.microsoft.com/office/drawing/2014/main" id="{F963D9F2-4AC6-4F2C-A4BF-12A99C95E3E6}"/>
+              </a:ext>
+            </a:extLst>
+          </p:cNvPr>
+          <p:cNvSpPr>
+            <a:spLocks noGrp="1"/>
+          </p:cNvSpPr>
+          <p:nvPr>
+            <p:ph type="title"/>
+          </p:nvPr>
+        </p:nvSpPr>
+        <p:spPr>
+          <a:xfrm>
+            <a:off x="804672" y="2404872"/>
+            <a:ext cx="3044950" cy="1627792"/>
+          </a:xfrm>
+        </p:spPr>
+        <p:txBody>
+          <a:bodyPr vert="horz" lIns="274320" tIns="182880" rIns="274320" bIns="182880" rtlCol="0" anchor="ctr" anchorCtr="1">
+            <a:normAutofit/>
+          </a:bodyPr>
+          <a:lstStyle/>
+          <a:p>
+            <a:r>
+              <a:rPr lang="en-US" sz="2800"/>
+              <a:t>Data analysis</a:t>
+            </a:r>
+          </a:p>
+        </p:txBody>
+      </p:sp>
+      <p:sp>
+        <p:nvSpPr>
+          <p:cNvPr id="2" name="Text Placeholder 1">
+            <a:extLst>
+              <a:ext uri="{FF2B5EF4-FFF2-40B4-BE49-F238E27FC236}">
+                <a16:creationId xmlns:a16="http://schemas.microsoft.com/office/drawing/2014/main" id="{75D9087D-D008-4EB5-AF68-8CC9618CE3E3}"/>
+              </a:ext>
+            </a:extLst>
+          </p:cNvPr>
+          <p:cNvSpPr>
+            <a:spLocks noGrp="1"/>
+          </p:cNvSpPr>
+          <p:nvPr>
+            <p:ph type="body" sz="half" idx="2"/>
+          </p:nvPr>
+        </p:nvSpPr>
+        <p:spPr>
+          <a:xfrm>
+            <a:off x="1121822" y="4352544"/>
+            <a:ext cx="2410650" cy="1239894"/>
+          </a:xfrm>
+        </p:spPr>
+        <p:txBody>
+          <a:bodyPr vert="horz" lIns="91440" tIns="45720" rIns="91440" bIns="45720" rtlCol="0">
+            <a:normAutofit/>
+          </a:bodyPr>
+          <a:lstStyle/>
+          <a:p>
+            <a:pPr lvl="0"/>
+            <a:r>
+              <a:rPr lang="en-US" sz="1800" kern="1200" cap="all" spc="100">
+                <a:latin typeface="+mn-lt"/>
+                <a:ea typeface="+mn-ea"/>
+                <a:cs typeface="+mn-cs"/>
+              </a:rPr>
+              <a:t>At what time of year is gun violence the highest?</a:t>
+            </a:r>
+          </a:p>
+        </p:txBody>
+      </p:sp>
+      <p:pic>
+        <p:nvPicPr>
+          <p:cNvPr id="7" name="Content Placeholder 6">
+            <a:extLst>
+              <a:ext uri="{FF2B5EF4-FFF2-40B4-BE49-F238E27FC236}">
+                <a16:creationId xmlns:a16="http://schemas.microsoft.com/office/drawing/2014/main" id="{863BF967-8BD4-4E9F-8725-88D1B4B5EBFD}"/>
+              </a:ext>
+            </a:extLst>
+          </p:cNvPr>
+          <p:cNvPicPr>
+            <a:picLocks noGrp="1" noChangeAspect="1"/>
+          </p:cNvPicPr>
+          <p:nvPr>
+            <p:ph idx="1"/>
+          </p:nvPr>
+        </p:nvPicPr>
+        <p:blipFill>
+          <a:blip r:embed="rId2"/>
+          <a:stretch>
+            <a:fillRect/>
+          </a:stretch>
+        </p:blipFill>
+        <p:spPr>
+          <a:xfrm>
+            <a:off x="5294376" y="1185799"/>
+            <a:ext cx="6257544" cy="4171695"/>
+          </a:xfrm>
+          <a:prstGeom prst="rect">
+            <a:avLst/>
+          </a:prstGeom>
+        </p:spPr>
+      </p:pic>
+    </p:spTree>
+    <p:extLst>
+      <p:ext uri="{BB962C8B-B14F-4D97-AF65-F5344CB8AC3E}">
+        <p14:creationId xmlns:p14="http://schemas.microsoft.com/office/powerpoint/2010/main" val="672386782"/>
+      </p:ext>
+    </p:extLst>
+  </p:cSld>
+  <p:clrMapOvr>
+    <a:masterClrMapping/>
+  </p:clrMapOvr>
+</p:sld>
+</file>
+
+<file path=ppt/slides/slide11.xml><?xml version="1.0" encoding="utf-8"?>
+<p:sld xmlns:a="http://schemas.openxmlformats.org/drawingml/2006/main" xmlns:r="http://schemas.openxmlformats.org/officeDocument/2006/relationships" xmlns:p="http://schemas.openxmlformats.org/presentationml/2006/main">
+  <p:cSld>
+    <p:bg>
+      <p:bgPr>
+        <a:solidFill>
+          <a:schemeClr val="bg1"/>
+        </a:solidFill>
+        <a:effectLst/>
+      </p:bgPr>
+    </p:bg>
+    <p:spTree>
+      <p:nvGrpSpPr>
+        <p:cNvPr id="1" name=""/>
+        <p:cNvGrpSpPr/>
+        <p:nvPr/>
+      </p:nvGrpSpPr>
+      <p:grpSpPr>
+        <a:xfrm>
+          <a:off x="0" y="0"/>
+          <a:ext cx="0" cy="0"/>
+          <a:chOff x="0" y="0"/>
+          <a:chExt cx="0" cy="0"/>
+        </a:xfrm>
+      </p:grpSpPr>
+      <p:sp useBgFill="1">
+        <p:nvSpPr>
+          <p:cNvPr id="14" name="Rectangle 13">
+            <a:extLst>
+              <a:ext uri="{FF2B5EF4-FFF2-40B4-BE49-F238E27FC236}">
+                <a16:creationId xmlns:a16="http://schemas.microsoft.com/office/drawing/2014/main" id="{419501C6-F015-4273-AF88-E0F6C853899F}"/>
+              </a:ext>
+              <a:ext uri="{C183D7F6-B498-43B3-948B-1728B52AA6E4}">
+                <adec:decorative xmlns:adec="http://schemas.microsoft.com/office/drawing/2017/decorative" xmlns="" val="1"/>
+              </a:ext>
+            </a:extLst>
+          </p:cNvPr>
+          <p:cNvSpPr>
+            <a:spLocks noGrp="1" noRot="1" noChangeAspect="1" noMove="1" noResize="1" noEditPoints="1" noAdjustHandles="1" noChangeArrowheads="1" noChangeShapeType="1" noTextEdit="1"/>
+          </p:cNvSpPr>
+          <p:nvPr>
+            <p:extLst>
+              <p:ext uri="{386F3935-93C4-4BCD-93E2-E3B085C9AB24}">
+                <p16:designElem xmlns:p16="http://schemas.microsoft.com/office/powerpoint/2015/main" val="1"/>
+              </p:ext>
+            </p:extLst>
+          </p:nvPr>
+        </p:nvSpPr>
+        <p:spPr>
+          <a:xfrm>
+            <a:off x="0" y="0"/>
+            <a:ext cx="12191999" cy="6858000"/>
+          </a:xfrm>
+          <a:prstGeom prst="rect">
+            <a:avLst/>
+          </a:prstGeom>
+          <a:ln>
+            <a:noFill/>
+          </a:ln>
+        </p:spPr>
+        <p:style>
+          <a:lnRef idx="2">
+            <a:schemeClr val="accent1">
+              <a:shade val="50000"/>
+            </a:schemeClr>
+          </a:lnRef>
+          <a:fillRef idx="1">
+            <a:schemeClr val="accent1"/>
+          </a:fillRef>
+          <a:effectRef idx="0">
+            <a:schemeClr val="accent1"/>
+          </a:effectRef>
+          <a:fontRef idx="minor">
+            <a:schemeClr val="lt1"/>
+          </a:fontRef>
+        </p:style>
+        <p:txBody>
+          <a:bodyPr rtlCol="0" anchor="ctr"/>
+          <a:lstStyle/>
+          <a:p>
+            <a:pPr algn="ctr"/>
+            <a:endParaRPr lang="en-US"/>
+          </a:p>
+        </p:txBody>
+      </p:sp>
+      <p:sp>
+        <p:nvSpPr>
+          <p:cNvPr id="16" name="Rectangle 15">
+            <a:extLst>
+              <a:ext uri="{FF2B5EF4-FFF2-40B4-BE49-F238E27FC236}">
+                <a16:creationId xmlns:a16="http://schemas.microsoft.com/office/drawing/2014/main" id="{CA677DB7-5829-45BD-9754-5EC484CC4253}"/>
+              </a:ext>
+              <a:ext uri="{C183D7F6-B498-43B3-948B-1728B52AA6E4}">
+                <adec:decorative xmlns:adec="http://schemas.microsoft.com/office/drawing/2017/decorative" xmlns="" val="1"/>
+              </a:ext>
+            </a:extLst>
+          </p:cNvPr>
+          <p:cNvSpPr>
+            <a:spLocks noGrp="1" noRot="1" noChangeAspect="1" noMove="1" noResize="1" noEditPoints="1" noAdjustHandles="1" noChangeArrowheads="1" noChangeShapeType="1" noTextEdit="1"/>
+          </p:cNvSpPr>
+          <p:nvPr>
+            <p:extLst>
+              <p:ext uri="{386F3935-93C4-4BCD-93E2-E3B085C9AB24}">
+                <p16:designElem xmlns:p16="http://schemas.microsoft.com/office/powerpoint/2015/main" val="1"/>
+              </p:ext>
+            </p:extLst>
+          </p:nvPr>
+        </p:nvSpPr>
+        <p:spPr>
+          <a:xfrm>
+            <a:off x="1" y="1"/>
+            <a:ext cx="4654296" cy="6858000"/>
+          </a:xfrm>
+          <a:prstGeom prst="rect">
+            <a:avLst/>
+          </a:prstGeom>
+          <a:solidFill>
+            <a:schemeClr val="accent2"/>
+          </a:solidFill>
+          <a:ln>
+            <a:noFill/>
+          </a:ln>
+        </p:spPr>
+        <p:style>
+          <a:lnRef idx="2">
+            <a:schemeClr val="accent1">
+              <a:shade val="50000"/>
+            </a:schemeClr>
+          </a:lnRef>
+          <a:fillRef idx="1">
+            <a:schemeClr val="accent1"/>
+          </a:fillRef>
+          <a:effectRef idx="0">
+            <a:schemeClr val="accent1"/>
+          </a:effectRef>
+          <a:fontRef idx="minor">
+            <a:schemeClr val="lt1"/>
+          </a:fontRef>
+        </p:style>
+        <p:txBody>
+          <a:bodyPr rtlCol="0" anchor="ctr"/>
+          <a:lstStyle/>
+          <a:p>
+            <a:pPr algn="ctr"/>
+            <a:endParaRPr lang="en-US"/>
+          </a:p>
+        </p:txBody>
+      </p:sp>
+      <p:sp>
+        <p:nvSpPr>
+          <p:cNvPr id="5" name="Title 4">
+            <a:extLst>
+              <a:ext uri="{FF2B5EF4-FFF2-40B4-BE49-F238E27FC236}">
+                <a16:creationId xmlns:a16="http://schemas.microsoft.com/office/drawing/2014/main" id="{F50F0A76-CCA8-418C-BEF4-FDFE9423D76E}"/>
+              </a:ext>
+            </a:extLst>
+          </p:cNvPr>
+          <p:cNvSpPr>
+            <a:spLocks noGrp="1"/>
+          </p:cNvSpPr>
+          <p:nvPr>
+            <p:ph type="title"/>
+          </p:nvPr>
+        </p:nvSpPr>
+        <p:spPr>
+          <a:xfrm>
+            <a:off x="804672" y="2404872"/>
+            <a:ext cx="3044950" cy="1627792"/>
+          </a:xfrm>
+        </p:spPr>
+        <p:txBody>
+          <a:bodyPr vert="horz" lIns="274320" tIns="182880" rIns="274320" bIns="182880" rtlCol="0" anchor="ctr" anchorCtr="1">
+            <a:normAutofit/>
+          </a:bodyPr>
+          <a:lstStyle/>
+          <a:p>
+            <a:r>
+              <a:rPr lang="en-US" sz="2800" dirty="0"/>
+              <a:t>Data analysis</a:t>
+            </a:r>
+          </a:p>
+        </p:txBody>
+      </p:sp>
+      <p:pic>
+        <p:nvPicPr>
+          <p:cNvPr id="9" name="Content Placeholder 8">
+            <a:extLst>
+              <a:ext uri="{FF2B5EF4-FFF2-40B4-BE49-F238E27FC236}">
+                <a16:creationId xmlns:a16="http://schemas.microsoft.com/office/drawing/2014/main" id="{ED032CFA-F658-4EC3-8C6F-09DE00729E18}"/>
+              </a:ext>
+            </a:extLst>
+          </p:cNvPr>
+          <p:cNvPicPr>
+            <a:picLocks noGrp="1" noChangeAspect="1"/>
+          </p:cNvPicPr>
+          <p:nvPr>
+            <p:ph idx="1"/>
+          </p:nvPr>
+        </p:nvPicPr>
+        <p:blipFill>
+          <a:blip r:embed="rId2"/>
+          <a:stretch>
+            <a:fillRect/>
+          </a:stretch>
+        </p:blipFill>
+        <p:spPr>
+          <a:xfrm>
+            <a:off x="5294376" y="925068"/>
+            <a:ext cx="6257544" cy="4693157"/>
+          </a:xfrm>
+          <a:prstGeom prst="rect">
+            <a:avLst/>
+          </a:prstGeom>
+        </p:spPr>
+      </p:pic>
+      <p:sp>
+        <p:nvSpPr>
+          <p:cNvPr id="7" name="Text Placeholder 6">
+            <a:extLst>
+              <a:ext uri="{FF2B5EF4-FFF2-40B4-BE49-F238E27FC236}">
+                <a16:creationId xmlns:a16="http://schemas.microsoft.com/office/drawing/2014/main" id="{EBD03B0F-974F-4582-BA53-782901B69C13}"/>
+              </a:ext>
+            </a:extLst>
+          </p:cNvPr>
+          <p:cNvSpPr>
+            <a:spLocks noGrp="1"/>
+          </p:cNvSpPr>
+          <p:nvPr>
+            <p:ph type="body" sz="half" idx="2"/>
+          </p:nvPr>
+        </p:nvSpPr>
+        <p:spPr>
+          <a:xfrm>
+            <a:off x="772945" y="4485046"/>
+            <a:ext cx="3108403" cy="960286"/>
+          </a:xfrm>
+        </p:spPr>
+        <p:txBody>
+          <a:bodyPr/>
+          <a:lstStyle/>
+          <a:p>
+            <a:pPr lvl="0">
+              <a:buClr>
+                <a:srgbClr val="9BAFB5"/>
+              </a:buClr>
+            </a:pPr>
+            <a:r>
+              <a:rPr lang="en-US" sz="1800" cap="all" spc="100"/>
+              <a:t>How many guns were used?</a:t>
+            </a:r>
+          </a:p>
+          <a:p>
+            <a:endParaRPr lang="en-US" dirty="0"/>
+          </a:p>
+        </p:txBody>
+      </p:sp>
+    </p:spTree>
+    <p:extLst>
+      <p:ext uri="{BB962C8B-B14F-4D97-AF65-F5344CB8AC3E}">
+        <p14:creationId xmlns:p14="http://schemas.microsoft.com/office/powerpoint/2010/main" val="2137464054"/>
+      </p:ext>
+    </p:extLst>
+  </p:cSld>
+  <p:clrMapOvr>
+    <a:masterClrMapping/>
+  </p:clrMapOvr>
+</p:sld>
+</file>
+
+<file path=ppt/slides/slide12.xml><?xml version="1.0" encoding="utf-8"?>
+<p:sld xmlns:a="http://schemas.openxmlformats.org/drawingml/2006/main" xmlns:r="http://schemas.openxmlformats.org/officeDocument/2006/relationships" xmlns:p="http://schemas.openxmlformats.org/presentationml/2006/main">
+  <p:cSld>
+    <p:spTree>
+      <p:nvGrpSpPr>
+        <p:cNvPr id="1" name=""/>
+        <p:cNvGrpSpPr/>
+        <p:nvPr/>
+      </p:nvGrpSpPr>
+      <p:grpSpPr>
+        <a:xfrm>
+          <a:off x="0" y="0"/>
+          <a:ext cx="0" cy="0"/>
+          <a:chOff x="0" y="0"/>
+          <a:chExt cx="0" cy="0"/>
+        </a:xfrm>
+      </p:grpSpPr>
+      <p:sp>
+        <p:nvSpPr>
+          <p:cNvPr id="2" name="Title 1">
+            <a:extLst>
+              <a:ext uri="{FF2B5EF4-FFF2-40B4-BE49-F238E27FC236}">
+                <a16:creationId xmlns:a16="http://schemas.microsoft.com/office/drawing/2014/main" id="{98A7B286-3F61-4426-ADB1-2B7B69311A03}"/>
+              </a:ext>
+            </a:extLst>
+          </p:cNvPr>
+          <p:cNvSpPr>
+            <a:spLocks noGrp="1"/>
+          </p:cNvSpPr>
+          <p:nvPr>
+            <p:ph type="title"/>
+          </p:nvPr>
+        </p:nvSpPr>
+        <p:spPr/>
+        <p:txBody>
+          <a:bodyPr/>
+          <a:lstStyle/>
+          <a:p>
+            <a:r>
+              <a:rPr lang="en-US" dirty="0"/>
+              <a:t>discussion</a:t>
+            </a:r>
+          </a:p>
+        </p:txBody>
+      </p:sp>
+      <p:sp>
+        <p:nvSpPr>
+          <p:cNvPr id="3" name="Content Placeholder 2">
+            <a:extLst>
+              <a:ext uri="{FF2B5EF4-FFF2-40B4-BE49-F238E27FC236}">
+                <a16:creationId xmlns:a16="http://schemas.microsoft.com/office/drawing/2014/main" id="{80C350E7-9D43-40C3-91CF-3321C2E1A145}"/>
+              </a:ext>
+            </a:extLst>
+          </p:cNvPr>
+          <p:cNvSpPr>
+            <a:spLocks noGrp="1"/>
+          </p:cNvSpPr>
+          <p:nvPr>
+            <p:ph idx="1"/>
+          </p:nvPr>
+        </p:nvSpPr>
+        <p:spPr/>
+        <p:txBody>
+          <a:bodyPr/>
+          <a:lstStyle/>
+          <a:p>
+            <a:endParaRPr lang="en-US" dirty="0"/>
+          </a:p>
+          <a:p>
+            <a:r>
+              <a:rPr lang="en-US" dirty="0"/>
+              <a:t>Did not expect Illinois to be the top state</a:t>
+            </a:r>
+          </a:p>
+          <a:p>
+            <a:r>
+              <a:rPr lang="en-US" dirty="0"/>
+              <a:t>Did not expect Washington to be second highest city </a:t>
+            </a:r>
+          </a:p>
+          <a:p>
+            <a:r>
+              <a:rPr lang="en-US" dirty="0"/>
+              <a:t>Surprised by the high number of guns used in some incidents (up to 49 in one instance)</a:t>
+            </a:r>
+          </a:p>
+          <a:p>
+            <a:endParaRPr lang="en-US" dirty="0"/>
+          </a:p>
+        </p:txBody>
+      </p:sp>
+    </p:spTree>
+    <p:extLst>
+      <p:ext uri="{BB962C8B-B14F-4D97-AF65-F5344CB8AC3E}">
+        <p14:creationId xmlns:p14="http://schemas.microsoft.com/office/powerpoint/2010/main" val="1978212501"/>
+      </p:ext>
+    </p:extLst>
+  </p:cSld>
+  <p:clrMapOvr>
+    <a:masterClrMapping/>
+  </p:clrMapOvr>
+</p:sld>
+</file>
+
+<file path=ppt/slides/slide13.xml><?xml version="1.0" encoding="utf-8"?>
+<p:sld xmlns:a="http://schemas.openxmlformats.org/drawingml/2006/main" xmlns:r="http://schemas.openxmlformats.org/officeDocument/2006/relationships" xmlns:p="http://schemas.openxmlformats.org/presentationml/2006/main">
+  <p:cSld>
+    <p:spTree>
+      <p:nvGrpSpPr>
+        <p:cNvPr id="1" name=""/>
+        <p:cNvGrpSpPr/>
+        <p:nvPr/>
+      </p:nvGrpSpPr>
+      <p:grpSpPr>
+        <a:xfrm>
+          <a:off x="0" y="0"/>
+          <a:ext cx="0" cy="0"/>
+          <a:chOff x="0" y="0"/>
+          <a:chExt cx="0" cy="0"/>
+        </a:xfrm>
+      </p:grpSpPr>
+      <p:sp>
+        <p:nvSpPr>
+          <p:cNvPr id="2" name="Title 1">
+            <a:extLst>
+              <a:ext uri="{FF2B5EF4-FFF2-40B4-BE49-F238E27FC236}">
+                <a16:creationId xmlns:a16="http://schemas.microsoft.com/office/drawing/2014/main" id="{896070F9-A731-4A22-B225-05BDE69A2EDA}"/>
+              </a:ext>
+            </a:extLst>
+          </p:cNvPr>
+          <p:cNvSpPr>
+            <a:spLocks noGrp="1"/>
+          </p:cNvSpPr>
+          <p:nvPr>
+            <p:ph type="title"/>
+          </p:nvPr>
+        </p:nvSpPr>
+        <p:spPr/>
+        <p:txBody>
+          <a:bodyPr/>
+          <a:lstStyle/>
+          <a:p>
+            <a:r>
+              <a:rPr lang="en-US" dirty="0"/>
+              <a:t>Post mortem</a:t>
+            </a:r>
+          </a:p>
+        </p:txBody>
+      </p:sp>
+      <p:sp>
+        <p:nvSpPr>
+          <p:cNvPr id="3" name="Content Placeholder 2">
+            <a:extLst>
+              <a:ext uri="{FF2B5EF4-FFF2-40B4-BE49-F238E27FC236}">
+                <a16:creationId xmlns:a16="http://schemas.microsoft.com/office/drawing/2014/main" id="{E5636531-9109-48B7-8803-A3C4602DF4DA}"/>
+              </a:ext>
+            </a:extLst>
+          </p:cNvPr>
+          <p:cNvSpPr>
+            <a:spLocks noGrp="1"/>
+          </p:cNvSpPr>
+          <p:nvPr>
+            <p:ph idx="1"/>
+          </p:nvPr>
+        </p:nvSpPr>
+        <p:spPr/>
+        <p:txBody>
+          <a:bodyPr/>
+          <a:lstStyle/>
+          <a:p>
+            <a:r>
+              <a:rPr lang="en-US" dirty="0"/>
+              <a:t>Difficulties</a:t>
+            </a:r>
+          </a:p>
+          <a:p>
+            <a:pPr lvl="1"/>
+            <a:r>
+              <a:rPr lang="en-US" dirty="0"/>
+              <a:t>Size and scope of data; graphs were difficult to construct</a:t>
+            </a:r>
+          </a:p>
+          <a:p>
+            <a:r>
+              <a:rPr lang="en-US" dirty="0"/>
+              <a:t>Additional Questions</a:t>
+            </a:r>
+          </a:p>
+          <a:p>
+            <a:pPr lvl="1"/>
+            <a:r>
+              <a:rPr lang="en-US" dirty="0"/>
+              <a:t>Population analysis</a:t>
+            </a:r>
+          </a:p>
+          <a:p>
+            <a:pPr lvl="1"/>
+            <a:r>
+              <a:rPr lang="en-US" dirty="0"/>
+              <a:t>Multi-year analysis</a:t>
+            </a:r>
+          </a:p>
+          <a:p>
+            <a:pPr lvl="1"/>
+            <a:r>
+              <a:rPr lang="en-US" dirty="0"/>
+              <a:t>Comparison of gun laws </a:t>
+            </a:r>
+          </a:p>
+          <a:p>
+            <a:pPr lvl="1"/>
+            <a:r>
+              <a:rPr lang="en-US" dirty="0"/>
+              <a:t>Analysis of other fields (gender, whether gun was procured illegally or legally)</a:t>
+            </a:r>
+          </a:p>
+          <a:p>
+            <a:pPr lvl="1"/>
+            <a:endParaRPr lang="en-US" dirty="0"/>
+          </a:p>
+        </p:txBody>
+      </p:sp>
+    </p:spTree>
+    <p:extLst>
+      <p:ext uri="{BB962C8B-B14F-4D97-AF65-F5344CB8AC3E}">
+        <p14:creationId xmlns:p14="http://schemas.microsoft.com/office/powerpoint/2010/main" val="3977489860"/>
+      </p:ext>
+    </p:extLst>
+  </p:cSld>
+  <p:clrMapOvr>
+    <a:masterClrMapping/>
+  </p:clrMapOvr>
+</p:sld>
+</file>
+
+<file path=ppt/slides/slide14.xml><?xml version="1.0" encoding="utf-8"?>
 <p:sld xmlns:a="http://schemas.openxmlformats.org/drawingml/2006/main" xmlns:r="http://schemas.openxmlformats.org/officeDocument/2006/relationships" xmlns:p="http://schemas.openxmlformats.org/presentationml/2006/main">
   <p:cSld>
     <p:spTree>
@@ -3448,15 +9121,23 @@
             <p:ph sz="half" idx="1"/>
           </p:nvPr>
         </p:nvSpPr>
-        <p:spPr/>
+        <p:spPr>
+          <a:xfrm>
+            <a:off x="1216058" y="2667785"/>
+            <a:ext cx="4637626" cy="3477593"/>
+          </a:xfrm>
+        </p:spPr>
         <p:txBody>
           <a:bodyPr>
-            <a:normAutofit/>
+            <a:normAutofit lnSpcReduction="10000"/>
           </a:bodyPr>
           <a:lstStyle/>
           <a:p>
-            <a:r>
-              <a:rPr lang="en-US" dirty="0"/>
+            <a:pPr marL="0" indent="0">
+              <a:buNone/>
+            </a:pPr>
+            <a:r>
+              <a:rPr lang="en-US" b="1" u="sng" dirty="0"/>
               <a:t>Core message/hypothesis: </a:t>
             </a:r>
           </a:p>
@@ -3468,9 +9149,18 @@
             </a:r>
           </a:p>
           <a:p>
-            <a:r>
-              <a:rPr lang="en-US" dirty="0"/>
-              <a:t>Questions</a:t>
+            <a:pPr marL="228600" lvl="1" indent="0">
+              <a:buNone/>
+            </a:pPr>
+            <a:endParaRPr lang="en-US" dirty="0"/>
+          </a:p>
+          <a:p>
+            <a:pPr marL="0" indent="0">
+              <a:buNone/>
+            </a:pPr>
+            <a:r>
+              <a:rPr lang="en-US" b="1" u="sng" dirty="0"/>
+              <a:t>Questions:</a:t>
             </a:r>
           </a:p>
           <a:p>
@@ -3501,6 +9191,16 @@
             <a:r>
               <a:rPr lang="en-US" dirty="0"/>
               <a:t>Does gun violence rise during different times of the year?</a:t>
+            </a:r>
+          </a:p>
+          <a:p>
+            <a:pPr marL="571500" lvl="1" indent="-342900">
+              <a:buFont typeface="+mj-lt"/>
+              <a:buAutoNum type="arabicPeriod"/>
+            </a:pPr>
+            <a:r>
+              <a:rPr lang="en-US" dirty="0"/>
+              <a:t>How many guns are used per incident?</a:t>
             </a:r>
           </a:p>
         </p:txBody>
@@ -3521,45 +9221,75 @@
             <p:ph sz="half" idx="2"/>
           </p:nvPr>
         </p:nvSpPr>
-        <p:spPr/>
+        <p:spPr>
+          <a:xfrm>
+            <a:off x="5972591" y="2667785"/>
+            <a:ext cx="4635972" cy="3477593"/>
+          </a:xfrm>
+        </p:spPr>
         <p:txBody>
           <a:bodyPr>
-            <a:normAutofit/>
+            <a:normAutofit lnSpcReduction="10000"/>
           </a:bodyPr>
           <a:lstStyle/>
           <a:p>
+            <a:pPr marL="0" indent="0">
+              <a:buNone/>
+            </a:pPr>
+            <a:r>
+              <a:rPr lang="en-US" b="1" u="sng" dirty="0"/>
+              <a:t>Purpose:</a:t>
+            </a:r>
+          </a:p>
+          <a:p>
+            <a:pPr lvl="1"/>
             <a:r>
               <a:rPr lang="en-US" dirty="0"/>
-              <a:t>Purpose:</a:t>
+              <a:t>Recent school shootings prompted us to better understand gun violence in the US.</a:t>
+            </a:r>
+          </a:p>
+          <a:p>
+            <a:pPr marL="228600" lvl="1" indent="0">
+              <a:buNone/>
+            </a:pPr>
+            <a:endParaRPr lang="en-US" dirty="0"/>
+          </a:p>
+          <a:p>
+            <a:pPr marL="0" indent="0">
+              <a:buNone/>
+            </a:pPr>
+            <a:r>
+              <a:rPr lang="en-US" b="1" u="sng" dirty="0"/>
+              <a:t>Findings:</a:t>
             </a:r>
           </a:p>
           <a:p>
             <a:pPr lvl="1"/>
             <a:r>
               <a:rPr lang="en-US" dirty="0"/>
-              <a:t>To better understand gun violence in USA</a:t>
-            </a:r>
-          </a:p>
-          <a:p>
+              <a:t>Chicago, Illinois has highest rates</a:t>
+            </a:r>
+          </a:p>
+          <a:p>
+            <a:pPr lvl="1"/>
             <a:r>
               <a:rPr lang="en-US" dirty="0"/>
-              <a:t>Findings:</a:t>
+              <a:t>Washington is second highest city</a:t>
             </a:r>
           </a:p>
           <a:p>
             <a:pPr lvl="1"/>
             <a:r>
               <a:rPr lang="en-US" dirty="0"/>
-              <a:t>Xxx</a:t>
+              <a:t>Enter MONTH result here</a:t>
             </a:r>
           </a:p>
           <a:p>
             <a:pPr lvl="1"/>
             <a:r>
-              <a:rPr lang="en-US" dirty="0" err="1"/>
-              <a:t>xxxx</a:t>
-            </a:r>
-            <a:endParaRPr lang="en-US" dirty="0"/>
+              <a:rPr lang="en-US" dirty="0"/>
+              <a:t>Majority of incidents involve one gun only</a:t>
+            </a:r>
           </a:p>
           <a:p>
             <a:endParaRPr lang="en-US" dirty="0"/>
@@ -3582,6 +9312,14 @@
 <file path=ppt/slides/slide3.xml><?xml version="1.0" encoding="utf-8"?>
 <p:sld xmlns:a="http://schemas.openxmlformats.org/drawingml/2006/main" xmlns:r="http://schemas.openxmlformats.org/officeDocument/2006/relationships" xmlns:p="http://schemas.openxmlformats.org/presentationml/2006/main">
   <p:cSld>
+    <p:bg>
+      <p:bgPr>
+        <a:solidFill>
+          <a:schemeClr val="accent2"/>
+        </a:solidFill>
+        <a:effectLst/>
+      </p:bgPr>
+    </p:bg>
     <p:spTree>
       <p:nvGrpSpPr>
         <p:cNvPr id="1" name=""/>
@@ -3612,15 +9350,97 @@
             <p:ph type="title"/>
           </p:nvPr>
         </p:nvSpPr>
-        <p:spPr/>
-        <p:txBody>
-          <a:bodyPr/>
+        <p:spPr>
+          <a:xfrm>
+            <a:off x="829781" y="2708804"/>
+            <a:ext cx="3698803" cy="1440394"/>
+          </a:xfrm>
+          <a:noFill/>
+          <a:ln>
+            <a:solidFill>
+              <a:schemeClr val="tx1"/>
+            </a:solidFill>
+          </a:ln>
+        </p:spPr>
+        <p:txBody>
+          <a:bodyPr>
+            <a:normAutofit/>
+          </a:bodyPr>
           <a:lstStyle/>
           <a:p>
             <a:r>
-              <a:rPr lang="en-US" dirty="0"/>
+              <a:rPr lang="en-US" sz="2400">
+                <a:solidFill>
+                  <a:schemeClr val="tx1"/>
+                </a:solidFill>
+              </a:rPr>
               <a:t>Questions &amp; Data</a:t>
             </a:r>
+          </a:p>
+        </p:txBody>
+      </p:sp>
+      <p:sp>
+        <p:nvSpPr>
+          <p:cNvPr id="8" name="Rectangle 7">
+            <a:extLst>
+              <a:ext uri="{FF2B5EF4-FFF2-40B4-BE49-F238E27FC236}">
+                <a16:creationId xmlns:a16="http://schemas.microsoft.com/office/drawing/2014/main" id="{FB403EBD-907E-4D59-98D4-A72CD1063C62}"/>
+              </a:ext>
+              <a:ext uri="{C183D7F6-B498-43B3-948B-1728B52AA6E4}">
+                <adec:decorative xmlns="" xmlns:adec="http://schemas.microsoft.com/office/drawing/2017/decorative" val="1"/>
+              </a:ext>
+            </a:extLst>
+          </p:cNvPr>
+          <p:cNvSpPr>
+            <a:spLocks noGrp="1" noRot="1" noChangeAspect="1" noMove="1" noResize="1" noEditPoints="1" noAdjustHandles="1" noChangeArrowheads="1" noChangeShapeType="1" noTextEdit="1"/>
+          </p:cNvSpPr>
+          <p:nvPr>
+            <p:extLst>
+              <p:ext uri="{386F3935-93C4-4BCD-93E2-E3B085C9AB24}">
+                <p16:designElem xmlns:p16="http://schemas.microsoft.com/office/powerpoint/2015/main" val="1"/>
+              </p:ext>
+            </p:extLst>
+          </p:nvPr>
+        </p:nvSpPr>
+        <p:spPr>
+          <a:xfrm>
+            <a:off x="5315061" y="-2"/>
+            <a:ext cx="6876939" cy="6858002"/>
+          </a:xfrm>
+          <a:prstGeom prst="rect">
+            <a:avLst/>
+          </a:prstGeom>
+          <a:solidFill>
+            <a:schemeClr val="tx1">
+              <a:lumMod val="95000"/>
+            </a:schemeClr>
+          </a:solidFill>
+          <a:ln>
+            <a:noFill/>
+          </a:ln>
+        </p:spPr>
+        <p:style>
+          <a:lnRef idx="2">
+            <a:schemeClr val="accent1">
+              <a:shade val="50000"/>
+            </a:schemeClr>
+          </a:lnRef>
+          <a:fillRef idx="1">
+            <a:schemeClr val="accent1"/>
+          </a:fillRef>
+          <a:effectRef idx="0">
+            <a:schemeClr val="accent1"/>
+          </a:effectRef>
+          <a:fontRef idx="minor">
+            <a:schemeClr val="lt1"/>
+          </a:fontRef>
+        </p:style>
+        <p:txBody>
+          <a:bodyPr rtlCol="0" anchor="ctr"/>
+          <a:lstStyle/>
+          <a:p>
+            <a:pPr algn="ctr"/>
+            <a:endParaRPr lang="en-US"/>
           </a:p>
         </p:txBody>
       </p:sp>
@@ -3640,13 +9460,24 @@
             <p:ph idx="1"/>
           </p:nvPr>
         </p:nvSpPr>
-        <p:spPr/>
-        <p:txBody>
-          <a:bodyPr/>
+        <p:spPr>
+          <a:xfrm>
+            <a:off x="6049182" y="802638"/>
+            <a:ext cx="5408696" cy="5252722"/>
+          </a:xfrm>
+        </p:spPr>
+        <p:txBody>
+          <a:bodyPr anchor="ctr">
+            <a:normAutofit/>
+          </a:bodyPr>
           <a:lstStyle/>
           <a:p>
             <a:r>
-              <a:rPr lang="en-US" dirty="0"/>
+              <a:rPr lang="en-US">
+                <a:solidFill>
+                  <a:schemeClr val="bg1"/>
+                </a:solidFill>
+              </a:rPr>
               <a:t>Questions:</a:t>
             </a:r>
           </a:p>
@@ -3656,8 +9487,12 @@
               <a:buAutoNum type="arabicPeriod"/>
             </a:pPr>
             <a:r>
-              <a:rPr lang="en-US" dirty="0"/>
-              <a:t>How many people were killed or injured by guns in 2017?</a:t>
+              <a:rPr lang="en-US">
+                <a:solidFill>
+                  <a:schemeClr val="bg1"/>
+                </a:solidFill>
+              </a:rPr>
+              <a:t>In which states and cities is gun violence the highest?</a:t>
             </a:r>
           </a:p>
           <a:p>
@@ -3666,8 +9501,12 @@
               <a:buAutoNum type="arabicPeriod"/>
             </a:pPr>
             <a:r>
-              <a:rPr lang="en-US" dirty="0"/>
-              <a:t>In which states and cities is gun violence the highest?</a:t>
+              <a:rPr lang="en-US">
+                <a:solidFill>
+                  <a:schemeClr val="bg1"/>
+                </a:solidFill>
+              </a:rPr>
+              <a:t>Does gun violence rise during different times of the year?</a:t>
             </a:r>
           </a:p>
           <a:p>
@@ -3676,32 +9515,52 @@
               <a:buAutoNum type="arabicPeriod"/>
             </a:pPr>
             <a:r>
-              <a:rPr lang="en-US" dirty="0"/>
-              <a:t>Does gun violence rise during different times of the year?</a:t>
-            </a:r>
-          </a:p>
-          <a:p>
-            <a:r>
-              <a:rPr lang="en-US" dirty="0"/>
+              <a:rPr lang="en-US">
+                <a:solidFill>
+                  <a:schemeClr val="bg1"/>
+                </a:solidFill>
+              </a:rPr>
+              <a:t>How many guns are involved per incident?</a:t>
+            </a:r>
+          </a:p>
+          <a:p>
+            <a:r>
+              <a:rPr lang="en-US">
+                <a:solidFill>
+                  <a:schemeClr val="bg1"/>
+                </a:solidFill>
+              </a:rPr>
               <a:t>Sources:  </a:t>
             </a:r>
           </a:p>
           <a:p>
             <a:pPr lvl="1"/>
             <a:r>
-              <a:rPr lang="en-US" dirty="0"/>
+              <a:rPr lang="en-US">
+                <a:solidFill>
+                  <a:schemeClr val="bg1"/>
+                </a:solidFill>
+              </a:rPr>
               <a:t>https://www.kaggle.com/jameslko/gun-violence-data </a:t>
             </a:r>
           </a:p>
           <a:p>
             <a:pPr lvl="1"/>
             <a:r>
-              <a:rPr lang="en-US" dirty="0"/>
+              <a:rPr lang="en-US">
+                <a:solidFill>
+                  <a:schemeClr val="bg1"/>
+                </a:solidFill>
+              </a:rPr>
               <a:t>The data set is downloaded from gunviolencearchive.org, a non-profit dedicated to providing public data on gun violence. </a:t>
             </a:r>
           </a:p>
           <a:p>
-            <a:endParaRPr lang="en-US" dirty="0"/>
+            <a:endParaRPr lang="en-US">
+              <a:solidFill>
+                <a:schemeClr val="bg1"/>
+              </a:solidFill>
+            </a:endParaRPr>
           </a:p>
         </p:txBody>
       </p:sp>
@@ -3713,7 +9572,7 @@
     </p:extLst>
   </p:cSld>
   <p:clrMapOvr>
-    <a:masterClrMapping/>
+    <a:overrideClrMapping bg1="dk1" tx1="lt1" bg2="dk2" tx2="lt2" accent1="accent1" accent2="accent2" accent3="accent3" accent4="accent4" accent5="accent5" accent6="accent6" hlink="hlink" folHlink="folHlink"/>
   </p:clrMapOvr>
 </p:sld>
 </file>
@@ -3721,6 +9580,16 @@
 <file path=ppt/slides/slide4.xml><?xml version="1.0" encoding="utf-8"?>
 <p:sld xmlns:a="http://schemas.openxmlformats.org/drawingml/2006/main" xmlns:r="http://schemas.openxmlformats.org/officeDocument/2006/relationships" xmlns:p="http://schemas.openxmlformats.org/presentationml/2006/main">
   <p:cSld>
+    <p:bg>
+      <p:bgPr>
+        <a:solidFill>
+          <a:schemeClr val="bg1">
+            <a:lumMod val="95000"/>
+          </a:schemeClr>
+        </a:solidFill>
+        <a:effectLst/>
+      </p:bgPr>
+    </p:bg>
     <p:spTree>
       <p:nvGrpSpPr>
         <p:cNvPr id="1" name=""/>
@@ -3751,43 +9620,57 @@
             <p:ph type="title"/>
           </p:nvPr>
         </p:nvSpPr>
-        <p:spPr/>
-        <p:txBody>
-          <a:bodyPr/>
+        <p:spPr>
+          <a:xfrm>
+            <a:off x="2231136" y="964692"/>
+            <a:ext cx="7729728" cy="1188720"/>
+          </a:xfrm>
+        </p:spPr>
+        <p:txBody>
+          <a:bodyPr>
+            <a:normAutofit/>
+          </a:bodyPr>
           <a:lstStyle/>
           <a:p>
             <a:r>
-              <a:rPr lang="en-US" dirty="0"/>
+              <a:rPr lang="en-US"/>
               <a:t>Data cleanup &amp; exploration</a:t>
             </a:r>
-          </a:p>
-        </p:txBody>
-      </p:sp>
-      <p:sp>
-        <p:nvSpPr>
-          <p:cNvPr id="3" name="Content Placeholder 2">
+            <a:endParaRPr lang="en-US" dirty="0"/>
+          </a:p>
+        </p:txBody>
+      </p:sp>
+      <p:graphicFrame>
+        <p:nvGraphicFramePr>
+          <p:cNvPr id="5" name="Content Placeholder 2">
             <a:extLst>
               <a:ext uri="{FF2B5EF4-FFF2-40B4-BE49-F238E27FC236}">
-                <a16:creationId xmlns:a16="http://schemas.microsoft.com/office/drawing/2014/main" id="{86737BFB-AE58-44E8-B738-95CEF1DA4010}"/>
+                <a16:creationId xmlns:a16="http://schemas.microsoft.com/office/drawing/2014/main" id="{F2F0E8FB-C430-490A-B0D9-D38A4E550063}"/>
               </a:ext>
             </a:extLst>
           </p:cNvPr>
-          <p:cNvSpPr>
-            <a:spLocks noGrp="1"/>
-          </p:cNvSpPr>
+          <p:cNvGraphicFramePr>
+            <a:graphicFrameLocks noGrp="1"/>
+          </p:cNvGraphicFramePr>
           <p:nvPr>
             <p:ph idx="1"/>
-          </p:nvPr>
-        </p:nvSpPr>
-        <p:spPr/>
-        <p:txBody>
-          <a:bodyPr/>
-          <a:lstStyle/>
-          <a:p>
-            <a:endParaRPr lang="en-US" dirty="0"/>
-          </a:p>
-        </p:txBody>
-      </p:sp>
+            <p:extLst>
+              <p:ext uri="{D42A27DB-BD31-4B8C-83A1-F6EECF244321}">
+                <p14:modId xmlns:p14="http://schemas.microsoft.com/office/powerpoint/2010/main" val="2183226303"/>
+              </p:ext>
+            </p:extLst>
+          </p:nvPr>
+        </p:nvGraphicFramePr>
+        <p:xfrm>
+          <a:off x="965201" y="2638425"/>
+          <a:ext cx="10261600" cy="3101975"/>
+        </p:xfrm>
+        <a:graphic>
+          <a:graphicData uri="http://schemas.openxmlformats.org/drawingml/2006/diagram">
+            <dgm:relIds xmlns:dgm="http://schemas.openxmlformats.org/drawingml/2006/diagram" xmlns:r="http://schemas.openxmlformats.org/officeDocument/2006/relationships" r:dm="rId2" r:lo="rId3" r:qs="rId4" r:cs="rId5"/>
+          </a:graphicData>
+        </a:graphic>
+      </p:graphicFrame>
     </p:spTree>
     <p:extLst>
       <p:ext uri="{BB962C8B-B14F-4D97-AF65-F5344CB8AC3E}">
@@ -3828,7 +9711,7 @@
       </p:grpSpPr>
       <p:sp useBgFill="1">
         <p:nvSpPr>
-          <p:cNvPr id="14" name="Rectangle 13">
+          <p:cNvPr id="29" name="Rectangle 28">
             <a:extLst>
               <a:ext uri="{FF2B5EF4-FFF2-40B4-BE49-F238E27FC236}">
                 <a16:creationId xmlns:a16="http://schemas.microsoft.com/office/drawing/2014/main" id="{419501C6-F015-4273-AF88-E0F6C853899F}"/>
@@ -3888,7 +9771,7 @@
       </p:sp>
       <p:sp>
         <p:nvSpPr>
-          <p:cNvPr id="16" name="Rectangle 15">
+          <p:cNvPr id="31" name="Rectangle 30">
             <a:extLst>
               <a:ext uri="{FF2B5EF4-FFF2-40B4-BE49-F238E27FC236}">
                 <a16:creationId xmlns:a16="http://schemas.microsoft.com/office/drawing/2014/main" id="{CA677DB7-5829-45BD-9754-5EC484CC4253}"/>
@@ -3951,10 +9834,10 @@
       </p:sp>
       <p:sp>
         <p:nvSpPr>
-          <p:cNvPr id="5" name="Title 4">
+          <p:cNvPr id="10" name="Title 9">
             <a:extLst>
               <a:ext uri="{FF2B5EF4-FFF2-40B4-BE49-F238E27FC236}">
-                <a16:creationId xmlns:a16="http://schemas.microsoft.com/office/drawing/2014/main" id="{F50F0A76-CCA8-418C-BEF4-FDFE9423D76E}"/>
+                <a16:creationId xmlns:a16="http://schemas.microsoft.com/office/drawing/2014/main" id="{EEA6A6FA-DFBD-4BD0-A680-96DE80C98E6F}"/>
               </a:ext>
             </a:extLst>
           </p:cNvPr>
@@ -3978,18 +9861,58 @@
           <a:lstStyle/>
           <a:p>
             <a:r>
-              <a:rPr lang="en-US" sz="2800" dirty="0"/>
+              <a:rPr lang="en-US" sz="2800"/>
               <a:t>Data analysis</a:t>
+            </a:r>
+          </a:p>
+        </p:txBody>
+      </p:sp>
+      <p:sp>
+        <p:nvSpPr>
+          <p:cNvPr id="2" name="Text Placeholder 1">
+            <a:extLst>
+              <a:ext uri="{FF2B5EF4-FFF2-40B4-BE49-F238E27FC236}">
+                <a16:creationId xmlns:a16="http://schemas.microsoft.com/office/drawing/2014/main" id="{75D9087D-D008-4EB5-AF68-8CC9618CE3E3}"/>
+              </a:ext>
+            </a:extLst>
+          </p:cNvPr>
+          <p:cNvSpPr>
+            <a:spLocks noGrp="1"/>
+          </p:cNvSpPr>
+          <p:nvPr>
+            <p:ph type="body" sz="half" idx="2"/>
+          </p:nvPr>
+        </p:nvSpPr>
+        <p:spPr>
+          <a:xfrm>
+            <a:off x="1121822" y="4352544"/>
+            <a:ext cx="2410650" cy="1239894"/>
+          </a:xfrm>
+        </p:spPr>
+        <p:txBody>
+          <a:bodyPr vert="horz" lIns="91440" tIns="45720" rIns="91440" bIns="45720" rtlCol="0">
+            <a:normAutofit/>
+          </a:bodyPr>
+          <a:lstStyle/>
+          <a:p>
+            <a:pPr lvl="0"/>
+            <a:r>
+              <a:rPr lang="en-US" sz="1800" kern="1200" cap="all" spc="100">
+                <a:latin typeface="+mn-lt"/>
+                <a:ea typeface="+mn-ea"/>
+                <a:cs typeface="+mn-cs"/>
+              </a:rPr>
+              <a:t>Where is gun violence occurring?</a:t>
             </a:r>
           </a:p>
         </p:txBody>
       </p:sp>
       <p:pic>
         <p:nvPicPr>
-          <p:cNvPr id="9" name="Content Placeholder 8">
+          <p:cNvPr id="8" name="Content Placeholder 7">
             <a:extLst>
               <a:ext uri="{FF2B5EF4-FFF2-40B4-BE49-F238E27FC236}">
-                <a16:creationId xmlns:a16="http://schemas.microsoft.com/office/drawing/2014/main" id="{ED032CFA-F658-4EC3-8C6F-09DE00729E18}"/>
+                <a16:creationId xmlns:a16="http://schemas.microsoft.com/office/drawing/2014/main" id="{00D8CD5E-6F52-4467-BFB3-913E9FFBD1AF}"/>
               </a:ext>
             </a:extLst>
           </p:cNvPr>
@@ -4000,72 +9923,30 @@
             <p:ph idx="1"/>
           </p:nvPr>
         </p:nvPicPr>
-        <p:blipFill>
-          <a:blip r:embed="rId2"/>
-          <a:stretch>
-            <a:fillRect/>
-          </a:stretch>
+        <p:blipFill rotWithShape="1">
+          <a:blip r:embed="rId3"/>
+          <a:srcRect t="3817" b="6542"/>
+          <a:stretch/>
         </p:blipFill>
         <p:spPr>
           <a:xfrm>
-            <a:off x="5294376" y="925068"/>
-            <a:ext cx="6257544" cy="4693157"/>
+            <a:off x="5294376" y="1511721"/>
+            <a:ext cx="6257544" cy="3519851"/>
           </a:xfrm>
           <a:prstGeom prst="rect">
             <a:avLst/>
           </a:prstGeom>
         </p:spPr>
       </p:pic>
-      <p:sp>
-        <p:nvSpPr>
-          <p:cNvPr id="7" name="Text Placeholder 6">
-            <a:extLst>
-              <a:ext uri="{FF2B5EF4-FFF2-40B4-BE49-F238E27FC236}">
-                <a16:creationId xmlns:a16="http://schemas.microsoft.com/office/drawing/2014/main" id="{EBD03B0F-974F-4582-BA53-782901B69C13}"/>
-              </a:ext>
-            </a:extLst>
-          </p:cNvPr>
-          <p:cNvSpPr>
-            <a:spLocks noGrp="1"/>
-          </p:cNvSpPr>
-          <p:nvPr>
-            <p:ph type="body" sz="half" idx="2"/>
-          </p:nvPr>
-        </p:nvSpPr>
-        <p:spPr>
-          <a:xfrm>
-            <a:off x="772945" y="4485046"/>
-            <a:ext cx="3108403" cy="960286"/>
-          </a:xfrm>
-        </p:spPr>
-        <p:txBody>
-          <a:bodyPr/>
-          <a:lstStyle/>
-          <a:p>
-            <a:pPr lvl="0">
-              <a:buClr>
-                <a:srgbClr val="9BAFB5"/>
-              </a:buClr>
-            </a:pPr>
-            <a:r>
-              <a:rPr lang="en-US" sz="1800" cap="all" spc="100"/>
-              <a:t>How many guns were used?</a:t>
-            </a:r>
-          </a:p>
-          <a:p>
-            <a:endParaRPr lang="en-US" dirty="0"/>
-          </a:p>
-        </p:txBody>
-      </p:sp>
     </p:spTree>
     <p:extLst>
       <p:ext uri="{BB962C8B-B14F-4D97-AF65-F5344CB8AC3E}">
-        <p14:creationId xmlns:p14="http://schemas.microsoft.com/office/powerpoint/2010/main" val="2137464054"/>
+        <p14:creationId xmlns:p14="http://schemas.microsoft.com/office/powerpoint/2010/main" val="3067954489"/>
       </p:ext>
     </p:extLst>
   </p:cSld>
   <p:clrMapOvr>
-    <a:masterClrMapping/>
+    <a:overrideClrMapping bg1="lt1" tx1="dk1" bg2="lt2" tx2="dk2" accent1="accent1" accent2="accent2" accent3="accent3" accent4="accent4" accent5="accent5" accent6="accent6" hlink="hlink" folHlink="folHlink"/>
   </p:clrMapOvr>
 </p:sld>
 </file>
@@ -4103,7 +9984,7 @@
                 <a16:creationId xmlns:a16="http://schemas.microsoft.com/office/drawing/2014/main" id="{419501C6-F015-4273-AF88-E0F6C853899F}"/>
               </a:ext>
               <a:ext uri="{C183D7F6-B498-43B3-948B-1728B52AA6E4}">
-                <adec:decorative xmlns="" xmlns:adec="http://schemas.microsoft.com/office/drawing/2017/decorative" val="1"/>
+                <adec:decorative xmlns:adec="http://schemas.microsoft.com/office/drawing/2017/decorative" xmlns="" val="1"/>
               </a:ext>
             </a:extLst>
           </p:cNvPr>
@@ -4163,7 +10044,7 @@
                 <a16:creationId xmlns:a16="http://schemas.microsoft.com/office/drawing/2014/main" id="{CA677DB7-5829-45BD-9754-5EC484CC4253}"/>
               </a:ext>
               <a:ext uri="{C183D7F6-B498-43B3-948B-1728B52AA6E4}">
-                <adec:decorative xmlns="" xmlns:adec="http://schemas.microsoft.com/office/drawing/2017/decorative" val="1"/>
+                <adec:decorative xmlns:adec="http://schemas.microsoft.com/office/drawing/2017/decorative" xmlns="" val="1"/>
               </a:ext>
             </a:extLst>
           </p:cNvPr>
@@ -4346,6 +10227,153 @@
     <p:bg>
       <p:bgPr>
         <a:solidFill>
+          <a:schemeClr val="accent2"/>
+        </a:solidFill>
+        <a:effectLst/>
+      </p:bgPr>
+    </p:bg>
+    <p:spTree>
+      <p:nvGrpSpPr>
+        <p:cNvPr id="1" name=""/>
+        <p:cNvGrpSpPr/>
+        <p:nvPr/>
+      </p:nvGrpSpPr>
+      <p:grpSpPr>
+        <a:xfrm>
+          <a:off x="0" y="0"/>
+          <a:ext cx="0" cy="0"/>
+          <a:chOff x="0" y="0"/>
+          <a:chExt cx="0" cy="0"/>
+        </a:xfrm>
+      </p:grpSpPr>
+      <p:sp>
+        <p:nvSpPr>
+          <p:cNvPr id="6" name="Title 5">
+            <a:extLst>
+              <a:ext uri="{FF2B5EF4-FFF2-40B4-BE49-F238E27FC236}">
+                <a16:creationId xmlns:a16="http://schemas.microsoft.com/office/drawing/2014/main" id="{F963D9F2-4AC6-4F2C-A4BF-12A99C95E3E6}"/>
+              </a:ext>
+            </a:extLst>
+          </p:cNvPr>
+          <p:cNvSpPr>
+            <a:spLocks noGrp="1"/>
+          </p:cNvSpPr>
+          <p:nvPr>
+            <p:ph type="title"/>
+          </p:nvPr>
+        </p:nvSpPr>
+        <p:spPr>
+          <a:xfrm>
+            <a:off x="804672" y="2404872"/>
+            <a:ext cx="3044950" cy="1645920"/>
+          </a:xfrm>
+        </p:spPr>
+        <p:txBody>
+          <a:bodyPr vert="horz" lIns="274320" tIns="182880" rIns="274320" bIns="182880" rtlCol="0" anchor="ctr" anchorCtr="1">
+            <a:normAutofit/>
+          </a:bodyPr>
+          <a:lstStyle/>
+          <a:p>
+            <a:r>
+              <a:rPr lang="en-US" sz="2800"/>
+              <a:t>Data analysis</a:t>
+            </a:r>
+          </a:p>
+        </p:txBody>
+      </p:sp>
+      <p:sp>
+        <p:nvSpPr>
+          <p:cNvPr id="2" name="Text Placeholder 1">
+            <a:extLst>
+              <a:ext uri="{FF2B5EF4-FFF2-40B4-BE49-F238E27FC236}">
+                <a16:creationId xmlns:a16="http://schemas.microsoft.com/office/drawing/2014/main" id="{75D9087D-D008-4EB5-AF68-8CC9618CE3E3}"/>
+              </a:ext>
+            </a:extLst>
+          </p:cNvPr>
+          <p:cNvSpPr>
+            <a:spLocks noGrp="1"/>
+          </p:cNvSpPr>
+          <p:nvPr>
+            <p:ph type="body" sz="half" idx="2"/>
+          </p:nvPr>
+        </p:nvSpPr>
+        <p:spPr>
+          <a:xfrm>
+            <a:off x="1121822" y="4352544"/>
+            <a:ext cx="2410650" cy="1239894"/>
+          </a:xfrm>
+        </p:spPr>
+        <p:txBody>
+          <a:bodyPr vert="horz" lIns="91440" tIns="45720" rIns="91440" bIns="45720" rtlCol="0">
+            <a:normAutofit/>
+          </a:bodyPr>
+          <a:lstStyle/>
+          <a:p>
+            <a:pPr lvl="0"/>
+            <a:r>
+              <a:rPr lang="en-US" sz="1800" cap="all" spc="100" dirty="0">
+                <a:solidFill>
+                  <a:schemeClr val="tx1">
+                    <a:lumMod val="75000"/>
+                    <a:lumOff val="25000"/>
+                  </a:schemeClr>
+                </a:solidFill>
+              </a:rPr>
+              <a:t>In which state is gun violence the highest?</a:t>
+            </a:r>
+          </a:p>
+        </p:txBody>
+      </p:sp>
+      <p:pic>
+        <p:nvPicPr>
+          <p:cNvPr id="7" name="Content Placeholder 6">
+            <a:extLst>
+              <a:ext uri="{FF2B5EF4-FFF2-40B4-BE49-F238E27FC236}">
+                <a16:creationId xmlns:a16="http://schemas.microsoft.com/office/drawing/2014/main" id="{174CB10D-A622-4219-8924-7919CF65218B}"/>
+              </a:ext>
+            </a:extLst>
+          </p:cNvPr>
+          <p:cNvPicPr>
+            <a:picLocks noGrp="1" noChangeAspect="1"/>
+          </p:cNvPicPr>
+          <p:nvPr>
+            <p:ph idx="1"/>
+          </p:nvPr>
+        </p:nvPicPr>
+        <p:blipFill rotWithShape="1">
+          <a:blip r:embed="rId3"/>
+          <a:srcRect r="1080"/>
+          <a:stretch/>
+        </p:blipFill>
+        <p:spPr>
+          <a:xfrm>
+            <a:off x="4654296" y="10"/>
+            <a:ext cx="7537703" cy="6857990"/>
+          </a:xfrm>
+          <a:prstGeom prst="rect">
+            <a:avLst/>
+          </a:prstGeom>
+        </p:spPr>
+      </p:pic>
+    </p:spTree>
+    <p:extLst>
+      <p:ext uri="{BB962C8B-B14F-4D97-AF65-F5344CB8AC3E}">
+        <p14:creationId xmlns:p14="http://schemas.microsoft.com/office/powerpoint/2010/main" val="1906343417"/>
+      </p:ext>
+    </p:extLst>
+  </p:cSld>
+  <p:clrMapOvr>
+    <a:masterClrMapping/>
+  </p:clrMapOvr>
+</p:sld>
+</file>
+
+<file path=ppt/slides/slide8.xml><?xml version="1.0" encoding="utf-8"?>
+<p:sld xmlns:a="http://schemas.openxmlformats.org/drawingml/2006/main" xmlns:r="http://schemas.openxmlformats.org/officeDocument/2006/relationships" xmlns:p="http://schemas.openxmlformats.org/presentationml/2006/main">
+  <p:cSld>
+    <p:bg>
+      <p:bgPr>
+        <a:solidFill>
           <a:schemeClr val="bg1"/>
         </a:solidFill>
         <a:effectLst/>
@@ -4373,7 +10401,7 @@
                 <a16:creationId xmlns:a16="http://schemas.microsoft.com/office/drawing/2014/main" id="{419501C6-F015-4273-AF88-E0F6C853899F}"/>
               </a:ext>
               <a:ext uri="{C183D7F6-B498-43B3-948B-1728B52AA6E4}">
-                <adec:decorative xmlns="" xmlns:adec="http://schemas.microsoft.com/office/drawing/2017/decorative" val="1"/>
+                <adec:decorative xmlns:adec="http://schemas.microsoft.com/office/drawing/2017/decorative" xmlns="" val="1"/>
               </a:ext>
             </a:extLst>
           </p:cNvPr>
@@ -4433,7 +10461,7 @@
                 <a16:creationId xmlns:a16="http://schemas.microsoft.com/office/drawing/2014/main" id="{CA677DB7-5829-45BD-9754-5EC484CC4253}"/>
               </a:ext>
               <a:ext uri="{C183D7F6-B498-43B3-948B-1728B52AA6E4}">
-                <adec:decorative xmlns="" xmlns:adec="http://schemas.microsoft.com/office/drawing/2017/decorative" val="1"/>
+                <adec:decorative xmlns:adec="http://schemas.microsoft.com/office/drawing/2017/decorative" xmlns="" val="1"/>
               </a:ext>
             </a:extLst>
           </p:cNvPr>
@@ -4608,9 +10636,17 @@
 </p:sld>
 </file>
 
-<file path=ppt/slides/slide8.xml><?xml version="1.0" encoding="utf-8"?>
+<file path=ppt/slides/slide9.xml><?xml version="1.0" encoding="utf-8"?>
 <p:sld xmlns:a="http://schemas.openxmlformats.org/drawingml/2006/main" xmlns:r="http://schemas.openxmlformats.org/officeDocument/2006/relationships" xmlns:p="http://schemas.openxmlformats.org/presentationml/2006/main">
   <p:cSld>
+    <p:bg>
+      <p:bgPr>
+        <a:solidFill>
+          <a:schemeClr val="accent2"/>
+        </a:solidFill>
+        <a:effectLst/>
+      </p:bgPr>
+    </p:bg>
     <p:spTree>
       <p:nvGrpSpPr>
         <p:cNvPr id="1" name=""/>
@@ -4627,10 +10663,10 @@
       </p:grpSpPr>
       <p:sp>
         <p:nvSpPr>
-          <p:cNvPr id="2" name="Title 1">
+          <p:cNvPr id="6" name="Title 5">
             <a:extLst>
               <a:ext uri="{FF2B5EF4-FFF2-40B4-BE49-F238E27FC236}">
-                <a16:creationId xmlns:a16="http://schemas.microsoft.com/office/drawing/2014/main" id="{98A7B286-3F61-4426-ADB1-2B7B69311A03}"/>
+                <a16:creationId xmlns:a16="http://schemas.microsoft.com/office/drawing/2014/main" id="{F963D9F2-4AC6-4F2C-A4BF-12A99C95E3E6}"/>
               </a:ext>
             </a:extLst>
           </p:cNvPr>
@@ -4641,24 +10677,31 @@
             <p:ph type="title"/>
           </p:nvPr>
         </p:nvSpPr>
-        <p:spPr/>
-        <p:txBody>
-          <a:bodyPr/>
+        <p:spPr>
+          <a:xfrm>
+            <a:off x="804672" y="2404872"/>
+            <a:ext cx="3044950" cy="1645920"/>
+          </a:xfrm>
+        </p:spPr>
+        <p:txBody>
+          <a:bodyPr vert="horz" lIns="274320" tIns="182880" rIns="274320" bIns="182880" rtlCol="0" anchor="ctr" anchorCtr="1">
+            <a:normAutofit/>
+          </a:bodyPr>
           <a:lstStyle/>
           <a:p>
             <a:r>
-              <a:rPr lang="en-US" dirty="0"/>
-              <a:t>discussion</a:t>
-            </a:r>
-          </a:p>
-        </p:txBody>
-      </p:sp>
-      <p:sp>
-        <p:nvSpPr>
-          <p:cNvPr id="3" name="Content Placeholder 2">
+              <a:rPr lang="en-US" sz="2800"/>
+              <a:t>Data analysis</a:t>
+            </a:r>
+          </a:p>
+        </p:txBody>
+      </p:sp>
+      <p:sp>
+        <p:nvSpPr>
+          <p:cNvPr id="2" name="Text Placeholder 1">
             <a:extLst>
               <a:ext uri="{FF2B5EF4-FFF2-40B4-BE49-F238E27FC236}">
-                <a16:creationId xmlns:a16="http://schemas.microsoft.com/office/drawing/2014/main" id="{80C350E7-9D43-40C3-91CF-3321C2E1A145}"/>
+                <a16:creationId xmlns:a16="http://schemas.microsoft.com/office/drawing/2014/main" id="{75D9087D-D008-4EB5-AF68-8CC9618CE3E3}"/>
               </a:ext>
             </a:extLst>
           </p:cNvPr>
@@ -4666,146 +10709,71 @@
             <a:spLocks noGrp="1"/>
           </p:cNvSpPr>
           <p:nvPr>
+            <p:ph type="body" sz="half" idx="2"/>
+          </p:nvPr>
+        </p:nvSpPr>
+        <p:spPr>
+          <a:xfrm>
+            <a:off x="1121822" y="4352544"/>
+            <a:ext cx="2410650" cy="1239894"/>
+          </a:xfrm>
+        </p:spPr>
+        <p:txBody>
+          <a:bodyPr vert="horz" lIns="91440" tIns="45720" rIns="91440" bIns="45720" rtlCol="0">
+            <a:normAutofit/>
+          </a:bodyPr>
+          <a:lstStyle/>
+          <a:p>
+            <a:pPr lvl="0"/>
+            <a:r>
+              <a:rPr lang="en-US" sz="1800" cap="all" spc="100" dirty="0">
+                <a:solidFill>
+                  <a:schemeClr val="tx1">
+                    <a:lumMod val="75000"/>
+                    <a:lumOff val="25000"/>
+                  </a:schemeClr>
+                </a:solidFill>
+              </a:rPr>
+              <a:t>In which city is gun violence the highest?</a:t>
+            </a:r>
+          </a:p>
+        </p:txBody>
+      </p:sp>
+      <p:pic>
+        <p:nvPicPr>
+          <p:cNvPr id="8" name="Content Placeholder 7">
+            <a:extLst>
+              <a:ext uri="{FF2B5EF4-FFF2-40B4-BE49-F238E27FC236}">
+                <a16:creationId xmlns:a16="http://schemas.microsoft.com/office/drawing/2014/main" id="{0CFC19E4-A731-4CCB-BE4F-5C184A23F6C7}"/>
+              </a:ext>
+            </a:extLst>
+          </p:cNvPr>
+          <p:cNvPicPr>
+            <a:picLocks noGrp="1" noChangeAspect="1"/>
+          </p:cNvPicPr>
+          <p:nvPr>
             <p:ph idx="1"/>
           </p:nvPr>
-        </p:nvSpPr>
-        <p:spPr/>
-        <p:txBody>
-          <a:bodyPr/>
-          <a:lstStyle/>
-          <a:p>
-            <a:endParaRPr lang="en-US" dirty="0"/>
-          </a:p>
-        </p:txBody>
-      </p:sp>
+        </p:nvPicPr>
+        <p:blipFill rotWithShape="1">
+          <a:blip r:embed="rId3"/>
+          <a:srcRect r="1080"/>
+          <a:stretch/>
+        </p:blipFill>
+        <p:spPr>
+          <a:xfrm>
+            <a:off x="4654296" y="10"/>
+            <a:ext cx="7537703" cy="6857990"/>
+          </a:xfrm>
+          <a:prstGeom prst="rect">
+            <a:avLst/>
+          </a:prstGeom>
+        </p:spPr>
+      </p:pic>
     </p:spTree>
     <p:extLst>
       <p:ext uri="{BB962C8B-B14F-4D97-AF65-F5344CB8AC3E}">
-        <p14:creationId xmlns:p14="http://schemas.microsoft.com/office/powerpoint/2010/main" val="1978212501"/>
-      </p:ext>
-    </p:extLst>
-  </p:cSld>
-  <p:clrMapOvr>
-    <a:masterClrMapping/>
-  </p:clrMapOvr>
-</p:sld>
-</file>
-
-<file path=ppt/slides/slide9.xml><?xml version="1.0" encoding="utf-8"?>
-<p:sld xmlns:a="http://schemas.openxmlformats.org/drawingml/2006/main" xmlns:r="http://schemas.openxmlformats.org/officeDocument/2006/relationships" xmlns:p="http://schemas.openxmlformats.org/presentationml/2006/main">
-  <p:cSld>
-    <p:spTree>
-      <p:nvGrpSpPr>
-        <p:cNvPr id="1" name=""/>
-        <p:cNvGrpSpPr/>
-        <p:nvPr/>
-      </p:nvGrpSpPr>
-      <p:grpSpPr>
-        <a:xfrm>
-          <a:off x="0" y="0"/>
-          <a:ext cx="0" cy="0"/>
-          <a:chOff x="0" y="0"/>
-          <a:chExt cx="0" cy="0"/>
-        </a:xfrm>
-      </p:grpSpPr>
-      <p:sp>
-        <p:nvSpPr>
-          <p:cNvPr id="2" name="Title 1">
-            <a:extLst>
-              <a:ext uri="{FF2B5EF4-FFF2-40B4-BE49-F238E27FC236}">
-                <a16:creationId xmlns:a16="http://schemas.microsoft.com/office/drawing/2014/main" id="{896070F9-A731-4A22-B225-05BDE69A2EDA}"/>
-              </a:ext>
-            </a:extLst>
-          </p:cNvPr>
-          <p:cNvSpPr>
-            <a:spLocks noGrp="1"/>
-          </p:cNvSpPr>
-          <p:nvPr>
-            <p:ph type="title"/>
-          </p:nvPr>
-        </p:nvSpPr>
-        <p:spPr/>
-        <p:txBody>
-          <a:bodyPr/>
-          <a:lstStyle/>
-          <a:p>
-            <a:r>
-              <a:rPr lang="en-US" dirty="0"/>
-              <a:t>Post mortem</a:t>
-            </a:r>
-          </a:p>
-        </p:txBody>
-      </p:sp>
-      <p:sp>
-        <p:nvSpPr>
-          <p:cNvPr id="3" name="Content Placeholder 2">
-            <a:extLst>
-              <a:ext uri="{FF2B5EF4-FFF2-40B4-BE49-F238E27FC236}">
-                <a16:creationId xmlns:a16="http://schemas.microsoft.com/office/drawing/2014/main" id="{E5636531-9109-48B7-8803-A3C4602DF4DA}"/>
-              </a:ext>
-            </a:extLst>
-          </p:cNvPr>
-          <p:cNvSpPr>
-            <a:spLocks noGrp="1"/>
-          </p:cNvSpPr>
-          <p:nvPr>
-            <p:ph idx="1"/>
-          </p:nvPr>
-        </p:nvSpPr>
-        <p:spPr/>
-        <p:txBody>
-          <a:bodyPr/>
-          <a:lstStyle/>
-          <a:p>
-            <a:r>
-              <a:rPr lang="en-US" dirty="0"/>
-              <a:t>Difficulties</a:t>
-            </a:r>
-          </a:p>
-          <a:p>
-            <a:pPr lvl="1"/>
-            <a:r>
-              <a:rPr lang="en-US" dirty="0"/>
-              <a:t>Graphs were difficult to construct</a:t>
-            </a:r>
-          </a:p>
-          <a:p>
-            <a:r>
-              <a:rPr lang="en-US" dirty="0"/>
-              <a:t>Additional Questions</a:t>
-            </a:r>
-          </a:p>
-          <a:p>
-            <a:pPr lvl="1"/>
-            <a:r>
-              <a:rPr lang="en-US" dirty="0"/>
-              <a:t>Multi-year analysis</a:t>
-            </a:r>
-          </a:p>
-          <a:p>
-            <a:pPr lvl="1"/>
-            <a:r>
-              <a:rPr lang="en-US" dirty="0"/>
-              <a:t>Focusing on a smaller set of case studies like comparing states with varying gun laws</a:t>
-            </a:r>
-          </a:p>
-          <a:p>
-            <a:pPr lvl="1"/>
-            <a:r>
-              <a:rPr lang="en-US" dirty="0"/>
-              <a:t>Analysis of other fields (gender, whether gun was procured illegally or legally)</a:t>
-            </a:r>
-          </a:p>
-          <a:p>
-            <a:pPr lvl="1"/>
-            <a:endParaRPr lang="en-US" dirty="0"/>
-          </a:p>
-        </p:txBody>
-      </p:sp>
-    </p:spTree>
-    <p:extLst>
-      <p:ext uri="{BB962C8B-B14F-4D97-AF65-F5344CB8AC3E}">
-        <p14:creationId xmlns:p14="http://schemas.microsoft.com/office/powerpoint/2010/main" val="3977489860"/>
+        <p14:creationId xmlns:p14="http://schemas.microsoft.com/office/powerpoint/2010/main" val="2702888005"/>
       </p:ext>
     </p:extLst>
   </p:cSld>
@@ -5073,4 +11041,299 @@
     </a:ext>
   </a:extLst>
 </a:theme>
+</file>
+
+<file path=ppt/theme/theme2.xml><?xml version="1.0" encoding="utf-8"?>
+<a:theme xmlns:a="http://schemas.openxmlformats.org/drawingml/2006/main" name="Office Theme">
+  <a:themeElements>
+    <a:clrScheme name="Office">
+      <a:dk1>
+        <a:sysClr val="windowText" lastClr="000000"/>
+      </a:dk1>
+      <a:lt1>
+        <a:sysClr val="window" lastClr="FFFFFF"/>
+      </a:lt1>
+      <a:dk2>
+        <a:srgbClr val="44546A"/>
+      </a:dk2>
+      <a:lt2>
+        <a:srgbClr val="E7E6E6"/>
+      </a:lt2>
+      <a:accent1>
+        <a:srgbClr val="4472C4"/>
+      </a:accent1>
+      <a:accent2>
+        <a:srgbClr val="ED7D31"/>
+      </a:accent2>
+      <a:accent3>
+        <a:srgbClr val="A5A5A5"/>
+      </a:accent3>
+      <a:accent4>
+        <a:srgbClr val="FFC000"/>
+      </a:accent4>
+      <a:accent5>
+        <a:srgbClr val="5B9BD5"/>
+      </a:accent5>
+      <a:accent6>
+        <a:srgbClr val="70AD47"/>
+      </a:accent6>
+      <a:hlink>
+        <a:srgbClr val="0563C1"/>
+      </a:hlink>
+      <a:folHlink>
+        <a:srgbClr val="954F72"/>
+      </a:folHlink>
+    </a:clrScheme>
+    <a:fontScheme name="Office">
+      <a:majorFont>
+        <a:latin typeface="Calibri Light" panose="020F0302020204030204"/>
+        <a:ea typeface=""/>
+        <a:cs typeface=""/>
+        <a:font script="Jpan" typeface="游ゴシック Light"/>
+        <a:font script="Hang" typeface="맑은 고딕"/>
+        <a:font script="Hans" typeface="等线 Light"/>
+        <a:font script="Hant" typeface="新細明體"/>
+        <a:font script="Arab" typeface="Times New Roman"/>
+        <a:font script="Hebr" typeface="Times New Roman"/>
+        <a:font script="Thai" typeface="Angsana New"/>
+        <a:font script="Ethi" typeface="Nyala"/>
+        <a:font script="Beng" typeface="Vrinda"/>
+        <a:font script="Gujr" typeface="Shruti"/>
+        <a:font script="Khmr" typeface="MoolBoran"/>
+        <a:font script="Knda" typeface="Tunga"/>
+        <a:font script="Guru" typeface="Raavi"/>
+        <a:font script="Cans" typeface="Euphemia"/>
+        <a:font script="Cher" typeface="Plantagenet Cherokee"/>
+        <a:font script="Yiii" typeface="Microsoft Yi Baiti"/>
+        <a:font script="Tibt" typeface="Microsoft Himalaya"/>
+        <a:font script="Thaa" typeface="MV Boli"/>
+        <a:font script="Deva" typeface="Mangal"/>
+        <a:font script="Telu" typeface="Gautami"/>
+        <a:font script="Taml" typeface="Latha"/>
+        <a:font script="Syrc" typeface="Estrangelo Edessa"/>
+        <a:font script="Orya" typeface="Kalinga"/>
+        <a:font script="Mlym" typeface="Kartika"/>
+        <a:font script="Laoo" typeface="DokChampa"/>
+        <a:font script="Sinh" typeface="Iskoola Pota"/>
+        <a:font script="Mong" typeface="Mongolian Baiti"/>
+        <a:font script="Viet" typeface="Times New Roman"/>
+        <a:font script="Uigh" typeface="Microsoft Uighur"/>
+        <a:font script="Geor" typeface="Sylfaen"/>
+        <a:font script="Armn" typeface="Arial"/>
+        <a:font script="Bugi" typeface="Leelawadee UI"/>
+        <a:font script="Bopo" typeface="Microsoft JhengHei"/>
+        <a:font script="Java" typeface="Javanese Text"/>
+        <a:font script="Lisu" typeface="Segoe UI"/>
+        <a:font script="Mymr" typeface="Myanmar Text"/>
+        <a:font script="Nkoo" typeface="Ebrima"/>
+        <a:font script="Olck" typeface="Nirmala UI"/>
+        <a:font script="Osma" typeface="Ebrima"/>
+        <a:font script="Phag" typeface="Phagspa"/>
+        <a:font script="Syrn" typeface="Estrangelo Edessa"/>
+        <a:font script="Syrj" typeface="Estrangelo Edessa"/>
+        <a:font script="Syre" typeface="Estrangelo Edessa"/>
+        <a:font script="Sora" typeface="Nirmala UI"/>
+        <a:font script="Tale" typeface="Microsoft Tai Le"/>
+        <a:font script="Talu" typeface="Microsoft New Tai Lue"/>
+        <a:font script="Tfng" typeface="Ebrima"/>
+      </a:majorFont>
+      <a:minorFont>
+        <a:latin typeface="Calibri" panose="020F0502020204030204"/>
+        <a:ea typeface=""/>
+        <a:cs typeface=""/>
+        <a:font script="Jpan" typeface="游ゴシック"/>
+        <a:font script="Hang" typeface="맑은 고딕"/>
+        <a:font script="Hans" typeface="等线"/>
+        <a:font script="Hant" typeface="新細明體"/>
+        <a:font script="Arab" typeface="Arial"/>
+        <a:font script="Hebr" typeface="Arial"/>
+        <a:font script="Thai" typeface="Cordia New"/>
+        <a:font script="Ethi" typeface="Nyala"/>
+        <a:font script="Beng" typeface="Vrinda"/>
+        <a:font script="Gujr" typeface="Shruti"/>
+        <a:font script="Khmr" typeface="DaunPenh"/>
+        <a:font script="Knda" typeface="Tunga"/>
+        <a:font script="Guru" typeface="Raavi"/>
+        <a:font script="Cans" typeface="Euphemia"/>
+        <a:font script="Cher" typeface="Plantagenet Cherokee"/>
+        <a:font script="Yiii" typeface="Microsoft Yi Baiti"/>
+        <a:font script="Tibt" typeface="Microsoft Himalaya"/>
+        <a:font script="Thaa" typeface="MV Boli"/>
+        <a:font script="Deva" typeface="Mangal"/>
+        <a:font script="Telu" typeface="Gautami"/>
+        <a:font script="Taml" typeface="Latha"/>
+        <a:font script="Syrc" typeface="Estrangelo Edessa"/>
+        <a:font script="Orya" typeface="Kalinga"/>
+        <a:font script="Mlym" typeface="Kartika"/>
+        <a:font script="Laoo" typeface="DokChampa"/>
+        <a:font script="Sinh" typeface="Iskoola Pota"/>
+        <a:font script="Mong" typeface="Mongolian Baiti"/>
+        <a:font script="Viet" typeface="Arial"/>
+        <a:font script="Uigh" typeface="Microsoft Uighur"/>
+        <a:font script="Geor" typeface="Sylfaen"/>
+        <a:font script="Armn" typeface="Arial"/>
+        <a:font script="Bugi" typeface="Leelawadee UI"/>
+        <a:font script="Bopo" typeface="Microsoft JhengHei"/>
+        <a:font script="Java" typeface="Javanese Text"/>
+        <a:font script="Lisu" typeface="Segoe UI"/>
+        <a:font script="Mymr" typeface="Myanmar Text"/>
+        <a:font script="Nkoo" typeface="Ebrima"/>
+        <a:font script="Olck" typeface="Nirmala UI"/>
+        <a:font script="Osma" typeface="Ebrima"/>
+        <a:font script="Phag" typeface="Phagspa"/>
+        <a:font script="Syrn" typeface="Estrangelo Edessa"/>
+        <a:font script="Syrj" typeface="Estrangelo Edessa"/>
+        <a:font script="Syre" typeface="Estrangelo Edessa"/>
+        <a:font script="Sora" typeface="Nirmala UI"/>
+        <a:font script="Tale" typeface="Microsoft Tai Le"/>
+        <a:font script="Talu" typeface="Microsoft New Tai Lue"/>
+        <a:font script="Tfng" typeface="Ebrima"/>
+      </a:minorFont>
+    </a:fontScheme>
+    <a:fmtScheme name="Office">
+      <a:fillStyleLst>
+        <a:solidFill>
+          <a:schemeClr val="phClr"/>
+        </a:solidFill>
+        <a:gradFill rotWithShape="1">
+          <a:gsLst>
+            <a:gs pos="0">
+              <a:schemeClr val="phClr">
+                <a:lumMod val="110000"/>
+                <a:satMod val="105000"/>
+                <a:tint val="67000"/>
+              </a:schemeClr>
+            </a:gs>
+            <a:gs pos="50000">
+              <a:schemeClr val="phClr">
+                <a:lumMod val="105000"/>
+                <a:satMod val="103000"/>
+                <a:tint val="73000"/>
+              </a:schemeClr>
+            </a:gs>
+            <a:gs pos="100000">
+              <a:schemeClr val="phClr">
+                <a:lumMod val="105000"/>
+                <a:satMod val="109000"/>
+                <a:tint val="81000"/>
+              </a:schemeClr>
+            </a:gs>
+          </a:gsLst>
+          <a:lin ang="5400000" scaled="0"/>
+        </a:gradFill>
+        <a:gradFill rotWithShape="1">
+          <a:gsLst>
+            <a:gs pos="0">
+              <a:schemeClr val="phClr">
+                <a:satMod val="103000"/>
+                <a:lumMod val="102000"/>
+                <a:tint val="94000"/>
+              </a:schemeClr>
+            </a:gs>
+            <a:gs pos="50000">
+              <a:schemeClr val="phClr">
+                <a:satMod val="110000"/>
+                <a:lumMod val="100000"/>
+                <a:shade val="100000"/>
+              </a:schemeClr>
+            </a:gs>
+            <a:gs pos="100000">
+              <a:schemeClr val="phClr">
+                <a:lumMod val="99000"/>
+                <a:satMod val="120000"/>
+                <a:shade val="78000"/>
+              </a:schemeClr>
+            </a:gs>
+          </a:gsLst>
+          <a:lin ang="5400000" scaled="0"/>
+        </a:gradFill>
+      </a:fillStyleLst>
+      <a:lnStyleLst>
+        <a:ln w="6350" cap="flat" cmpd="sng" algn="ctr">
+          <a:solidFill>
+            <a:schemeClr val="phClr"/>
+          </a:solidFill>
+          <a:prstDash val="solid"/>
+          <a:miter lim="800000"/>
+        </a:ln>
+        <a:ln w="12700" cap="flat" cmpd="sng" algn="ctr">
+          <a:solidFill>
+            <a:schemeClr val="phClr"/>
+          </a:solidFill>
+          <a:prstDash val="solid"/>
+          <a:miter lim="800000"/>
+        </a:ln>
+        <a:ln w="19050" cap="flat" cmpd="sng" algn="ctr">
+          <a:solidFill>
+            <a:schemeClr val="phClr"/>
+          </a:solidFill>
+          <a:prstDash val="solid"/>
+          <a:miter lim="800000"/>
+        </a:ln>
+      </a:lnStyleLst>
+      <a:effectStyleLst>
+        <a:effectStyle>
+          <a:effectLst/>
+        </a:effectStyle>
+        <a:effectStyle>
+          <a:effectLst/>
+        </a:effectStyle>
+        <a:effectStyle>
+          <a:effectLst>
+            <a:outerShdw blurRad="57150" dist="19050" dir="5400000" algn="ctr" rotWithShape="0">
+              <a:srgbClr val="000000">
+                <a:alpha val="63000"/>
+              </a:srgbClr>
+            </a:outerShdw>
+          </a:effectLst>
+        </a:effectStyle>
+      </a:effectStyleLst>
+      <a:bgFillStyleLst>
+        <a:solidFill>
+          <a:schemeClr val="phClr"/>
+        </a:solidFill>
+        <a:solidFill>
+          <a:schemeClr val="phClr">
+            <a:tint val="95000"/>
+            <a:satMod val="170000"/>
+          </a:schemeClr>
+        </a:solidFill>
+        <a:gradFill rotWithShape="1">
+          <a:gsLst>
+            <a:gs pos="0">
+              <a:schemeClr val="phClr">
+                <a:tint val="93000"/>
+                <a:satMod val="150000"/>
+                <a:shade val="98000"/>
+                <a:lumMod val="102000"/>
+              </a:schemeClr>
+            </a:gs>
+            <a:gs pos="50000">
+              <a:schemeClr val="phClr">
+                <a:tint val="98000"/>
+                <a:satMod val="130000"/>
+                <a:shade val="90000"/>
+                <a:lumMod val="103000"/>
+              </a:schemeClr>
+            </a:gs>
+            <a:gs pos="100000">
+              <a:schemeClr val="phClr">
+                <a:shade val="63000"/>
+                <a:satMod val="120000"/>
+              </a:schemeClr>
+            </a:gs>
+          </a:gsLst>
+          <a:lin ang="5400000" scaled="0"/>
+        </a:gradFill>
+      </a:bgFillStyleLst>
+    </a:fmtScheme>
+  </a:themeElements>
+  <a:objectDefaults/>
+  <a:extraClrSchemeLst/>
+  <a:extLst>
+    <a:ext uri="{05A4C25C-085E-4340-85A3-A5531E510DB2}">
+      <thm15:themeFamily xmlns:thm15="http://schemas.microsoft.com/office/thememl/2012/main" name="Office Theme" id="{62F939B6-93AF-4DB8-9C6B-D6C7DFDC589F}" vid="{4A3C46E8-61CC-4603-A589-7422A47A8E4A}"/>
+    </a:ext>
+  </a:extLst>
+</a:theme>
 </file>